--- a/papers/202110415104 蒋学琛 基于多模态深度学习的社交媒体虚假新闻检测.docx.pptx
+++ b/papers/202110415104 蒋学琛 基于多模态深度学习的社交媒体虚假新闻检测.docx.pptx
@@ -28,8 +28,8 @@
     <p:sldId id="556" r:id="rId16"/>
     <p:sldId id="562" r:id="rId17"/>
     <p:sldId id="554" r:id="rId18"/>
-    <p:sldId id="550" r:id="rId19"/>
-    <p:sldId id="552" r:id="rId20"/>
+    <p:sldId id="552" r:id="rId19"/>
+    <p:sldId id="550" r:id="rId20"/>
     <p:sldId id="559" r:id="rId21"/>
   </p:sldIdLst>
   <p:sldSz cx="9144000" cy="5143500" type="screen16x9"/>
@@ -263,7 +263,7 @@
           <a:p>
             <a:fld id="{84B18F8A-74B5-9148-A891-627592061A38}" type="datetimeFigureOut">
               <a:rPr kumimoji="1" lang="zh-CN" altLang="en-US" smtClean="0"/>
-              <a:t>2025/6/4</a:t>
+              <a:t>2025/6/5</a:t>
             </a:fld>
             <a:endParaRPr kumimoji="1" lang="zh-CN" altLang="en-US"/>
           </a:p>
@@ -429,7 +429,7 @@
           <a:p>
             <a:fld id="{E6D6ACD6-F780-4A47-B5D9-D292A4BD6F81}" type="datetimeFigureOut">
               <a:rPr kumimoji="1" lang="zh-CN" altLang="en-US" smtClean="0"/>
-              <a:t>2025/6/4</a:t>
+              <a:t>2025/6/5</a:t>
             </a:fld>
             <a:endParaRPr kumimoji="1" lang="zh-CN" altLang="en-US"/>
           </a:p>
@@ -2743,7 +2743,7 @@
           <a:p>
             <a:fld id="{5592522B-0F24-4480-B9DD-A9474A6880D6}" type="datetimeFigureOut">
               <a:rPr lang="zh-CN" altLang="en-US" smtClean="0"/>
-              <a:t>2025/6/4</a:t>
+              <a:t>2025/6/5</a:t>
             </a:fld>
             <a:endParaRPr lang="zh-CN" altLang="en-US"/>
           </a:p>
@@ -3689,7 +3689,7 @@
         <p:spPr>
           <a:xfrm>
             <a:off x="2458720" y="2018030"/>
-            <a:ext cx="6488430" cy="622300"/>
+            <a:ext cx="6488430" cy="931024"/>
           </a:xfrm>
           <a:prstGeom prst="rect">
             <a:avLst/>
@@ -3703,15 +3703,22 @@
           <a:p>
             <a:pPr algn="l"/>
             <a:r>
-              <a:rPr lang="en-US" altLang="zh-CN" sz="3600" b="1" dirty="0">
+              <a:rPr lang="zh-CN" altLang="en-US" sz="2800" b="1" dirty="0">
                 <a:solidFill>
                   <a:schemeClr val="accent1"/>
                 </a:solidFill>
                 <a:latin typeface="+mj-ea"/>
                 <a:ea typeface="+mj-ea"/>
               </a:rPr>
-              <a:t>毕业答辩汇报PPT</a:t>
+              <a:t>基于多模态深度学习的社交媒体虚假新闻检测</a:t>
             </a:r>
+            <a:endParaRPr lang="en-US" altLang="zh-CN" sz="2800" b="1" dirty="0">
+              <a:solidFill>
+                <a:schemeClr val="accent1"/>
+              </a:solidFill>
+              <a:latin typeface="+mj-ea"/>
+              <a:ea typeface="+mj-ea"/>
+            </a:endParaRPr>
           </a:p>
         </p:txBody>
       </p:sp>
@@ -15554,7 +15561,7 @@
       </p:grpSpPr>
       <p:sp>
         <p:nvSpPr>
-          <p:cNvPr id="16" name="矩形 15"/>
+          <p:cNvPr id="49" name="矩形 48"/>
           <p:cNvSpPr>
             <a:spLocks noChangeArrowheads="1"/>
           </p:cNvSpPr>
@@ -15563,7 +15570,7 @@
         <p:spPr bwMode="auto">
           <a:xfrm>
             <a:off x="476188" y="177842"/>
-            <a:ext cx="1130300" cy="459105"/>
+            <a:ext cx="1415768" cy="461663"/>
           </a:xfrm>
           <a:prstGeom prst="rect">
             <a:avLst/>
@@ -15750,1368 +15757,20 @@
               <a:buNone/>
             </a:pPr>
             <a:r>
-              <a:rPr lang="en-US" altLang="zh-CN" sz="2400" b="1" dirty="0">
+              <a:rPr lang="zh-CN" altLang="en-US" sz="2400" b="1" dirty="0">
                 <a:solidFill>
                   <a:schemeClr val="accent1"/>
                 </a:solidFill>
                 <a:latin typeface="Arial" panose="020B0604020202020204" pitchFamily="34" charset="0"/>
               </a:rPr>
-              <a:t>研究难点</a:t>
+              <a:t>系统部署</a:t>
             </a:r>
-          </a:p>
-        </p:txBody>
-      </p:sp>
-      <p:sp>
-        <p:nvSpPr>
-          <p:cNvPr id="17" name="等腰三角形 16"/>
-          <p:cNvSpPr>
-            <a:spLocks noChangeArrowheads="1"/>
-          </p:cNvSpPr>
-          <p:nvPr>
-            <p:custDataLst>
-              <p:tags r:id="rId1"/>
-            </p:custDataLst>
-          </p:nvPr>
-        </p:nvSpPr>
-        <p:spPr bwMode="auto">
-          <a:xfrm rot="5400000">
-            <a:off x="-39787" y="157290"/>
-            <a:ext cx="581159" cy="501585"/>
-          </a:xfrm>
-          <a:prstGeom prst="triangle">
-            <a:avLst>
-              <a:gd name="adj" fmla="val 50000"/>
-            </a:avLst>
-          </a:prstGeom>
-          <a:solidFill>
-            <a:schemeClr val="accent1"/>
-          </a:solidFill>
-          <a:ln>
-            <a:noFill/>
-          </a:ln>
-        </p:spPr>
-        <p:txBody>
-          <a:bodyPr lIns="91438" tIns="45719" rIns="91438" bIns="45719" anchor="ctr"/>
-          <a:lstStyle>
-            <a:lvl1pPr>
-              <a:spcBef>
-                <a:spcPct val="20000"/>
-              </a:spcBef>
-              <a:buFont typeface="Arial" panose="020B0604020202020204" pitchFamily="34" charset="0"/>
-              <a:buChar char="•"/>
-              <a:defRPr sz="3200">
-                <a:solidFill>
-                  <a:schemeClr val="tx1"/>
-                </a:solidFill>
-                <a:latin typeface="微软雅黑" panose="020B0503020204020204" pitchFamily="34" charset="-122"/>
-                <a:ea typeface="微软雅黑" panose="020B0503020204020204" pitchFamily="34" charset="-122"/>
-                <a:sym typeface="Calibri" panose="020F0502020204030204" pitchFamily="34" charset="0"/>
-              </a:defRPr>
-            </a:lvl1pPr>
-            <a:lvl2pPr marL="742950" indent="-285750">
-              <a:spcBef>
-                <a:spcPct val="20000"/>
-              </a:spcBef>
-              <a:buFont typeface="Arial" panose="020B0604020202020204" pitchFamily="34" charset="0"/>
-              <a:buChar char="–"/>
-              <a:defRPr sz="2800">
-                <a:solidFill>
-                  <a:schemeClr val="tx1"/>
-                </a:solidFill>
-                <a:latin typeface="微软雅黑" panose="020B0503020204020204" pitchFamily="34" charset="-122"/>
-                <a:ea typeface="微软雅黑" panose="020B0503020204020204" pitchFamily="34" charset="-122"/>
-                <a:sym typeface="Calibri" panose="020F0502020204030204" pitchFamily="34" charset="0"/>
-              </a:defRPr>
-            </a:lvl2pPr>
-            <a:lvl3pPr marL="1143000" indent="-228600">
-              <a:spcBef>
-                <a:spcPct val="20000"/>
-              </a:spcBef>
-              <a:buFont typeface="Arial" panose="020B0604020202020204" pitchFamily="34" charset="0"/>
-              <a:buChar char="•"/>
-              <a:defRPr sz="2400">
-                <a:solidFill>
-                  <a:schemeClr val="tx1"/>
-                </a:solidFill>
-                <a:latin typeface="微软雅黑" panose="020B0503020204020204" pitchFamily="34" charset="-122"/>
-                <a:ea typeface="微软雅黑" panose="020B0503020204020204" pitchFamily="34" charset="-122"/>
-                <a:sym typeface="Calibri" panose="020F0502020204030204" pitchFamily="34" charset="0"/>
-              </a:defRPr>
-            </a:lvl3pPr>
-            <a:lvl4pPr marL="1600200" indent="-228600">
-              <a:spcBef>
-                <a:spcPct val="20000"/>
-              </a:spcBef>
-              <a:buFont typeface="Arial" panose="020B0604020202020204" pitchFamily="34" charset="0"/>
-              <a:buChar char="–"/>
-              <a:defRPr sz="2000">
-                <a:solidFill>
-                  <a:schemeClr val="tx1"/>
-                </a:solidFill>
-                <a:latin typeface="微软雅黑" panose="020B0503020204020204" pitchFamily="34" charset="-122"/>
-                <a:ea typeface="微软雅黑" panose="020B0503020204020204" pitchFamily="34" charset="-122"/>
-                <a:sym typeface="Calibri" panose="020F0502020204030204" pitchFamily="34" charset="0"/>
-              </a:defRPr>
-            </a:lvl4pPr>
-            <a:lvl5pPr marL="2057400" indent="-228600">
-              <a:spcBef>
-                <a:spcPct val="20000"/>
-              </a:spcBef>
-              <a:buFont typeface="Arial" panose="020B0604020202020204" pitchFamily="34" charset="0"/>
-              <a:buChar char="»"/>
-              <a:defRPr sz="2000">
-                <a:solidFill>
-                  <a:schemeClr val="tx1"/>
-                </a:solidFill>
-                <a:latin typeface="微软雅黑" panose="020B0503020204020204" pitchFamily="34" charset="-122"/>
-                <a:ea typeface="微软雅黑" panose="020B0503020204020204" pitchFamily="34" charset="-122"/>
-                <a:sym typeface="Calibri" panose="020F0502020204030204" pitchFamily="34" charset="0"/>
-              </a:defRPr>
-            </a:lvl5pPr>
-            <a:lvl6pPr marL="2514600" indent="-228600" eaLnBrk="0" fontAlgn="base" hangingPunct="0">
-              <a:spcBef>
-                <a:spcPct val="20000"/>
-              </a:spcBef>
-              <a:spcAft>
-                <a:spcPct val="0"/>
-              </a:spcAft>
-              <a:buFont typeface="Arial" panose="020B0604020202020204" pitchFamily="34" charset="0"/>
-              <a:buChar char="»"/>
-              <a:defRPr sz="2000">
-                <a:solidFill>
-                  <a:schemeClr val="tx1"/>
-                </a:solidFill>
-                <a:latin typeface="微软雅黑" panose="020B0503020204020204" pitchFamily="34" charset="-122"/>
-                <a:ea typeface="微软雅黑" panose="020B0503020204020204" pitchFamily="34" charset="-122"/>
-                <a:sym typeface="Calibri" panose="020F0502020204030204" pitchFamily="34" charset="0"/>
-              </a:defRPr>
-            </a:lvl6pPr>
-            <a:lvl7pPr marL="2971800" indent="-228600" eaLnBrk="0" fontAlgn="base" hangingPunct="0">
-              <a:spcBef>
-                <a:spcPct val="20000"/>
-              </a:spcBef>
-              <a:spcAft>
-                <a:spcPct val="0"/>
-              </a:spcAft>
-              <a:buFont typeface="Arial" panose="020B0604020202020204" pitchFamily="34" charset="0"/>
-              <a:buChar char="»"/>
-              <a:defRPr sz="2000">
-                <a:solidFill>
-                  <a:schemeClr val="tx1"/>
-                </a:solidFill>
-                <a:latin typeface="微软雅黑" panose="020B0503020204020204" pitchFamily="34" charset="-122"/>
-                <a:ea typeface="微软雅黑" panose="020B0503020204020204" pitchFamily="34" charset="-122"/>
-                <a:sym typeface="Calibri" panose="020F0502020204030204" pitchFamily="34" charset="0"/>
-              </a:defRPr>
-            </a:lvl7pPr>
-            <a:lvl8pPr marL="3429000" indent="-228600" eaLnBrk="0" fontAlgn="base" hangingPunct="0">
-              <a:spcBef>
-                <a:spcPct val="20000"/>
-              </a:spcBef>
-              <a:spcAft>
-                <a:spcPct val="0"/>
-              </a:spcAft>
-              <a:buFont typeface="Arial" panose="020B0604020202020204" pitchFamily="34" charset="0"/>
-              <a:buChar char="»"/>
-              <a:defRPr sz="2000">
-                <a:solidFill>
-                  <a:schemeClr val="tx1"/>
-                </a:solidFill>
-                <a:latin typeface="微软雅黑" panose="020B0503020204020204" pitchFamily="34" charset="-122"/>
-                <a:ea typeface="微软雅黑" panose="020B0503020204020204" pitchFamily="34" charset="-122"/>
-                <a:sym typeface="Calibri" panose="020F0502020204030204" pitchFamily="34" charset="0"/>
-              </a:defRPr>
-            </a:lvl8pPr>
-            <a:lvl9pPr marL="3886200" indent="-228600" eaLnBrk="0" fontAlgn="base" hangingPunct="0">
-              <a:spcBef>
-                <a:spcPct val="20000"/>
-              </a:spcBef>
-              <a:spcAft>
-                <a:spcPct val="0"/>
-              </a:spcAft>
-              <a:buFont typeface="Arial" panose="020B0604020202020204" pitchFamily="34" charset="0"/>
-              <a:buChar char="»"/>
-              <a:defRPr sz="2000">
-                <a:solidFill>
-                  <a:schemeClr val="tx1"/>
-                </a:solidFill>
-                <a:latin typeface="微软雅黑" panose="020B0503020204020204" pitchFamily="34" charset="-122"/>
-                <a:ea typeface="微软雅黑" panose="020B0503020204020204" pitchFamily="34" charset="-122"/>
-                <a:sym typeface="Calibri" panose="020F0502020204030204" pitchFamily="34" charset="0"/>
-              </a:defRPr>
-            </a:lvl9pPr>
-          </a:lstStyle>
-          <a:p>
-            <a:pPr algn="ctr" eaLnBrk="1" hangingPunct="1">
-              <a:spcBef>
-                <a:spcPct val="0"/>
-              </a:spcBef>
-              <a:buFont typeface="Arial" panose="020B0604020202020204" pitchFamily="34" charset="0"/>
-              <a:buNone/>
-            </a:pPr>
-            <a:endParaRPr lang="zh-CN" altLang="zh-CN" sz="1800">
+            <a:endParaRPr lang="en-US" altLang="zh-CN" sz="2400" b="1" dirty="0">
               <a:solidFill>
-                <a:srgbClr val="FFFFFF"/>
+                <a:schemeClr val="accent1"/>
               </a:solidFill>
-              <a:sym typeface="微软雅黑" panose="020B0503020204020204" pitchFamily="34" charset="-122"/>
+              <a:latin typeface="Arial" panose="020B0604020202020204" pitchFamily="34" charset="0"/>
             </a:endParaRPr>
-          </a:p>
-        </p:txBody>
-      </p:sp>
-      <p:sp>
-        <p:nvSpPr>
-          <p:cNvPr id="18" name="TextBox 17"/>
-          <p:cNvSpPr txBox="1"/>
-          <p:nvPr>
-            <p:custDataLst>
-              <p:tags r:id="rId2"/>
-            </p:custDataLst>
-          </p:nvPr>
-        </p:nvSpPr>
-        <p:spPr>
-          <a:xfrm>
-            <a:off x="4084263" y="2379636"/>
-            <a:ext cx="936104" cy="492443"/>
-          </a:xfrm>
-          <a:prstGeom prst="rect">
-            <a:avLst/>
-          </a:prstGeom>
-          <a:noFill/>
-        </p:spPr>
-        <p:txBody>
-          <a:bodyPr wrap="square" lIns="0" tIns="0" rIns="0" bIns="0" rtlCol="0">
-            <a:spAutoFit/>
-          </a:bodyPr>
-          <a:lstStyle>
-            <a:defPPr>
-              <a:defRPr lang="zh-CN"/>
-            </a:defPPr>
-            <a:lvl1pPr>
-              <a:defRPr sz="2200">
-                <a:solidFill>
-                  <a:schemeClr val="bg1"/>
-                </a:solidFill>
-                <a:latin typeface="微软雅黑" panose="020B0503020204020204" pitchFamily="34" charset="-122"/>
-                <a:ea typeface="微软雅黑" panose="020B0503020204020204" pitchFamily="34" charset="-122"/>
-              </a:defRPr>
-            </a:lvl1pPr>
-          </a:lstStyle>
-          <a:p>
-            <a:pPr algn="ctr"/>
-            <a:r>
-              <a:rPr lang="zh-CN" altLang="en-US" sz="3200" b="1" dirty="0">
-                <a:solidFill>
-                  <a:schemeClr val="dk1">
-                    <a:lumMod val="65000"/>
-                    <a:lumOff val="35000"/>
-                  </a:schemeClr>
-                </a:solidFill>
-              </a:rPr>
-              <a:t>缺点</a:t>
-            </a:r>
-          </a:p>
-        </p:txBody>
-      </p:sp>
-      <p:sp>
-        <p:nvSpPr>
-          <p:cNvPr id="19" name="TextBox 18"/>
-          <p:cNvSpPr/>
-          <p:nvPr>
-            <p:custDataLst>
-              <p:tags r:id="rId3"/>
-            </p:custDataLst>
-          </p:nvPr>
-        </p:nvSpPr>
-        <p:spPr>
-          <a:xfrm>
-            <a:off x="971600" y="1315391"/>
-            <a:ext cx="2057923" cy="257810"/>
-          </a:xfrm>
-          <a:prstGeom prst="rect">
-            <a:avLst/>
-          </a:prstGeom>
-        </p:spPr>
-        <p:txBody>
-          <a:bodyPr wrap="square" lIns="91440" tIns="45720" rIns="91440" bIns="45720" rtlCol="0">
-            <a:spAutoFit/>
-          </a:bodyPr>
-          <a:lstStyle/>
-          <a:p>
-            <a:pPr lvl="0" algn="r">
-              <a:buClrTx/>
-              <a:buSzTx/>
-              <a:buFontTx/>
-              <a:defRPr/>
-            </a:pPr>
-            <a:r>
-              <a:rPr lang="en-US" altLang="zh-CN" dirty="0">
-                <a:gradFill>
-                  <a:gsLst>
-                    <a:gs pos="30000">
-                      <a:srgbClr val="BC1D2D"/>
-                    </a:gs>
-                    <a:gs pos="100000">
-                      <a:srgbClr val="E0522E"/>
-                    </a:gs>
-                  </a:gsLst>
-                  <a:lin ang="0" scaled="0"/>
-                </a:gradFill>
-                <a:latin typeface="微软雅黑" panose="020B0503020204020204" pitchFamily="34" charset="-122"/>
-                <a:ea typeface="微软雅黑" panose="020B0503020204020204" pitchFamily="34" charset="-122"/>
-                <a:sym typeface="+mn-ea"/>
-              </a:rPr>
-              <a:t>数据对齐难题</a:t>
-            </a:r>
-          </a:p>
-        </p:txBody>
-      </p:sp>
-      <p:sp>
-        <p:nvSpPr>
-          <p:cNvPr id="20" name="TextBox 19"/>
-          <p:cNvSpPr txBox="1"/>
-          <p:nvPr>
-            <p:custDataLst>
-              <p:tags r:id="rId4"/>
-            </p:custDataLst>
-          </p:nvPr>
-        </p:nvSpPr>
-        <p:spPr>
-          <a:xfrm>
-            <a:off x="6074410" y="1591945"/>
-            <a:ext cx="2527935" cy="1279525"/>
-          </a:xfrm>
-          <a:prstGeom prst="rect">
-            <a:avLst/>
-          </a:prstGeom>
-          <a:noFill/>
-        </p:spPr>
-        <p:txBody>
-          <a:bodyPr wrap="square" lIns="0" tIns="0" rIns="0" bIns="0" rtlCol="0">
-            <a:noAutofit/>
-          </a:bodyPr>
-          <a:lstStyle>
-            <a:defPPr>
-              <a:defRPr lang="zh-CN"/>
-            </a:defPPr>
-            <a:lvl1pPr algn="just">
-              <a:lnSpc>
-                <a:spcPts val="1300"/>
-              </a:lnSpc>
-              <a:defRPr sz="1000">
-                <a:solidFill>
-                  <a:schemeClr val="tx1">
-                    <a:lumMod val="65000"/>
-                    <a:lumOff val="35000"/>
-                  </a:schemeClr>
-                </a:solidFill>
-                <a:latin typeface="微软雅黑" panose="020B0503020204020204" pitchFamily="34" charset="-122"/>
-                <a:ea typeface="微软雅黑" panose="020B0503020204020204" pitchFamily="34" charset="-122"/>
-              </a:defRPr>
-            </a:lvl1pPr>
-          </a:lstStyle>
-          <a:p>
-            <a:r>
-              <a:rPr lang="en-US" altLang="zh-CN" sz="1200" dirty="0">
-                <a:solidFill>
-                  <a:schemeClr val="dk1">
-                    <a:lumMod val="65000"/>
-                    <a:lumOff val="35000"/>
-                  </a:schemeClr>
-                </a:solidFill>
-              </a:rPr>
-              <a:t>面对新型深度伪造内容，模型的泛化性有待提升，难以很好应对。</a:t>
-            </a:r>
-          </a:p>
-        </p:txBody>
-      </p:sp>
-      <p:sp>
-        <p:nvSpPr>
-          <p:cNvPr id="22" name="TextBox 21"/>
-          <p:cNvSpPr txBox="1"/>
-          <p:nvPr>
-            <p:custDataLst>
-              <p:tags r:id="rId5"/>
-            </p:custDataLst>
-          </p:nvPr>
-        </p:nvSpPr>
-        <p:spPr>
-          <a:xfrm>
-            <a:off x="2782570" y="4206875"/>
-            <a:ext cx="3742690" cy="549275"/>
-          </a:xfrm>
-          <a:prstGeom prst="rect">
-            <a:avLst/>
-          </a:prstGeom>
-          <a:noFill/>
-        </p:spPr>
-        <p:txBody>
-          <a:bodyPr wrap="square" lIns="0" tIns="0" rIns="0" bIns="0" rtlCol="0">
-            <a:noAutofit/>
-          </a:bodyPr>
-          <a:lstStyle>
-            <a:defPPr>
-              <a:defRPr lang="zh-CN"/>
-            </a:defPPr>
-            <a:lvl1pPr algn="just">
-              <a:lnSpc>
-                <a:spcPts val="1300"/>
-              </a:lnSpc>
-              <a:defRPr sz="1000">
-                <a:solidFill>
-                  <a:schemeClr val="tx1">
-                    <a:lumMod val="65000"/>
-                    <a:lumOff val="35000"/>
-                  </a:schemeClr>
-                </a:solidFill>
-                <a:latin typeface="微软雅黑" panose="020B0503020204020204" pitchFamily="34" charset="-122"/>
-                <a:ea typeface="微软雅黑" panose="020B0503020204020204" pitchFamily="34" charset="-122"/>
-              </a:defRPr>
-            </a:lvl1pPr>
-          </a:lstStyle>
-          <a:p>
-            <a:pPr algn="l"/>
-            <a:r>
-              <a:rPr lang="en-US" altLang="zh-CN" sz="1200" dirty="0">
-                <a:solidFill>
-                  <a:schemeClr val="dk1">
-                    <a:lumMod val="65000"/>
-                    <a:lumOff val="35000"/>
-                  </a:schemeClr>
-                </a:solidFill>
-              </a:rPr>
-              <a:t>LLM调用存在延迟，系统实时性的优化是一大难点。</a:t>
-            </a:r>
-          </a:p>
-        </p:txBody>
-      </p:sp>
-      <p:grpSp>
-        <p:nvGrpSpPr>
-          <p:cNvPr id="23" name="组合 22"/>
-          <p:cNvGrpSpPr/>
-          <p:nvPr>
-            <p:custDataLst>
-              <p:tags r:id="rId6"/>
-            </p:custDataLst>
-          </p:nvPr>
-        </p:nvGrpSpPr>
-        <p:grpSpPr>
-          <a:xfrm>
-            <a:off x="3325844" y="1583666"/>
-            <a:ext cx="2492408" cy="2406682"/>
-            <a:chOff x="3325813" y="1973262"/>
-            <a:chExt cx="2492375" cy="2406651"/>
-          </a:xfrm>
-        </p:grpSpPr>
-        <p:sp>
-          <p:nvSpPr>
-            <p:cNvPr id="25" name="Freeform 6"/>
-            <p:cNvSpPr/>
-            <p:nvPr>
-              <p:custDataLst>
-                <p:tags r:id="rId10"/>
-              </p:custDataLst>
-            </p:nvPr>
-          </p:nvSpPr>
-          <p:spPr bwMode="auto">
-            <a:xfrm>
-              <a:off x="3325813" y="1973262"/>
-              <a:ext cx="1193800" cy="1196975"/>
-            </a:xfrm>
-            <a:custGeom>
-              <a:avLst/>
-              <a:gdLst>
-                <a:gd name="T0" fmla="*/ 986 w 4497"/>
-                <a:gd name="T1" fmla="*/ 1809 h 4497"/>
-                <a:gd name="T2" fmla="*/ 986 w 4497"/>
-                <a:gd name="T3" fmla="*/ 986 h 4497"/>
-                <a:gd name="T4" fmla="*/ 1809 w 4497"/>
-                <a:gd name="T5" fmla="*/ 986 h 4497"/>
-                <a:gd name="T6" fmla="*/ 4497 w 4497"/>
-                <a:gd name="T7" fmla="*/ 0 h 4497"/>
-                <a:gd name="T8" fmla="*/ 4497 w 4497"/>
-                <a:gd name="T9" fmla="*/ 1861 h 4497"/>
-                <a:gd name="T10" fmla="*/ 2659 w 4497"/>
-                <a:gd name="T11" fmla="*/ 2659 h 4497"/>
-                <a:gd name="T12" fmla="*/ 1861 w 4497"/>
-                <a:gd name="T13" fmla="*/ 4497 h 4497"/>
-                <a:gd name="T14" fmla="*/ 0 w 4497"/>
-                <a:gd name="T15" fmla="*/ 4497 h 4497"/>
-                <a:gd name="T16" fmla="*/ 986 w 4497"/>
-                <a:gd name="T17" fmla="*/ 1809 h 4497"/>
-              </a:gdLst>
-              <a:ahLst/>
-              <a:cxnLst>
-                <a:cxn ang="0">
-                  <a:pos x="T0" y="T1"/>
-                </a:cxn>
-                <a:cxn ang="0">
-                  <a:pos x="T2" y="T3"/>
-                </a:cxn>
-                <a:cxn ang="0">
-                  <a:pos x="T4" y="T5"/>
-                </a:cxn>
-                <a:cxn ang="0">
-                  <a:pos x="T6" y="T7"/>
-                </a:cxn>
-                <a:cxn ang="0">
-                  <a:pos x="T8" y="T9"/>
-                </a:cxn>
-                <a:cxn ang="0">
-                  <a:pos x="T10" y="T11"/>
-                </a:cxn>
-                <a:cxn ang="0">
-                  <a:pos x="T12" y="T13"/>
-                </a:cxn>
-                <a:cxn ang="0">
-                  <a:pos x="T14" y="T15"/>
-                </a:cxn>
-                <a:cxn ang="0">
-                  <a:pos x="T16" y="T17"/>
-                </a:cxn>
-              </a:cxnLst>
-              <a:rect l="0" t="0" r="r" b="b"/>
-              <a:pathLst>
-                <a:path w="4497" h="4497">
-                  <a:moveTo>
-                    <a:pt x="986" y="1809"/>
-                  </a:moveTo>
-                  <a:lnTo>
-                    <a:pt x="986" y="986"/>
-                  </a:lnTo>
-                  <a:lnTo>
-                    <a:pt x="1809" y="986"/>
-                  </a:lnTo>
-                  <a:cubicBezTo>
-                    <a:pt x="2601" y="369"/>
-                    <a:pt x="3544" y="40"/>
-                    <a:pt x="4497" y="0"/>
-                  </a:cubicBezTo>
-                  <a:lnTo>
-                    <a:pt x="4497" y="1861"/>
-                  </a:lnTo>
-                  <a:cubicBezTo>
-                    <a:pt x="3824" y="1887"/>
-                    <a:pt x="3165" y="2152"/>
-                    <a:pt x="2659" y="2659"/>
-                  </a:cubicBezTo>
-                  <a:cubicBezTo>
-                    <a:pt x="2152" y="3165"/>
-                    <a:pt x="1887" y="3824"/>
-                    <a:pt x="1861" y="4497"/>
-                  </a:cubicBezTo>
-                  <a:lnTo>
-                    <a:pt x="0" y="4497"/>
-                  </a:lnTo>
-                  <a:cubicBezTo>
-                    <a:pt x="40" y="3544"/>
-                    <a:pt x="369" y="2601"/>
-                    <a:pt x="986" y="1809"/>
-                  </a:cubicBezTo>
-                  <a:close/>
-                </a:path>
-              </a:pathLst>
-            </a:custGeom>
-            <a:solidFill>
-              <a:schemeClr val="accent2"/>
-            </a:solidFill>
-            <a:ln>
-              <a:noFill/>
-            </a:ln>
-          </p:spPr>
-          <p:txBody>
-            <a:bodyPr vert="horz" wrap="square" lIns="91440" tIns="45720" rIns="91440" bIns="45720" numCol="1" anchor="t" anchorCtr="0" compatLnSpc="1"/>
-            <a:lstStyle/>
-            <a:p>
-              <a:endParaRPr lang="zh-CN" altLang="en-US" sz="1400">
-                <a:solidFill>
-                  <a:schemeClr val="dk1"/>
-                </a:solidFill>
-              </a:endParaRPr>
-            </a:p>
-          </p:txBody>
-        </p:sp>
-        <p:sp>
-          <p:nvSpPr>
-            <p:cNvPr id="26" name="Freeform 7"/>
-            <p:cNvSpPr/>
-            <p:nvPr>
-              <p:custDataLst>
-                <p:tags r:id="rId11"/>
-              </p:custDataLst>
-            </p:nvPr>
-          </p:nvSpPr>
-          <p:spPr bwMode="auto">
-            <a:xfrm rot="2640000">
-              <a:off x="3974148" y="3181350"/>
-              <a:ext cx="1193800" cy="1198563"/>
-            </a:xfrm>
-            <a:custGeom>
-              <a:avLst/>
-              <a:gdLst>
-                <a:gd name="T0" fmla="*/ 3511 w 4497"/>
-                <a:gd name="T1" fmla="*/ 3511 h 4497"/>
-                <a:gd name="T2" fmla="*/ 2687 w 4497"/>
-                <a:gd name="T3" fmla="*/ 3511 h 4497"/>
-                <a:gd name="T4" fmla="*/ 0 w 4497"/>
-                <a:gd name="T5" fmla="*/ 4497 h 4497"/>
-                <a:gd name="T6" fmla="*/ 0 w 4497"/>
-                <a:gd name="T7" fmla="*/ 2636 h 4497"/>
-                <a:gd name="T8" fmla="*/ 1838 w 4497"/>
-                <a:gd name="T9" fmla="*/ 1838 h 4497"/>
-                <a:gd name="T10" fmla="*/ 2636 w 4497"/>
-                <a:gd name="T11" fmla="*/ 0 h 4497"/>
-                <a:gd name="T12" fmla="*/ 4497 w 4497"/>
-                <a:gd name="T13" fmla="*/ 0 h 4497"/>
-                <a:gd name="T14" fmla="*/ 3511 w 4497"/>
-                <a:gd name="T15" fmla="*/ 2687 h 4497"/>
-                <a:gd name="T16" fmla="*/ 3511 w 4497"/>
-                <a:gd name="T17" fmla="*/ 3511 h 4497"/>
-              </a:gdLst>
-              <a:ahLst/>
-              <a:cxnLst>
-                <a:cxn ang="0">
-                  <a:pos x="T0" y="T1"/>
-                </a:cxn>
-                <a:cxn ang="0">
-                  <a:pos x="T2" y="T3"/>
-                </a:cxn>
-                <a:cxn ang="0">
-                  <a:pos x="T4" y="T5"/>
-                </a:cxn>
-                <a:cxn ang="0">
-                  <a:pos x="T6" y="T7"/>
-                </a:cxn>
-                <a:cxn ang="0">
-                  <a:pos x="T8" y="T9"/>
-                </a:cxn>
-                <a:cxn ang="0">
-                  <a:pos x="T10" y="T11"/>
-                </a:cxn>
-                <a:cxn ang="0">
-                  <a:pos x="T12" y="T13"/>
-                </a:cxn>
-                <a:cxn ang="0">
-                  <a:pos x="T14" y="T15"/>
-                </a:cxn>
-                <a:cxn ang="0">
-                  <a:pos x="T16" y="T17"/>
-                </a:cxn>
-              </a:cxnLst>
-              <a:rect l="0" t="0" r="r" b="b"/>
-              <a:pathLst>
-                <a:path w="4497" h="4497">
-                  <a:moveTo>
-                    <a:pt x="3511" y="3511"/>
-                  </a:moveTo>
-                  <a:lnTo>
-                    <a:pt x="2687" y="3511"/>
-                  </a:lnTo>
-                  <a:cubicBezTo>
-                    <a:pt x="1896" y="4128"/>
-                    <a:pt x="953" y="4457"/>
-                    <a:pt x="0" y="4497"/>
-                  </a:cubicBezTo>
-                  <a:lnTo>
-                    <a:pt x="0" y="2636"/>
-                  </a:lnTo>
-                  <a:cubicBezTo>
-                    <a:pt x="673" y="2610"/>
-                    <a:pt x="1332" y="2345"/>
-                    <a:pt x="1838" y="1838"/>
-                  </a:cubicBezTo>
-                  <a:cubicBezTo>
-                    <a:pt x="2345" y="1332"/>
-                    <a:pt x="2610" y="673"/>
-                    <a:pt x="2636" y="0"/>
-                  </a:cubicBezTo>
-                  <a:lnTo>
-                    <a:pt x="4497" y="0"/>
-                  </a:lnTo>
-                  <a:cubicBezTo>
-                    <a:pt x="4457" y="953"/>
-                    <a:pt x="4128" y="1896"/>
-                    <a:pt x="3511" y="2687"/>
-                  </a:cubicBezTo>
-                  <a:lnTo>
-                    <a:pt x="3511" y="3511"/>
-                  </a:lnTo>
-                  <a:close/>
-                </a:path>
-              </a:pathLst>
-            </a:custGeom>
-            <a:solidFill>
-              <a:schemeClr val="accent2"/>
-            </a:solidFill>
-            <a:ln>
-              <a:noFill/>
-            </a:ln>
-          </p:spPr>
-          <p:txBody>
-            <a:bodyPr vert="horz" wrap="square" lIns="91440" tIns="45720" rIns="91440" bIns="45720" numCol="1" anchor="t" anchorCtr="0" compatLnSpc="1"/>
-            <a:lstStyle/>
-            <a:p>
-              <a:endParaRPr lang="zh-CN" altLang="en-US" sz="1400">
-                <a:solidFill>
-                  <a:schemeClr val="dk1"/>
-                </a:solidFill>
-              </a:endParaRPr>
-            </a:p>
-          </p:txBody>
-        </p:sp>
-        <p:sp>
-          <p:nvSpPr>
-            <p:cNvPr id="27" name="Freeform 8"/>
-            <p:cNvSpPr/>
-            <p:nvPr>
-              <p:custDataLst>
-                <p:tags r:id="rId12"/>
-              </p:custDataLst>
-            </p:nvPr>
-          </p:nvSpPr>
-          <p:spPr bwMode="auto">
-            <a:xfrm>
-              <a:off x="4624388" y="1973262"/>
-              <a:ext cx="1193800" cy="1196975"/>
-            </a:xfrm>
-            <a:custGeom>
-              <a:avLst/>
-              <a:gdLst>
-                <a:gd name="T0" fmla="*/ 3511 w 4497"/>
-                <a:gd name="T1" fmla="*/ 1809 h 4497"/>
-                <a:gd name="T2" fmla="*/ 4497 w 4497"/>
-                <a:gd name="T3" fmla="*/ 4497 h 4497"/>
-                <a:gd name="T4" fmla="*/ 2624 w 4497"/>
-                <a:gd name="T5" fmla="*/ 4497 h 4497"/>
-                <a:gd name="T6" fmla="*/ 1776 w 4497"/>
-                <a:gd name="T7" fmla="*/ 2721 h 4497"/>
-                <a:gd name="T8" fmla="*/ 0 w 4497"/>
-                <a:gd name="T9" fmla="*/ 1873 h 4497"/>
-                <a:gd name="T10" fmla="*/ 0 w 4497"/>
-                <a:gd name="T11" fmla="*/ 0 h 4497"/>
-                <a:gd name="T12" fmla="*/ 2687 w 4497"/>
-                <a:gd name="T13" fmla="*/ 986 h 4497"/>
-                <a:gd name="T14" fmla="*/ 3511 w 4497"/>
-                <a:gd name="T15" fmla="*/ 986 h 4497"/>
-                <a:gd name="T16" fmla="*/ 3511 w 4497"/>
-                <a:gd name="T17" fmla="*/ 1809 h 4497"/>
-              </a:gdLst>
-              <a:ahLst/>
-              <a:cxnLst>
-                <a:cxn ang="0">
-                  <a:pos x="T0" y="T1"/>
-                </a:cxn>
-                <a:cxn ang="0">
-                  <a:pos x="T2" y="T3"/>
-                </a:cxn>
-                <a:cxn ang="0">
-                  <a:pos x="T4" y="T5"/>
-                </a:cxn>
-                <a:cxn ang="0">
-                  <a:pos x="T6" y="T7"/>
-                </a:cxn>
-                <a:cxn ang="0">
-                  <a:pos x="T8" y="T9"/>
-                </a:cxn>
-                <a:cxn ang="0">
-                  <a:pos x="T10" y="T11"/>
-                </a:cxn>
-                <a:cxn ang="0">
-                  <a:pos x="T12" y="T13"/>
-                </a:cxn>
-                <a:cxn ang="0">
-                  <a:pos x="T14" y="T15"/>
-                </a:cxn>
-                <a:cxn ang="0">
-                  <a:pos x="T16" y="T17"/>
-                </a:cxn>
-              </a:cxnLst>
-              <a:rect l="0" t="0" r="r" b="b"/>
-              <a:pathLst>
-                <a:path w="4497" h="4497">
-                  <a:moveTo>
-                    <a:pt x="3511" y="1809"/>
-                  </a:moveTo>
-                  <a:cubicBezTo>
-                    <a:pt x="4128" y="2601"/>
-                    <a:pt x="4457" y="3544"/>
-                    <a:pt x="4497" y="4497"/>
-                  </a:cubicBezTo>
-                  <a:lnTo>
-                    <a:pt x="2624" y="4497"/>
-                  </a:lnTo>
-                  <a:cubicBezTo>
-                    <a:pt x="2558" y="3853"/>
-                    <a:pt x="2275" y="3221"/>
-                    <a:pt x="1776" y="2721"/>
-                  </a:cubicBezTo>
-                  <a:cubicBezTo>
-                    <a:pt x="1276" y="2222"/>
-                    <a:pt x="644" y="1938"/>
-                    <a:pt x="0" y="1873"/>
-                  </a:cubicBezTo>
-                  <a:lnTo>
-                    <a:pt x="0" y="0"/>
-                  </a:lnTo>
-                  <a:cubicBezTo>
-                    <a:pt x="953" y="40"/>
-                    <a:pt x="1896" y="369"/>
-                    <a:pt x="2687" y="986"/>
-                  </a:cubicBezTo>
-                  <a:lnTo>
-                    <a:pt x="3511" y="986"/>
-                  </a:lnTo>
-                  <a:lnTo>
-                    <a:pt x="3511" y="1809"/>
-                  </a:lnTo>
-                  <a:close/>
-                </a:path>
-              </a:pathLst>
-            </a:custGeom>
-            <a:solidFill>
-              <a:schemeClr val="accent1"/>
-            </a:solidFill>
-            <a:ln>
-              <a:noFill/>
-            </a:ln>
-          </p:spPr>
-          <p:txBody>
-            <a:bodyPr vert="horz" wrap="square" lIns="91440" tIns="45720" rIns="91440" bIns="45720" numCol="1" anchor="t" anchorCtr="0" compatLnSpc="1"/>
-            <a:lstStyle/>
-            <a:p>
-              <a:endParaRPr lang="zh-CN" altLang="en-US" sz="1400">
-                <a:solidFill>
-                  <a:schemeClr val="dk1"/>
-                </a:solidFill>
-              </a:endParaRPr>
-            </a:p>
-          </p:txBody>
-        </p:sp>
-        <p:sp>
-          <p:nvSpPr>
-            <p:cNvPr id="51" name="TextBox 50"/>
-            <p:cNvSpPr txBox="1"/>
-            <p:nvPr>
-              <p:custDataLst>
-                <p:tags r:id="rId13"/>
-              </p:custDataLst>
-            </p:nvPr>
-          </p:nvSpPr>
-          <p:spPr>
-            <a:xfrm>
-              <a:off x="3786883" y="2348629"/>
-              <a:ext cx="144016" cy="338451"/>
-            </a:xfrm>
-            <a:prstGeom prst="rect">
-              <a:avLst/>
-            </a:prstGeom>
-            <a:noFill/>
-          </p:spPr>
-          <p:txBody>
-            <a:bodyPr wrap="square" lIns="0" tIns="0" rIns="0" bIns="0" rtlCol="0">
-              <a:spAutoFit/>
-            </a:bodyPr>
-            <a:lstStyle/>
-            <a:p>
-              <a:pPr algn="ctr"/>
-              <a:r>
-                <a:rPr lang="en-US" altLang="zh-CN" sz="2200" b="1" dirty="0">
-                  <a:solidFill>
-                    <a:schemeClr val="lt1"/>
-                  </a:solidFill>
-                  <a:latin typeface="微软雅黑" panose="020B0503020204020204" pitchFamily="34" charset="-122"/>
-                  <a:ea typeface="微软雅黑" panose="020B0503020204020204" pitchFamily="34" charset="-122"/>
-                </a:rPr>
-                <a:t>1</a:t>
-              </a:r>
-            </a:p>
-          </p:txBody>
-        </p:sp>
-        <p:sp>
-          <p:nvSpPr>
-            <p:cNvPr id="37" name="TextBox 36"/>
-            <p:cNvSpPr txBox="1"/>
-            <p:nvPr>
-              <p:custDataLst>
-                <p:tags r:id="rId14"/>
-              </p:custDataLst>
-            </p:nvPr>
-          </p:nvSpPr>
-          <p:spPr>
-            <a:xfrm>
-              <a:off x="5251579" y="2348629"/>
-              <a:ext cx="144016" cy="338451"/>
-            </a:xfrm>
-            <a:prstGeom prst="rect">
-              <a:avLst/>
-            </a:prstGeom>
-            <a:noFill/>
-          </p:spPr>
-          <p:txBody>
-            <a:bodyPr wrap="square" lIns="0" tIns="0" rIns="0" bIns="0" rtlCol="0">
-              <a:spAutoFit/>
-            </a:bodyPr>
-            <a:lstStyle/>
-            <a:p>
-              <a:pPr algn="ctr"/>
-              <a:r>
-                <a:rPr lang="en-US" altLang="zh-CN" sz="2200" b="1" dirty="0">
-                  <a:solidFill>
-                    <a:schemeClr val="lt1"/>
-                  </a:solidFill>
-                  <a:latin typeface="微软雅黑" panose="020B0503020204020204" pitchFamily="34" charset="-122"/>
-                  <a:ea typeface="微软雅黑" panose="020B0503020204020204" pitchFamily="34" charset="-122"/>
-                </a:rPr>
-                <a:t>2</a:t>
-              </a:r>
-            </a:p>
-          </p:txBody>
-        </p:sp>
-        <p:sp>
-          <p:nvSpPr>
-            <p:cNvPr id="33" name="TextBox 32"/>
-            <p:cNvSpPr txBox="1"/>
-            <p:nvPr>
-              <p:custDataLst>
-                <p:tags r:id="rId15"/>
-              </p:custDataLst>
-            </p:nvPr>
-          </p:nvSpPr>
-          <p:spPr>
-            <a:xfrm>
-              <a:off x="4520059" y="3727789"/>
-              <a:ext cx="144016" cy="338451"/>
-            </a:xfrm>
-            <a:prstGeom prst="rect">
-              <a:avLst/>
-            </a:prstGeom>
-            <a:noFill/>
-          </p:spPr>
-          <p:txBody>
-            <a:bodyPr wrap="square" lIns="0" tIns="0" rIns="0" bIns="0" rtlCol="0">
-              <a:spAutoFit/>
-            </a:bodyPr>
-            <a:lstStyle/>
-            <a:p>
-              <a:pPr algn="ctr"/>
-              <a:r>
-                <a:rPr lang="en-US" altLang="zh-CN" sz="2200" b="1" dirty="0">
-                  <a:solidFill>
-                    <a:schemeClr val="lt1"/>
-                  </a:solidFill>
-                  <a:latin typeface="微软雅黑" panose="020B0503020204020204" pitchFamily="34" charset="-122"/>
-                  <a:ea typeface="微软雅黑" panose="020B0503020204020204" pitchFamily="34" charset="-122"/>
-                </a:rPr>
-                <a:t>3</a:t>
-              </a:r>
-            </a:p>
-          </p:txBody>
-        </p:sp>
-      </p:grpSp>
-      <p:sp>
-        <p:nvSpPr>
-          <p:cNvPr id="2" name="TextBox 19"/>
-          <p:cNvSpPr txBox="1"/>
-          <p:nvPr>
-            <p:custDataLst>
-              <p:tags r:id="rId7"/>
-            </p:custDataLst>
-          </p:nvPr>
-        </p:nvSpPr>
-        <p:spPr>
-          <a:xfrm>
-            <a:off x="971550" y="1592580"/>
-            <a:ext cx="2058035" cy="1100455"/>
-          </a:xfrm>
-          <a:prstGeom prst="rect">
-            <a:avLst/>
-          </a:prstGeom>
-          <a:noFill/>
-        </p:spPr>
-        <p:txBody>
-          <a:bodyPr wrap="square" lIns="0" tIns="0" rIns="0" bIns="0" rtlCol="0">
-            <a:noAutofit/>
-          </a:bodyPr>
-          <a:lstStyle>
-            <a:defPPr>
-              <a:defRPr lang="zh-CN"/>
-            </a:defPPr>
-            <a:lvl1pPr algn="just">
-              <a:lnSpc>
-                <a:spcPts val="1300"/>
-              </a:lnSpc>
-              <a:defRPr sz="1000">
-                <a:solidFill>
-                  <a:schemeClr val="tx1">
-                    <a:lumMod val="65000"/>
-                    <a:lumOff val="35000"/>
-                  </a:schemeClr>
-                </a:solidFill>
-                <a:latin typeface="微软雅黑" panose="020B0503020204020204" pitchFamily="34" charset="-122"/>
-                <a:ea typeface="微软雅黑" panose="020B0503020204020204" pitchFamily="34" charset="-122"/>
-              </a:defRPr>
-            </a:lvl1pPr>
-          </a:lstStyle>
-          <a:p>
-            <a:pPr algn="l"/>
-            <a:r>
-              <a:rPr lang="en-US" altLang="zh-CN" sz="1200" dirty="0">
-                <a:solidFill>
-                  <a:schemeClr val="dk1">
-                    <a:lumMod val="65000"/>
-                    <a:lumOff val="35000"/>
-                  </a:schemeClr>
-                </a:solidFill>
-              </a:rPr>
-              <a:t>多模态下需进行图文语义关联建模，实现数据对齐存在困难。</a:t>
-            </a:r>
-          </a:p>
-        </p:txBody>
-      </p:sp>
-      <p:sp>
-        <p:nvSpPr>
-          <p:cNvPr id="3" name="TextBox 18"/>
-          <p:cNvSpPr/>
-          <p:nvPr>
-            <p:custDataLst>
-              <p:tags r:id="rId8"/>
-            </p:custDataLst>
-          </p:nvPr>
-        </p:nvSpPr>
-        <p:spPr>
-          <a:xfrm>
-            <a:off x="6074460" y="1315391"/>
-            <a:ext cx="2057923" cy="257810"/>
-          </a:xfrm>
-          <a:prstGeom prst="rect">
-            <a:avLst/>
-          </a:prstGeom>
-        </p:spPr>
-        <p:txBody>
-          <a:bodyPr wrap="square" lIns="91440" tIns="45720" rIns="91440" bIns="45720" rtlCol="0">
-            <a:spAutoFit/>
-          </a:bodyPr>
-          <a:lstStyle/>
-          <a:p>
-            <a:pPr lvl="0" algn="l">
-              <a:buClrTx/>
-              <a:buSzTx/>
-              <a:buFontTx/>
-              <a:defRPr/>
-            </a:pPr>
-            <a:r>
-              <a:rPr lang="en-US" altLang="zh-CN" dirty="0">
-                <a:gradFill>
-                  <a:gsLst>
-                    <a:gs pos="30000">
-                      <a:srgbClr val="BC1D2D"/>
-                    </a:gs>
-                    <a:gs pos="100000">
-                      <a:srgbClr val="E0522E"/>
-                    </a:gs>
-                  </a:gsLst>
-                  <a:lin ang="0" scaled="0"/>
-                </a:gradFill>
-                <a:latin typeface="微软雅黑" panose="020B0503020204020204" pitchFamily="34" charset="-122"/>
-                <a:ea typeface="微软雅黑" panose="020B0503020204020204" pitchFamily="34" charset="-122"/>
-                <a:sym typeface="+mn-ea"/>
-              </a:rPr>
-              <a:t>模型泛化挑战</a:t>
-            </a:r>
-          </a:p>
-        </p:txBody>
-      </p:sp>
-      <p:sp>
-        <p:nvSpPr>
-          <p:cNvPr id="4" name="TextBox 18"/>
-          <p:cNvSpPr/>
-          <p:nvPr>
-            <p:custDataLst>
-              <p:tags r:id="rId9"/>
-            </p:custDataLst>
-          </p:nvPr>
-        </p:nvSpPr>
-        <p:spPr>
-          <a:xfrm>
-            <a:off x="3563035" y="3960801"/>
-            <a:ext cx="2057923" cy="257810"/>
-          </a:xfrm>
-          <a:prstGeom prst="rect">
-            <a:avLst/>
-          </a:prstGeom>
-        </p:spPr>
-        <p:txBody>
-          <a:bodyPr wrap="square" lIns="91440" tIns="45720" rIns="91440" bIns="45720" rtlCol="0">
-            <a:spAutoFit/>
-          </a:bodyPr>
-          <a:lstStyle/>
-          <a:p>
-            <a:pPr lvl="0" algn="ctr">
-              <a:buClrTx/>
-              <a:buSzTx/>
-              <a:buFontTx/>
-              <a:defRPr/>
-            </a:pPr>
-            <a:r>
-              <a:rPr lang="en-US" altLang="zh-CN" dirty="0">
-                <a:gradFill>
-                  <a:gsLst>
-                    <a:gs pos="30000">
-                      <a:srgbClr val="BC1D2D"/>
-                    </a:gs>
-                    <a:gs pos="100000">
-                      <a:srgbClr val="E0522E"/>
-                    </a:gs>
-                  </a:gsLst>
-                  <a:lin ang="0" scaled="0"/>
-                </a:gradFill>
-                <a:latin typeface="微软雅黑" panose="020B0503020204020204" pitchFamily="34" charset="-122"/>
-                <a:ea typeface="微软雅黑" panose="020B0503020204020204" pitchFamily="34" charset="-122"/>
-                <a:sym typeface="+mn-ea"/>
-              </a:rPr>
-              <a:t>系统实时优化</a:t>
-            </a:r>
-          </a:p>
-        </p:txBody>
-      </p:sp>
-    </p:spTree>
-  </p:cSld>
-  <p:clrMapOvr>
-    <a:masterClrMapping/>
-  </p:clrMapOvr>
-  <mc:AlternateContent xmlns:mc="http://schemas.openxmlformats.org/markup-compatibility/2006" xmlns:p14="http://schemas.microsoft.com/office/powerpoint/2010/main">
-    <mc:Choice Requires="p14">
-      <p:transition spd="slow"/>
-    </mc:Choice>
-    <mc:Fallback xmlns="">
-      <p:transition spd="slow"/>
-    </mc:Fallback>
-  </mc:AlternateContent>
-</p:sld>
-</file>
-
-<file path=ppt/slides/slide18.xml><?xml version="1.0" encoding="utf-8"?>
-<p:sld xmlns:a="http://schemas.openxmlformats.org/drawingml/2006/main" xmlns:r="http://schemas.openxmlformats.org/officeDocument/2006/relationships" xmlns:p="http://schemas.openxmlformats.org/presentationml/2006/main">
-  <p:cSld>
-    <p:spTree>
-      <p:nvGrpSpPr>
-        <p:cNvPr id="1" name=""/>
-        <p:cNvGrpSpPr/>
-        <p:nvPr/>
-      </p:nvGrpSpPr>
-      <p:grpSpPr>
-        <a:xfrm>
-          <a:off x="0" y="0"/>
-          <a:ext cx="0" cy="0"/>
-          <a:chOff x="0" y="0"/>
-          <a:chExt cx="0" cy="0"/>
-        </a:xfrm>
-      </p:grpSpPr>
-      <p:sp>
-        <p:nvSpPr>
-          <p:cNvPr id="49" name="矩形 48"/>
-          <p:cNvSpPr>
-            <a:spLocks noChangeArrowheads="1"/>
-          </p:cNvSpPr>
-          <p:nvPr/>
-        </p:nvSpPr>
-        <p:spPr bwMode="auto">
-          <a:xfrm>
-            <a:off x="476188" y="177842"/>
-            <a:ext cx="1130300" cy="459105"/>
-          </a:xfrm>
-          <a:prstGeom prst="rect">
-            <a:avLst/>
-          </a:prstGeom>
-          <a:noFill/>
-          <a:ln>
-            <a:noFill/>
-          </a:ln>
-          <a:extLst>
-            <a:ext uri="{909E8E84-426E-40DD-AFC4-6F175D3DCCD1}">
-              <a14:hiddenFill xmlns:a14="http://schemas.microsoft.com/office/drawing/2010/main">
-                <a:solidFill>
-                  <a:srgbClr val="FFFFFF"/>
-                </a:solidFill>
-              </a14:hiddenFill>
-            </a:ext>
-            <a:ext uri="{91240B29-F687-4F45-9708-019B960494DF}">
-              <a14:hiddenLine xmlns:a14="http://schemas.microsoft.com/office/drawing/2010/main" w="9525">
-                <a:solidFill>
-                  <a:srgbClr val="000000"/>
-                </a:solidFill>
-                <a:miter lim="800000"/>
-                <a:headEnd/>
-                <a:tailEnd/>
-              </a14:hiddenLine>
-            </a:ext>
-          </a:extLst>
-        </p:spPr>
-        <p:txBody>
-          <a:bodyPr wrap="none" lIns="91438" tIns="45719" rIns="91438" bIns="45719">
-            <a:spAutoFit/>
-          </a:bodyPr>
-          <a:lstStyle>
-            <a:lvl1pPr>
-              <a:spcBef>
-                <a:spcPct val="20000"/>
-              </a:spcBef>
-              <a:buFont typeface="Arial" panose="020B0604020202020204" pitchFamily="34" charset="0"/>
-              <a:buChar char="•"/>
-              <a:defRPr sz="3200">
-                <a:solidFill>
-                  <a:schemeClr val="tx1"/>
-                </a:solidFill>
-                <a:latin typeface="微软雅黑" panose="020B0503020204020204" pitchFamily="34" charset="-122"/>
-                <a:ea typeface="微软雅黑" panose="020B0503020204020204" pitchFamily="34" charset="-122"/>
-                <a:sym typeface="Calibri" panose="020F0502020204030204" pitchFamily="34" charset="0"/>
-              </a:defRPr>
-            </a:lvl1pPr>
-            <a:lvl2pPr marL="742950" indent="-285750">
-              <a:spcBef>
-                <a:spcPct val="20000"/>
-              </a:spcBef>
-              <a:buFont typeface="Arial" panose="020B0604020202020204" pitchFamily="34" charset="0"/>
-              <a:buChar char="–"/>
-              <a:defRPr sz="2800">
-                <a:solidFill>
-                  <a:schemeClr val="tx1"/>
-                </a:solidFill>
-                <a:latin typeface="微软雅黑" panose="020B0503020204020204" pitchFamily="34" charset="-122"/>
-                <a:ea typeface="微软雅黑" panose="020B0503020204020204" pitchFamily="34" charset="-122"/>
-                <a:sym typeface="Calibri" panose="020F0502020204030204" pitchFamily="34" charset="0"/>
-              </a:defRPr>
-            </a:lvl2pPr>
-            <a:lvl3pPr marL="1143000" indent="-228600">
-              <a:spcBef>
-                <a:spcPct val="20000"/>
-              </a:spcBef>
-              <a:buFont typeface="Arial" panose="020B0604020202020204" pitchFamily="34" charset="0"/>
-              <a:buChar char="•"/>
-              <a:defRPr sz="2400">
-                <a:solidFill>
-                  <a:schemeClr val="tx1"/>
-                </a:solidFill>
-                <a:latin typeface="微软雅黑" panose="020B0503020204020204" pitchFamily="34" charset="-122"/>
-                <a:ea typeface="微软雅黑" panose="020B0503020204020204" pitchFamily="34" charset="-122"/>
-                <a:sym typeface="Calibri" panose="020F0502020204030204" pitchFamily="34" charset="0"/>
-              </a:defRPr>
-            </a:lvl3pPr>
-            <a:lvl4pPr marL="1600200" indent="-228600">
-              <a:spcBef>
-                <a:spcPct val="20000"/>
-              </a:spcBef>
-              <a:buFont typeface="Arial" panose="020B0604020202020204" pitchFamily="34" charset="0"/>
-              <a:buChar char="–"/>
-              <a:defRPr sz="2000">
-                <a:solidFill>
-                  <a:schemeClr val="tx1"/>
-                </a:solidFill>
-                <a:latin typeface="微软雅黑" panose="020B0503020204020204" pitchFamily="34" charset="-122"/>
-                <a:ea typeface="微软雅黑" panose="020B0503020204020204" pitchFamily="34" charset="-122"/>
-                <a:sym typeface="Calibri" panose="020F0502020204030204" pitchFamily="34" charset="0"/>
-              </a:defRPr>
-            </a:lvl4pPr>
-            <a:lvl5pPr marL="2057400" indent="-228600">
-              <a:spcBef>
-                <a:spcPct val="20000"/>
-              </a:spcBef>
-              <a:buFont typeface="Arial" panose="020B0604020202020204" pitchFamily="34" charset="0"/>
-              <a:buChar char="»"/>
-              <a:defRPr sz="2000">
-                <a:solidFill>
-                  <a:schemeClr val="tx1"/>
-                </a:solidFill>
-                <a:latin typeface="微软雅黑" panose="020B0503020204020204" pitchFamily="34" charset="-122"/>
-                <a:ea typeface="微软雅黑" panose="020B0503020204020204" pitchFamily="34" charset="-122"/>
-                <a:sym typeface="Calibri" panose="020F0502020204030204" pitchFamily="34" charset="0"/>
-              </a:defRPr>
-            </a:lvl5pPr>
-            <a:lvl6pPr marL="2514600" indent="-228600" eaLnBrk="0" fontAlgn="base" hangingPunct="0">
-              <a:spcBef>
-                <a:spcPct val="20000"/>
-              </a:spcBef>
-              <a:spcAft>
-                <a:spcPct val="0"/>
-              </a:spcAft>
-              <a:buFont typeface="Arial" panose="020B0604020202020204" pitchFamily="34" charset="0"/>
-              <a:buChar char="»"/>
-              <a:defRPr sz="2000">
-                <a:solidFill>
-                  <a:schemeClr val="tx1"/>
-                </a:solidFill>
-                <a:latin typeface="微软雅黑" panose="020B0503020204020204" pitchFamily="34" charset="-122"/>
-                <a:ea typeface="微软雅黑" panose="020B0503020204020204" pitchFamily="34" charset="-122"/>
-                <a:sym typeface="Calibri" panose="020F0502020204030204" pitchFamily="34" charset="0"/>
-              </a:defRPr>
-            </a:lvl6pPr>
-            <a:lvl7pPr marL="2971800" indent="-228600" eaLnBrk="0" fontAlgn="base" hangingPunct="0">
-              <a:spcBef>
-                <a:spcPct val="20000"/>
-              </a:spcBef>
-              <a:spcAft>
-                <a:spcPct val="0"/>
-              </a:spcAft>
-              <a:buFont typeface="Arial" panose="020B0604020202020204" pitchFamily="34" charset="0"/>
-              <a:buChar char="»"/>
-              <a:defRPr sz="2000">
-                <a:solidFill>
-                  <a:schemeClr val="tx1"/>
-                </a:solidFill>
-                <a:latin typeface="微软雅黑" panose="020B0503020204020204" pitchFamily="34" charset="-122"/>
-                <a:ea typeface="微软雅黑" panose="020B0503020204020204" pitchFamily="34" charset="-122"/>
-                <a:sym typeface="Calibri" panose="020F0502020204030204" pitchFamily="34" charset="0"/>
-              </a:defRPr>
-            </a:lvl7pPr>
-            <a:lvl8pPr marL="3429000" indent="-228600" eaLnBrk="0" fontAlgn="base" hangingPunct="0">
-              <a:spcBef>
-                <a:spcPct val="20000"/>
-              </a:spcBef>
-              <a:spcAft>
-                <a:spcPct val="0"/>
-              </a:spcAft>
-              <a:buFont typeface="Arial" panose="020B0604020202020204" pitchFamily="34" charset="0"/>
-              <a:buChar char="»"/>
-              <a:defRPr sz="2000">
-                <a:solidFill>
-                  <a:schemeClr val="tx1"/>
-                </a:solidFill>
-                <a:latin typeface="微软雅黑" panose="020B0503020204020204" pitchFamily="34" charset="-122"/>
-                <a:ea typeface="微软雅黑" panose="020B0503020204020204" pitchFamily="34" charset="-122"/>
-                <a:sym typeface="Calibri" panose="020F0502020204030204" pitchFamily="34" charset="0"/>
-              </a:defRPr>
-            </a:lvl8pPr>
-            <a:lvl9pPr marL="3886200" indent="-228600" eaLnBrk="0" fontAlgn="base" hangingPunct="0">
-              <a:spcBef>
-                <a:spcPct val="20000"/>
-              </a:spcBef>
-              <a:spcAft>
-                <a:spcPct val="0"/>
-              </a:spcAft>
-              <a:buFont typeface="Arial" panose="020B0604020202020204" pitchFamily="34" charset="0"/>
-              <a:buChar char="»"/>
-              <a:defRPr sz="2000">
-                <a:solidFill>
-                  <a:schemeClr val="tx1"/>
-                </a:solidFill>
-                <a:latin typeface="微软雅黑" panose="020B0503020204020204" pitchFamily="34" charset="-122"/>
-                <a:ea typeface="微软雅黑" panose="020B0503020204020204" pitchFamily="34" charset="-122"/>
-                <a:sym typeface="Calibri" panose="020F0502020204030204" pitchFamily="34" charset="0"/>
-              </a:defRPr>
-            </a:lvl9pPr>
-          </a:lstStyle>
-          <a:p>
-            <a:pPr algn="l">
-              <a:buNone/>
-            </a:pPr>
-            <a:r>
-              <a:rPr lang="en-US" altLang="zh-CN" sz="2400" b="1" dirty="0">
-                <a:solidFill>
-                  <a:schemeClr val="accent1"/>
-                </a:solidFill>
-                <a:latin typeface="Arial" panose="020B0604020202020204" pitchFamily="34" charset="0"/>
-              </a:rPr>
-              <a:t>研究不足</a:t>
-            </a:r>
           </a:p>
         </p:txBody>
       </p:sp>
@@ -17344,7 +16003,7 @@
               <a:buFontTx/>
             </a:pPr>
             <a:r>
-              <a:rPr lang="en-US" altLang="zh-CN" sz="1200" dirty="0">
+              <a:rPr lang="en-US" altLang="zh-CN" sz="1200" dirty="0" err="1">
                 <a:solidFill>
                   <a:srgbClr val="595959"/>
                 </a:solidFill>
@@ -17352,8 +16011,115 @@
                 <a:ea typeface="微软雅黑" panose="020B0503020204020204" pitchFamily="34" charset="-122"/>
                 <a:sym typeface="+mn-ea"/>
               </a:rPr>
-              <a:t>所用数据集时效性有局限，未涵盖最新AIGC内容，影响检测全面性。</a:t>
+              <a:t>Gunicorn</a:t>
             </a:r>
+            <a:r>
+              <a:rPr lang="en-US" altLang="zh-CN" sz="1200" dirty="0">
+                <a:solidFill>
+                  <a:srgbClr val="595959"/>
+                </a:solidFill>
+                <a:latin typeface="微软雅黑" panose="020B0503020204020204" pitchFamily="34" charset="-122"/>
+                <a:ea typeface="微软雅黑" panose="020B0503020204020204" pitchFamily="34" charset="-122"/>
+                <a:sym typeface="+mn-ea"/>
+              </a:rPr>
+              <a:t> + </a:t>
+            </a:r>
+            <a:r>
+              <a:rPr lang="en-US" altLang="zh-CN" sz="1200" dirty="0" err="1">
+                <a:solidFill>
+                  <a:srgbClr val="595959"/>
+                </a:solidFill>
+                <a:latin typeface="微软雅黑" panose="020B0503020204020204" pitchFamily="34" charset="-122"/>
+                <a:ea typeface="微软雅黑" panose="020B0503020204020204" pitchFamily="34" charset="-122"/>
+                <a:sym typeface="+mn-ea"/>
+              </a:rPr>
+              <a:t>Ngix</a:t>
+            </a:r>
+            <a:r>
+              <a:rPr lang="zh-CN" altLang="en-US" sz="1200" dirty="0">
+                <a:solidFill>
+                  <a:srgbClr val="595959"/>
+                </a:solidFill>
+                <a:latin typeface="微软雅黑" panose="020B0503020204020204" pitchFamily="34" charset="-122"/>
+                <a:ea typeface="微软雅黑" panose="020B0503020204020204" pitchFamily="34" charset="-122"/>
+                <a:sym typeface="+mn-ea"/>
+              </a:rPr>
+              <a:t>部署到</a:t>
+            </a:r>
+            <a:r>
+              <a:rPr lang="en-US" altLang="zh-CN" sz="1200" dirty="0">
+                <a:solidFill>
+                  <a:srgbClr val="595959"/>
+                </a:solidFill>
+                <a:latin typeface="微软雅黑" panose="020B0503020204020204" pitchFamily="34" charset="-122"/>
+                <a:ea typeface="微软雅黑" panose="020B0503020204020204" pitchFamily="34" charset="-122"/>
+                <a:sym typeface="+mn-ea"/>
+              </a:rPr>
+              <a:t>Ubuntu24</a:t>
+            </a:r>
+            <a:r>
+              <a:rPr lang="zh-CN" altLang="en-US" sz="1200" dirty="0">
+                <a:solidFill>
+                  <a:srgbClr val="595959"/>
+                </a:solidFill>
+                <a:latin typeface="微软雅黑" panose="020B0503020204020204" pitchFamily="34" charset="-122"/>
+                <a:ea typeface="微软雅黑" panose="020B0503020204020204" pitchFamily="34" charset="-122"/>
+                <a:sym typeface="+mn-ea"/>
+              </a:rPr>
+              <a:t>服务器（</a:t>
+            </a:r>
+            <a:r>
+              <a:rPr lang="en-US" altLang="zh-CN" sz="1200" dirty="0">
+                <a:solidFill>
+                  <a:srgbClr val="595959"/>
+                </a:solidFill>
+                <a:latin typeface="微软雅黑" panose="020B0503020204020204" pitchFamily="34" charset="-122"/>
+                <a:ea typeface="微软雅黑" panose="020B0503020204020204" pitchFamily="34" charset="-122"/>
+                <a:sym typeface="+mn-ea"/>
+              </a:rPr>
+              <a:t>2</a:t>
+            </a:r>
+            <a:r>
+              <a:rPr lang="zh-CN" altLang="en-US" sz="1200" dirty="0">
+                <a:solidFill>
+                  <a:srgbClr val="595959"/>
+                </a:solidFill>
+                <a:latin typeface="微软雅黑" panose="020B0503020204020204" pitchFamily="34" charset="-122"/>
+                <a:ea typeface="微软雅黑" panose="020B0503020204020204" pitchFamily="34" charset="-122"/>
+                <a:sym typeface="+mn-ea"/>
+              </a:rPr>
+              <a:t>核</a:t>
+            </a:r>
+            <a:r>
+              <a:rPr lang="en-US" altLang="zh-CN" sz="1200" dirty="0">
+                <a:solidFill>
+                  <a:srgbClr val="595959"/>
+                </a:solidFill>
+                <a:latin typeface="微软雅黑" panose="020B0503020204020204" pitchFamily="34" charset="-122"/>
+                <a:ea typeface="微软雅黑" panose="020B0503020204020204" pitchFamily="34" charset="-122"/>
+                <a:sym typeface="+mn-ea"/>
+              </a:rPr>
+              <a:t>2G</a:t>
+            </a:r>
+            <a:r>
+              <a:rPr lang="zh-CN" altLang="en-US" sz="1200" dirty="0">
+                <a:solidFill>
+                  <a:srgbClr val="595959"/>
+                </a:solidFill>
+                <a:latin typeface="微软雅黑" panose="020B0503020204020204" pitchFamily="34" charset="-122"/>
+                <a:ea typeface="微软雅黑" panose="020B0503020204020204" pitchFamily="34" charset="-122"/>
+                <a:sym typeface="+mn-ea"/>
+              </a:rPr>
+              <a:t>服务器）</a:t>
+            </a:r>
+            <a:endParaRPr lang="en-US" altLang="zh-CN" sz="1200" dirty="0">
+              <a:solidFill>
+                <a:srgbClr val="595959"/>
+              </a:solidFill>
+              <a:latin typeface="微软雅黑" panose="020B0503020204020204" pitchFamily="34" charset="-122"/>
+              <a:ea typeface="微软雅黑" panose="020B0503020204020204" pitchFamily="34" charset="-122"/>
+              <a:sym typeface="+mn-ea"/>
+            </a:endParaRPr>
           </a:p>
         </p:txBody>
       </p:sp>
@@ -17370,7 +16136,7 @@
         <p:spPr>
           <a:xfrm>
             <a:off x="1183640" y="2375138"/>
-            <a:ext cx="1624330" cy="257810"/>
+            <a:ext cx="1624330" cy="307777"/>
           </a:xfrm>
           <a:prstGeom prst="rect">
             <a:avLst/>
@@ -17389,7 +16155,7 @@
               <a:defRPr/>
             </a:pPr>
             <a:r>
-              <a:rPr lang="en-US" altLang="zh-CN" dirty="0">
+              <a:rPr lang="zh-CN" altLang="en-US" dirty="0">
                 <a:gradFill>
                   <a:gsLst>
                     <a:gs pos="30000">
@@ -17405,8 +16171,24 @@
                 <a:ea typeface="微软雅黑" panose="020B0503020204020204" pitchFamily="34" charset="-122"/>
                 <a:sym typeface="+mn-ea"/>
               </a:rPr>
-              <a:t>数据时效局限</a:t>
+              <a:t>方式</a:t>
             </a:r>
+            <a:endParaRPr lang="en-US" altLang="zh-CN" dirty="0">
+              <a:gradFill>
+                <a:gsLst>
+                  <a:gs pos="30000">
+                    <a:srgbClr val="BC1D2D"/>
+                  </a:gs>
+                  <a:gs pos="100000">
+                    <a:srgbClr val="E0522E"/>
+                  </a:gs>
+                </a:gsLst>
+                <a:lin ang="0" scaled="0"/>
+              </a:gradFill>
+              <a:latin typeface="微软雅黑" panose="020B0503020204020204" pitchFamily="34" charset="-122"/>
+              <a:ea typeface="微软雅黑" panose="020B0503020204020204" pitchFamily="34" charset="-122"/>
+              <a:sym typeface="+mn-ea"/>
+            </a:endParaRPr>
           </a:p>
         </p:txBody>
       </p:sp>
@@ -18120,7 +16902,7 @@
                 <a:ea typeface="微软雅黑" panose="020B0503020204020204" pitchFamily="34" charset="-122"/>
                 <a:sym typeface="+mn-ea"/>
               </a:rPr>
-              <a:t>在视觉篡改检测方面深度不够，难以精准检测相关问题。</a:t>
+              <a:t>http://8.156.70.84</a:t>
             </a:r>
           </a:p>
         </p:txBody>
@@ -18825,6 +17607,568 @@
               <a:defRPr/>
             </a:pPr>
             <a:r>
+              <a:rPr lang="zh-CN" altLang="en-US" dirty="0">
+                <a:gradFill>
+                  <a:gsLst>
+                    <a:gs pos="30000">
+                      <a:srgbClr val="BC1D2D"/>
+                    </a:gs>
+                    <a:gs pos="100000">
+                      <a:srgbClr val="E0522E"/>
+                    </a:gs>
+                  </a:gsLst>
+                  <a:lin ang="0" scaled="0"/>
+                </a:gradFill>
+                <a:latin typeface="微软雅黑" panose="020B0503020204020204" pitchFamily="34" charset="-122"/>
+                <a:ea typeface="微软雅黑" panose="020B0503020204020204" pitchFamily="34" charset="-122"/>
+                <a:sym typeface="+mn-ea"/>
+              </a:rPr>
+              <a:t>访问地址</a:t>
+            </a:r>
+            <a:endParaRPr lang="en-US" altLang="zh-CN" dirty="0">
+              <a:gradFill>
+                <a:gsLst>
+                  <a:gs pos="30000">
+                    <a:srgbClr val="BC1D2D"/>
+                  </a:gs>
+                  <a:gs pos="100000">
+                    <a:srgbClr val="E0522E"/>
+                  </a:gs>
+                </a:gsLst>
+                <a:lin ang="0" scaled="0"/>
+              </a:gradFill>
+              <a:latin typeface="微软雅黑" panose="020B0503020204020204" pitchFamily="34" charset="-122"/>
+              <a:ea typeface="微软雅黑" panose="020B0503020204020204" pitchFamily="34" charset="-122"/>
+              <a:sym typeface="+mn-ea"/>
+            </a:endParaRPr>
+          </a:p>
+        </p:txBody>
+      </p:sp>
+    </p:spTree>
+  </p:cSld>
+  <p:clrMapOvr>
+    <a:masterClrMapping/>
+  </p:clrMapOvr>
+  <mc:AlternateContent xmlns:mc="http://schemas.openxmlformats.org/markup-compatibility/2006" xmlns:p14="http://schemas.microsoft.com/office/powerpoint/2010/main">
+    <mc:Choice Requires="p14">
+      <p:transition spd="slow"/>
+    </mc:Choice>
+    <mc:Fallback xmlns="">
+      <p:transition spd="slow"/>
+    </mc:Fallback>
+  </mc:AlternateContent>
+</p:sld>
+</file>
+
+<file path=ppt/slides/slide18.xml><?xml version="1.0" encoding="utf-8"?>
+<p:sld xmlns:a="http://schemas.openxmlformats.org/drawingml/2006/main" xmlns:r="http://schemas.openxmlformats.org/officeDocument/2006/relationships" xmlns:p="http://schemas.openxmlformats.org/presentationml/2006/main">
+  <p:cSld>
+    <p:spTree>
+      <p:nvGrpSpPr>
+        <p:cNvPr id="1" name=""/>
+        <p:cNvGrpSpPr/>
+        <p:nvPr/>
+      </p:nvGrpSpPr>
+      <p:grpSpPr>
+        <a:xfrm>
+          <a:off x="0" y="0"/>
+          <a:ext cx="0" cy="0"/>
+          <a:chOff x="0" y="0"/>
+          <a:chExt cx="0" cy="0"/>
+        </a:xfrm>
+      </p:grpSpPr>
+      <p:sp>
+        <p:nvSpPr>
+          <p:cNvPr id="16" name="矩形 15"/>
+          <p:cNvSpPr>
+            <a:spLocks noChangeArrowheads="1"/>
+          </p:cNvSpPr>
+          <p:nvPr/>
+        </p:nvSpPr>
+        <p:spPr bwMode="auto">
+          <a:xfrm>
+            <a:off x="476188" y="177842"/>
+            <a:ext cx="1130300" cy="459105"/>
+          </a:xfrm>
+          <a:prstGeom prst="rect">
+            <a:avLst/>
+          </a:prstGeom>
+          <a:noFill/>
+          <a:ln>
+            <a:noFill/>
+          </a:ln>
+          <a:extLst>
+            <a:ext uri="{909E8E84-426E-40DD-AFC4-6F175D3DCCD1}">
+              <a14:hiddenFill xmlns:a14="http://schemas.microsoft.com/office/drawing/2010/main">
+                <a:solidFill>
+                  <a:srgbClr val="FFFFFF"/>
+                </a:solidFill>
+              </a14:hiddenFill>
+            </a:ext>
+            <a:ext uri="{91240B29-F687-4F45-9708-019B960494DF}">
+              <a14:hiddenLine xmlns:a14="http://schemas.microsoft.com/office/drawing/2010/main" w="9525">
+                <a:solidFill>
+                  <a:srgbClr val="000000"/>
+                </a:solidFill>
+                <a:miter lim="800000"/>
+                <a:headEnd/>
+                <a:tailEnd/>
+              </a14:hiddenLine>
+            </a:ext>
+          </a:extLst>
+        </p:spPr>
+        <p:txBody>
+          <a:bodyPr wrap="none" lIns="91438" tIns="45719" rIns="91438" bIns="45719">
+            <a:spAutoFit/>
+          </a:bodyPr>
+          <a:lstStyle>
+            <a:lvl1pPr>
+              <a:spcBef>
+                <a:spcPct val="20000"/>
+              </a:spcBef>
+              <a:buFont typeface="Arial" panose="020B0604020202020204" pitchFamily="34" charset="0"/>
+              <a:buChar char="•"/>
+              <a:defRPr sz="3200">
+                <a:solidFill>
+                  <a:schemeClr val="tx1"/>
+                </a:solidFill>
+                <a:latin typeface="微软雅黑" panose="020B0503020204020204" pitchFamily="34" charset="-122"/>
+                <a:ea typeface="微软雅黑" panose="020B0503020204020204" pitchFamily="34" charset="-122"/>
+                <a:sym typeface="Calibri" panose="020F0502020204030204" pitchFamily="34" charset="0"/>
+              </a:defRPr>
+            </a:lvl1pPr>
+            <a:lvl2pPr marL="742950" indent="-285750">
+              <a:spcBef>
+                <a:spcPct val="20000"/>
+              </a:spcBef>
+              <a:buFont typeface="Arial" panose="020B0604020202020204" pitchFamily="34" charset="0"/>
+              <a:buChar char="–"/>
+              <a:defRPr sz="2800">
+                <a:solidFill>
+                  <a:schemeClr val="tx1"/>
+                </a:solidFill>
+                <a:latin typeface="微软雅黑" panose="020B0503020204020204" pitchFamily="34" charset="-122"/>
+                <a:ea typeface="微软雅黑" panose="020B0503020204020204" pitchFamily="34" charset="-122"/>
+                <a:sym typeface="Calibri" panose="020F0502020204030204" pitchFamily="34" charset="0"/>
+              </a:defRPr>
+            </a:lvl2pPr>
+            <a:lvl3pPr marL="1143000" indent="-228600">
+              <a:spcBef>
+                <a:spcPct val="20000"/>
+              </a:spcBef>
+              <a:buFont typeface="Arial" panose="020B0604020202020204" pitchFamily="34" charset="0"/>
+              <a:buChar char="•"/>
+              <a:defRPr sz="2400">
+                <a:solidFill>
+                  <a:schemeClr val="tx1"/>
+                </a:solidFill>
+                <a:latin typeface="微软雅黑" panose="020B0503020204020204" pitchFamily="34" charset="-122"/>
+                <a:ea typeface="微软雅黑" panose="020B0503020204020204" pitchFamily="34" charset="-122"/>
+                <a:sym typeface="Calibri" panose="020F0502020204030204" pitchFamily="34" charset="0"/>
+              </a:defRPr>
+            </a:lvl3pPr>
+            <a:lvl4pPr marL="1600200" indent="-228600">
+              <a:spcBef>
+                <a:spcPct val="20000"/>
+              </a:spcBef>
+              <a:buFont typeface="Arial" panose="020B0604020202020204" pitchFamily="34" charset="0"/>
+              <a:buChar char="–"/>
+              <a:defRPr sz="2000">
+                <a:solidFill>
+                  <a:schemeClr val="tx1"/>
+                </a:solidFill>
+                <a:latin typeface="微软雅黑" panose="020B0503020204020204" pitchFamily="34" charset="-122"/>
+                <a:ea typeface="微软雅黑" panose="020B0503020204020204" pitchFamily="34" charset="-122"/>
+                <a:sym typeface="Calibri" panose="020F0502020204030204" pitchFamily="34" charset="0"/>
+              </a:defRPr>
+            </a:lvl4pPr>
+            <a:lvl5pPr marL="2057400" indent="-228600">
+              <a:spcBef>
+                <a:spcPct val="20000"/>
+              </a:spcBef>
+              <a:buFont typeface="Arial" panose="020B0604020202020204" pitchFamily="34" charset="0"/>
+              <a:buChar char="»"/>
+              <a:defRPr sz="2000">
+                <a:solidFill>
+                  <a:schemeClr val="tx1"/>
+                </a:solidFill>
+                <a:latin typeface="微软雅黑" panose="020B0503020204020204" pitchFamily="34" charset="-122"/>
+                <a:ea typeface="微软雅黑" panose="020B0503020204020204" pitchFamily="34" charset="-122"/>
+                <a:sym typeface="Calibri" panose="020F0502020204030204" pitchFamily="34" charset="0"/>
+              </a:defRPr>
+            </a:lvl5pPr>
+            <a:lvl6pPr marL="2514600" indent="-228600" eaLnBrk="0" fontAlgn="base" hangingPunct="0">
+              <a:spcBef>
+                <a:spcPct val="20000"/>
+              </a:spcBef>
+              <a:spcAft>
+                <a:spcPct val="0"/>
+              </a:spcAft>
+              <a:buFont typeface="Arial" panose="020B0604020202020204" pitchFamily="34" charset="0"/>
+              <a:buChar char="»"/>
+              <a:defRPr sz="2000">
+                <a:solidFill>
+                  <a:schemeClr val="tx1"/>
+                </a:solidFill>
+                <a:latin typeface="微软雅黑" panose="020B0503020204020204" pitchFamily="34" charset="-122"/>
+                <a:ea typeface="微软雅黑" panose="020B0503020204020204" pitchFamily="34" charset="-122"/>
+                <a:sym typeface="Calibri" panose="020F0502020204030204" pitchFamily="34" charset="0"/>
+              </a:defRPr>
+            </a:lvl6pPr>
+            <a:lvl7pPr marL="2971800" indent="-228600" eaLnBrk="0" fontAlgn="base" hangingPunct="0">
+              <a:spcBef>
+                <a:spcPct val="20000"/>
+              </a:spcBef>
+              <a:spcAft>
+                <a:spcPct val="0"/>
+              </a:spcAft>
+              <a:buFont typeface="Arial" panose="020B0604020202020204" pitchFamily="34" charset="0"/>
+              <a:buChar char="»"/>
+              <a:defRPr sz="2000">
+                <a:solidFill>
+                  <a:schemeClr val="tx1"/>
+                </a:solidFill>
+                <a:latin typeface="微软雅黑" panose="020B0503020204020204" pitchFamily="34" charset="-122"/>
+                <a:ea typeface="微软雅黑" panose="020B0503020204020204" pitchFamily="34" charset="-122"/>
+                <a:sym typeface="Calibri" panose="020F0502020204030204" pitchFamily="34" charset="0"/>
+              </a:defRPr>
+            </a:lvl7pPr>
+            <a:lvl8pPr marL="3429000" indent="-228600" eaLnBrk="0" fontAlgn="base" hangingPunct="0">
+              <a:spcBef>
+                <a:spcPct val="20000"/>
+              </a:spcBef>
+              <a:spcAft>
+                <a:spcPct val="0"/>
+              </a:spcAft>
+              <a:buFont typeface="Arial" panose="020B0604020202020204" pitchFamily="34" charset="0"/>
+              <a:buChar char="»"/>
+              <a:defRPr sz="2000">
+                <a:solidFill>
+                  <a:schemeClr val="tx1"/>
+                </a:solidFill>
+                <a:latin typeface="微软雅黑" panose="020B0503020204020204" pitchFamily="34" charset="-122"/>
+                <a:ea typeface="微软雅黑" panose="020B0503020204020204" pitchFamily="34" charset="-122"/>
+                <a:sym typeface="Calibri" panose="020F0502020204030204" pitchFamily="34" charset="0"/>
+              </a:defRPr>
+            </a:lvl8pPr>
+            <a:lvl9pPr marL="3886200" indent="-228600" eaLnBrk="0" fontAlgn="base" hangingPunct="0">
+              <a:spcBef>
+                <a:spcPct val="20000"/>
+              </a:spcBef>
+              <a:spcAft>
+                <a:spcPct val="0"/>
+              </a:spcAft>
+              <a:buFont typeface="Arial" panose="020B0604020202020204" pitchFamily="34" charset="0"/>
+              <a:buChar char="»"/>
+              <a:defRPr sz="2000">
+                <a:solidFill>
+                  <a:schemeClr val="tx1"/>
+                </a:solidFill>
+                <a:latin typeface="微软雅黑" panose="020B0503020204020204" pitchFamily="34" charset="-122"/>
+                <a:ea typeface="微软雅黑" panose="020B0503020204020204" pitchFamily="34" charset="-122"/>
+                <a:sym typeface="Calibri" panose="020F0502020204030204" pitchFamily="34" charset="0"/>
+              </a:defRPr>
+            </a:lvl9pPr>
+          </a:lstStyle>
+          <a:p>
+            <a:pPr algn="l">
+              <a:buNone/>
+            </a:pPr>
+            <a:r>
+              <a:rPr lang="en-US" altLang="zh-CN" sz="2400" b="1" dirty="0">
+                <a:solidFill>
+                  <a:schemeClr val="accent1"/>
+                </a:solidFill>
+                <a:latin typeface="Arial" panose="020B0604020202020204" pitchFamily="34" charset="0"/>
+              </a:rPr>
+              <a:t>研究难点</a:t>
+            </a:r>
+          </a:p>
+        </p:txBody>
+      </p:sp>
+      <p:sp>
+        <p:nvSpPr>
+          <p:cNvPr id="17" name="等腰三角形 16"/>
+          <p:cNvSpPr>
+            <a:spLocks noChangeArrowheads="1"/>
+          </p:cNvSpPr>
+          <p:nvPr>
+            <p:custDataLst>
+              <p:tags r:id="rId1"/>
+            </p:custDataLst>
+          </p:nvPr>
+        </p:nvSpPr>
+        <p:spPr bwMode="auto">
+          <a:xfrm rot="5400000">
+            <a:off x="-39787" y="157290"/>
+            <a:ext cx="581159" cy="501585"/>
+          </a:xfrm>
+          <a:prstGeom prst="triangle">
+            <a:avLst>
+              <a:gd name="adj" fmla="val 50000"/>
+            </a:avLst>
+          </a:prstGeom>
+          <a:solidFill>
+            <a:schemeClr val="accent1"/>
+          </a:solidFill>
+          <a:ln>
+            <a:noFill/>
+          </a:ln>
+        </p:spPr>
+        <p:txBody>
+          <a:bodyPr lIns="91438" tIns="45719" rIns="91438" bIns="45719" anchor="ctr"/>
+          <a:lstStyle>
+            <a:lvl1pPr>
+              <a:spcBef>
+                <a:spcPct val="20000"/>
+              </a:spcBef>
+              <a:buFont typeface="Arial" panose="020B0604020202020204" pitchFamily="34" charset="0"/>
+              <a:buChar char="•"/>
+              <a:defRPr sz="3200">
+                <a:solidFill>
+                  <a:schemeClr val="tx1"/>
+                </a:solidFill>
+                <a:latin typeface="微软雅黑" panose="020B0503020204020204" pitchFamily="34" charset="-122"/>
+                <a:ea typeface="微软雅黑" panose="020B0503020204020204" pitchFamily="34" charset="-122"/>
+                <a:sym typeface="Calibri" panose="020F0502020204030204" pitchFamily="34" charset="0"/>
+              </a:defRPr>
+            </a:lvl1pPr>
+            <a:lvl2pPr marL="742950" indent="-285750">
+              <a:spcBef>
+                <a:spcPct val="20000"/>
+              </a:spcBef>
+              <a:buFont typeface="Arial" panose="020B0604020202020204" pitchFamily="34" charset="0"/>
+              <a:buChar char="–"/>
+              <a:defRPr sz="2800">
+                <a:solidFill>
+                  <a:schemeClr val="tx1"/>
+                </a:solidFill>
+                <a:latin typeface="微软雅黑" panose="020B0503020204020204" pitchFamily="34" charset="-122"/>
+                <a:ea typeface="微软雅黑" panose="020B0503020204020204" pitchFamily="34" charset="-122"/>
+                <a:sym typeface="Calibri" panose="020F0502020204030204" pitchFamily="34" charset="0"/>
+              </a:defRPr>
+            </a:lvl2pPr>
+            <a:lvl3pPr marL="1143000" indent="-228600">
+              <a:spcBef>
+                <a:spcPct val="20000"/>
+              </a:spcBef>
+              <a:buFont typeface="Arial" panose="020B0604020202020204" pitchFamily="34" charset="0"/>
+              <a:buChar char="•"/>
+              <a:defRPr sz="2400">
+                <a:solidFill>
+                  <a:schemeClr val="tx1"/>
+                </a:solidFill>
+                <a:latin typeface="微软雅黑" panose="020B0503020204020204" pitchFamily="34" charset="-122"/>
+                <a:ea typeface="微软雅黑" panose="020B0503020204020204" pitchFamily="34" charset="-122"/>
+                <a:sym typeface="Calibri" panose="020F0502020204030204" pitchFamily="34" charset="0"/>
+              </a:defRPr>
+            </a:lvl3pPr>
+            <a:lvl4pPr marL="1600200" indent="-228600">
+              <a:spcBef>
+                <a:spcPct val="20000"/>
+              </a:spcBef>
+              <a:buFont typeface="Arial" panose="020B0604020202020204" pitchFamily="34" charset="0"/>
+              <a:buChar char="–"/>
+              <a:defRPr sz="2000">
+                <a:solidFill>
+                  <a:schemeClr val="tx1"/>
+                </a:solidFill>
+                <a:latin typeface="微软雅黑" panose="020B0503020204020204" pitchFamily="34" charset="-122"/>
+                <a:ea typeface="微软雅黑" panose="020B0503020204020204" pitchFamily="34" charset="-122"/>
+                <a:sym typeface="Calibri" panose="020F0502020204030204" pitchFamily="34" charset="0"/>
+              </a:defRPr>
+            </a:lvl4pPr>
+            <a:lvl5pPr marL="2057400" indent="-228600">
+              <a:spcBef>
+                <a:spcPct val="20000"/>
+              </a:spcBef>
+              <a:buFont typeface="Arial" panose="020B0604020202020204" pitchFamily="34" charset="0"/>
+              <a:buChar char="»"/>
+              <a:defRPr sz="2000">
+                <a:solidFill>
+                  <a:schemeClr val="tx1"/>
+                </a:solidFill>
+                <a:latin typeface="微软雅黑" panose="020B0503020204020204" pitchFamily="34" charset="-122"/>
+                <a:ea typeface="微软雅黑" panose="020B0503020204020204" pitchFamily="34" charset="-122"/>
+                <a:sym typeface="Calibri" panose="020F0502020204030204" pitchFamily="34" charset="0"/>
+              </a:defRPr>
+            </a:lvl5pPr>
+            <a:lvl6pPr marL="2514600" indent="-228600" eaLnBrk="0" fontAlgn="base" hangingPunct="0">
+              <a:spcBef>
+                <a:spcPct val="20000"/>
+              </a:spcBef>
+              <a:spcAft>
+                <a:spcPct val="0"/>
+              </a:spcAft>
+              <a:buFont typeface="Arial" panose="020B0604020202020204" pitchFamily="34" charset="0"/>
+              <a:buChar char="»"/>
+              <a:defRPr sz="2000">
+                <a:solidFill>
+                  <a:schemeClr val="tx1"/>
+                </a:solidFill>
+                <a:latin typeface="微软雅黑" panose="020B0503020204020204" pitchFamily="34" charset="-122"/>
+                <a:ea typeface="微软雅黑" panose="020B0503020204020204" pitchFamily="34" charset="-122"/>
+                <a:sym typeface="Calibri" panose="020F0502020204030204" pitchFamily="34" charset="0"/>
+              </a:defRPr>
+            </a:lvl6pPr>
+            <a:lvl7pPr marL="2971800" indent="-228600" eaLnBrk="0" fontAlgn="base" hangingPunct="0">
+              <a:spcBef>
+                <a:spcPct val="20000"/>
+              </a:spcBef>
+              <a:spcAft>
+                <a:spcPct val="0"/>
+              </a:spcAft>
+              <a:buFont typeface="Arial" panose="020B0604020202020204" pitchFamily="34" charset="0"/>
+              <a:buChar char="»"/>
+              <a:defRPr sz="2000">
+                <a:solidFill>
+                  <a:schemeClr val="tx1"/>
+                </a:solidFill>
+                <a:latin typeface="微软雅黑" panose="020B0503020204020204" pitchFamily="34" charset="-122"/>
+                <a:ea typeface="微软雅黑" panose="020B0503020204020204" pitchFamily="34" charset="-122"/>
+                <a:sym typeface="Calibri" panose="020F0502020204030204" pitchFamily="34" charset="0"/>
+              </a:defRPr>
+            </a:lvl7pPr>
+            <a:lvl8pPr marL="3429000" indent="-228600" eaLnBrk="0" fontAlgn="base" hangingPunct="0">
+              <a:spcBef>
+                <a:spcPct val="20000"/>
+              </a:spcBef>
+              <a:spcAft>
+                <a:spcPct val="0"/>
+              </a:spcAft>
+              <a:buFont typeface="Arial" panose="020B0604020202020204" pitchFamily="34" charset="0"/>
+              <a:buChar char="»"/>
+              <a:defRPr sz="2000">
+                <a:solidFill>
+                  <a:schemeClr val="tx1"/>
+                </a:solidFill>
+                <a:latin typeface="微软雅黑" panose="020B0503020204020204" pitchFamily="34" charset="-122"/>
+                <a:ea typeface="微软雅黑" panose="020B0503020204020204" pitchFamily="34" charset="-122"/>
+                <a:sym typeface="Calibri" panose="020F0502020204030204" pitchFamily="34" charset="0"/>
+              </a:defRPr>
+            </a:lvl8pPr>
+            <a:lvl9pPr marL="3886200" indent="-228600" eaLnBrk="0" fontAlgn="base" hangingPunct="0">
+              <a:spcBef>
+                <a:spcPct val="20000"/>
+              </a:spcBef>
+              <a:spcAft>
+                <a:spcPct val="0"/>
+              </a:spcAft>
+              <a:buFont typeface="Arial" panose="020B0604020202020204" pitchFamily="34" charset="0"/>
+              <a:buChar char="»"/>
+              <a:defRPr sz="2000">
+                <a:solidFill>
+                  <a:schemeClr val="tx1"/>
+                </a:solidFill>
+                <a:latin typeface="微软雅黑" panose="020B0503020204020204" pitchFamily="34" charset="-122"/>
+                <a:ea typeface="微软雅黑" panose="020B0503020204020204" pitchFamily="34" charset="-122"/>
+                <a:sym typeface="Calibri" panose="020F0502020204030204" pitchFamily="34" charset="0"/>
+              </a:defRPr>
+            </a:lvl9pPr>
+          </a:lstStyle>
+          <a:p>
+            <a:pPr algn="ctr" eaLnBrk="1" hangingPunct="1">
+              <a:spcBef>
+                <a:spcPct val="0"/>
+              </a:spcBef>
+              <a:buFont typeface="Arial" panose="020B0604020202020204" pitchFamily="34" charset="0"/>
+              <a:buNone/>
+            </a:pPr>
+            <a:endParaRPr lang="zh-CN" altLang="zh-CN" sz="1800">
+              <a:solidFill>
+                <a:srgbClr val="FFFFFF"/>
+              </a:solidFill>
+              <a:sym typeface="微软雅黑" panose="020B0503020204020204" pitchFamily="34" charset="-122"/>
+            </a:endParaRPr>
+          </a:p>
+        </p:txBody>
+      </p:sp>
+      <p:sp>
+        <p:nvSpPr>
+          <p:cNvPr id="18" name="TextBox 17"/>
+          <p:cNvSpPr txBox="1"/>
+          <p:nvPr>
+            <p:custDataLst>
+              <p:tags r:id="rId2"/>
+            </p:custDataLst>
+          </p:nvPr>
+        </p:nvSpPr>
+        <p:spPr>
+          <a:xfrm>
+            <a:off x="4084263" y="2379636"/>
+            <a:ext cx="936104" cy="492443"/>
+          </a:xfrm>
+          <a:prstGeom prst="rect">
+            <a:avLst/>
+          </a:prstGeom>
+          <a:noFill/>
+        </p:spPr>
+        <p:txBody>
+          <a:bodyPr wrap="square" lIns="0" tIns="0" rIns="0" bIns="0" rtlCol="0">
+            <a:spAutoFit/>
+          </a:bodyPr>
+          <a:lstStyle>
+            <a:defPPr>
+              <a:defRPr lang="zh-CN"/>
+            </a:defPPr>
+            <a:lvl1pPr>
+              <a:defRPr sz="2200">
+                <a:solidFill>
+                  <a:schemeClr val="bg1"/>
+                </a:solidFill>
+                <a:latin typeface="微软雅黑" panose="020B0503020204020204" pitchFamily="34" charset="-122"/>
+                <a:ea typeface="微软雅黑" panose="020B0503020204020204" pitchFamily="34" charset="-122"/>
+              </a:defRPr>
+            </a:lvl1pPr>
+          </a:lstStyle>
+          <a:p>
+            <a:pPr algn="ctr"/>
+            <a:r>
+              <a:rPr lang="zh-CN" altLang="en-US" sz="3200" b="1" dirty="0">
+                <a:solidFill>
+                  <a:schemeClr val="dk1">
+                    <a:lumMod val="65000"/>
+                    <a:lumOff val="35000"/>
+                  </a:schemeClr>
+                </a:solidFill>
+              </a:rPr>
+              <a:t>缺点</a:t>
+            </a:r>
+          </a:p>
+        </p:txBody>
+      </p:sp>
+      <p:sp>
+        <p:nvSpPr>
+          <p:cNvPr id="19" name="TextBox 18"/>
+          <p:cNvSpPr/>
+          <p:nvPr>
+            <p:custDataLst>
+              <p:tags r:id="rId3"/>
+            </p:custDataLst>
+          </p:nvPr>
+        </p:nvSpPr>
+        <p:spPr>
+          <a:xfrm>
+            <a:off x="971600" y="1315391"/>
+            <a:ext cx="2057923" cy="257810"/>
+          </a:xfrm>
+          <a:prstGeom prst="rect">
+            <a:avLst/>
+          </a:prstGeom>
+        </p:spPr>
+        <p:txBody>
+          <a:bodyPr wrap="square" lIns="91440" tIns="45720" rIns="91440" bIns="45720" rtlCol="0">
+            <a:spAutoFit/>
+          </a:bodyPr>
+          <a:lstStyle/>
+          <a:p>
+            <a:pPr lvl="0" algn="r">
+              <a:buClrTx/>
+              <a:buSzTx/>
+              <a:buFontTx/>
+              <a:defRPr/>
+            </a:pPr>
+            <a:r>
               <a:rPr lang="en-US" altLang="zh-CN" dirty="0">
                 <a:gradFill>
                   <a:gsLst>
@@ -18841,25 +18185,25 @@
                 <a:ea typeface="微软雅黑" panose="020B0503020204020204" pitchFamily="34" charset="-122"/>
                 <a:sym typeface="+mn-ea"/>
               </a:rPr>
-              <a:t>视觉检测不足</a:t>
+              <a:t>数据对齐难题</a:t>
             </a:r>
           </a:p>
         </p:txBody>
       </p:sp>
       <p:sp>
         <p:nvSpPr>
-          <p:cNvPr id="28" name="文本框 27"/>
+          <p:cNvPr id="20" name="TextBox 19"/>
           <p:cNvSpPr txBox="1"/>
           <p:nvPr>
             <p:custDataLst>
-              <p:tags r:id="rId10"/>
+              <p:tags r:id="rId4"/>
             </p:custDataLst>
           </p:nvPr>
         </p:nvSpPr>
         <p:spPr>
           <a:xfrm>
-            <a:off x="6132195" y="2765425"/>
-            <a:ext cx="2141220" cy="1728470"/>
+            <a:off x="6074410" y="1591945"/>
+            <a:ext cx="2527935" cy="1279525"/>
           </a:xfrm>
           <a:prstGeom prst="rect">
             <a:avLst/>
@@ -18867,8 +18211,709 @@
           <a:noFill/>
         </p:spPr>
         <p:txBody>
-          <a:bodyPr wrap="square" lIns="91438" tIns="45719" rIns="91438" bIns="45719" rtlCol="0" anchor="t" anchorCtr="0">
+          <a:bodyPr wrap="square" lIns="0" tIns="0" rIns="0" bIns="0" rtlCol="0">
             <a:noAutofit/>
+          </a:bodyPr>
+          <a:lstStyle>
+            <a:defPPr>
+              <a:defRPr lang="zh-CN"/>
+            </a:defPPr>
+            <a:lvl1pPr algn="just">
+              <a:lnSpc>
+                <a:spcPts val="1300"/>
+              </a:lnSpc>
+              <a:defRPr sz="1000">
+                <a:solidFill>
+                  <a:schemeClr val="tx1">
+                    <a:lumMod val="65000"/>
+                    <a:lumOff val="35000"/>
+                  </a:schemeClr>
+                </a:solidFill>
+                <a:latin typeface="微软雅黑" panose="020B0503020204020204" pitchFamily="34" charset="-122"/>
+                <a:ea typeface="微软雅黑" panose="020B0503020204020204" pitchFamily="34" charset="-122"/>
+              </a:defRPr>
+            </a:lvl1pPr>
+          </a:lstStyle>
+          <a:p>
+            <a:r>
+              <a:rPr lang="en-US" altLang="zh-CN" sz="1200" dirty="0">
+                <a:solidFill>
+                  <a:schemeClr val="dk1">
+                    <a:lumMod val="65000"/>
+                    <a:lumOff val="35000"/>
+                  </a:schemeClr>
+                </a:solidFill>
+              </a:rPr>
+              <a:t>面对新型深度伪造内容，模型的泛化性有待提升，难以很好应对。</a:t>
+            </a:r>
+          </a:p>
+        </p:txBody>
+      </p:sp>
+      <p:sp>
+        <p:nvSpPr>
+          <p:cNvPr id="22" name="TextBox 21"/>
+          <p:cNvSpPr txBox="1"/>
+          <p:nvPr>
+            <p:custDataLst>
+              <p:tags r:id="rId5"/>
+            </p:custDataLst>
+          </p:nvPr>
+        </p:nvSpPr>
+        <p:spPr>
+          <a:xfrm>
+            <a:off x="2782570" y="4206875"/>
+            <a:ext cx="3742690" cy="549275"/>
+          </a:xfrm>
+          <a:prstGeom prst="rect">
+            <a:avLst/>
+          </a:prstGeom>
+          <a:noFill/>
+        </p:spPr>
+        <p:txBody>
+          <a:bodyPr wrap="square" lIns="0" tIns="0" rIns="0" bIns="0" rtlCol="0">
+            <a:noAutofit/>
+          </a:bodyPr>
+          <a:lstStyle>
+            <a:defPPr>
+              <a:defRPr lang="zh-CN"/>
+            </a:defPPr>
+            <a:lvl1pPr algn="just">
+              <a:lnSpc>
+                <a:spcPts val="1300"/>
+              </a:lnSpc>
+              <a:defRPr sz="1000">
+                <a:solidFill>
+                  <a:schemeClr val="tx1">
+                    <a:lumMod val="65000"/>
+                    <a:lumOff val="35000"/>
+                  </a:schemeClr>
+                </a:solidFill>
+                <a:latin typeface="微软雅黑" panose="020B0503020204020204" pitchFamily="34" charset="-122"/>
+                <a:ea typeface="微软雅黑" panose="020B0503020204020204" pitchFamily="34" charset="-122"/>
+              </a:defRPr>
+            </a:lvl1pPr>
+          </a:lstStyle>
+          <a:p>
+            <a:pPr algn="l"/>
+            <a:r>
+              <a:rPr lang="en-US" altLang="zh-CN" sz="1200" dirty="0">
+                <a:solidFill>
+                  <a:schemeClr val="dk1">
+                    <a:lumMod val="65000"/>
+                    <a:lumOff val="35000"/>
+                  </a:schemeClr>
+                </a:solidFill>
+              </a:rPr>
+              <a:t>LLM调用存在延迟，系统实时性的优化是一大难点。</a:t>
+            </a:r>
+          </a:p>
+        </p:txBody>
+      </p:sp>
+      <p:grpSp>
+        <p:nvGrpSpPr>
+          <p:cNvPr id="23" name="组合 22"/>
+          <p:cNvGrpSpPr/>
+          <p:nvPr>
+            <p:custDataLst>
+              <p:tags r:id="rId6"/>
+            </p:custDataLst>
+          </p:nvPr>
+        </p:nvGrpSpPr>
+        <p:grpSpPr>
+          <a:xfrm>
+            <a:off x="3325844" y="1583666"/>
+            <a:ext cx="2492408" cy="2406682"/>
+            <a:chOff x="3325813" y="1973262"/>
+            <a:chExt cx="2492375" cy="2406651"/>
+          </a:xfrm>
+        </p:grpSpPr>
+        <p:sp>
+          <p:nvSpPr>
+            <p:cNvPr id="25" name="Freeform 6"/>
+            <p:cNvSpPr/>
+            <p:nvPr>
+              <p:custDataLst>
+                <p:tags r:id="rId10"/>
+              </p:custDataLst>
+            </p:nvPr>
+          </p:nvSpPr>
+          <p:spPr bwMode="auto">
+            <a:xfrm>
+              <a:off x="3325813" y="1973262"/>
+              <a:ext cx="1193800" cy="1196975"/>
+            </a:xfrm>
+            <a:custGeom>
+              <a:avLst/>
+              <a:gdLst>
+                <a:gd name="T0" fmla="*/ 986 w 4497"/>
+                <a:gd name="T1" fmla="*/ 1809 h 4497"/>
+                <a:gd name="T2" fmla="*/ 986 w 4497"/>
+                <a:gd name="T3" fmla="*/ 986 h 4497"/>
+                <a:gd name="T4" fmla="*/ 1809 w 4497"/>
+                <a:gd name="T5" fmla="*/ 986 h 4497"/>
+                <a:gd name="T6" fmla="*/ 4497 w 4497"/>
+                <a:gd name="T7" fmla="*/ 0 h 4497"/>
+                <a:gd name="T8" fmla="*/ 4497 w 4497"/>
+                <a:gd name="T9" fmla="*/ 1861 h 4497"/>
+                <a:gd name="T10" fmla="*/ 2659 w 4497"/>
+                <a:gd name="T11" fmla="*/ 2659 h 4497"/>
+                <a:gd name="T12" fmla="*/ 1861 w 4497"/>
+                <a:gd name="T13" fmla="*/ 4497 h 4497"/>
+                <a:gd name="T14" fmla="*/ 0 w 4497"/>
+                <a:gd name="T15" fmla="*/ 4497 h 4497"/>
+                <a:gd name="T16" fmla="*/ 986 w 4497"/>
+                <a:gd name="T17" fmla="*/ 1809 h 4497"/>
+              </a:gdLst>
+              <a:ahLst/>
+              <a:cxnLst>
+                <a:cxn ang="0">
+                  <a:pos x="T0" y="T1"/>
+                </a:cxn>
+                <a:cxn ang="0">
+                  <a:pos x="T2" y="T3"/>
+                </a:cxn>
+                <a:cxn ang="0">
+                  <a:pos x="T4" y="T5"/>
+                </a:cxn>
+                <a:cxn ang="0">
+                  <a:pos x="T6" y="T7"/>
+                </a:cxn>
+                <a:cxn ang="0">
+                  <a:pos x="T8" y="T9"/>
+                </a:cxn>
+                <a:cxn ang="0">
+                  <a:pos x="T10" y="T11"/>
+                </a:cxn>
+                <a:cxn ang="0">
+                  <a:pos x="T12" y="T13"/>
+                </a:cxn>
+                <a:cxn ang="0">
+                  <a:pos x="T14" y="T15"/>
+                </a:cxn>
+                <a:cxn ang="0">
+                  <a:pos x="T16" y="T17"/>
+                </a:cxn>
+              </a:cxnLst>
+              <a:rect l="0" t="0" r="r" b="b"/>
+              <a:pathLst>
+                <a:path w="4497" h="4497">
+                  <a:moveTo>
+                    <a:pt x="986" y="1809"/>
+                  </a:moveTo>
+                  <a:lnTo>
+                    <a:pt x="986" y="986"/>
+                  </a:lnTo>
+                  <a:lnTo>
+                    <a:pt x="1809" y="986"/>
+                  </a:lnTo>
+                  <a:cubicBezTo>
+                    <a:pt x="2601" y="369"/>
+                    <a:pt x="3544" y="40"/>
+                    <a:pt x="4497" y="0"/>
+                  </a:cubicBezTo>
+                  <a:lnTo>
+                    <a:pt x="4497" y="1861"/>
+                  </a:lnTo>
+                  <a:cubicBezTo>
+                    <a:pt x="3824" y="1887"/>
+                    <a:pt x="3165" y="2152"/>
+                    <a:pt x="2659" y="2659"/>
+                  </a:cubicBezTo>
+                  <a:cubicBezTo>
+                    <a:pt x="2152" y="3165"/>
+                    <a:pt x="1887" y="3824"/>
+                    <a:pt x="1861" y="4497"/>
+                  </a:cubicBezTo>
+                  <a:lnTo>
+                    <a:pt x="0" y="4497"/>
+                  </a:lnTo>
+                  <a:cubicBezTo>
+                    <a:pt x="40" y="3544"/>
+                    <a:pt x="369" y="2601"/>
+                    <a:pt x="986" y="1809"/>
+                  </a:cubicBezTo>
+                  <a:close/>
+                </a:path>
+              </a:pathLst>
+            </a:custGeom>
+            <a:solidFill>
+              <a:schemeClr val="accent2"/>
+            </a:solidFill>
+            <a:ln>
+              <a:noFill/>
+            </a:ln>
+          </p:spPr>
+          <p:txBody>
+            <a:bodyPr vert="horz" wrap="square" lIns="91440" tIns="45720" rIns="91440" bIns="45720" numCol="1" anchor="t" anchorCtr="0" compatLnSpc="1"/>
+            <a:lstStyle/>
+            <a:p>
+              <a:endParaRPr lang="zh-CN" altLang="en-US" sz="1400">
+                <a:solidFill>
+                  <a:schemeClr val="dk1"/>
+                </a:solidFill>
+              </a:endParaRPr>
+            </a:p>
+          </p:txBody>
+        </p:sp>
+        <p:sp>
+          <p:nvSpPr>
+            <p:cNvPr id="26" name="Freeform 7"/>
+            <p:cNvSpPr/>
+            <p:nvPr>
+              <p:custDataLst>
+                <p:tags r:id="rId11"/>
+              </p:custDataLst>
+            </p:nvPr>
+          </p:nvSpPr>
+          <p:spPr bwMode="auto">
+            <a:xfrm rot="2640000">
+              <a:off x="3974148" y="3181350"/>
+              <a:ext cx="1193800" cy="1198563"/>
+            </a:xfrm>
+            <a:custGeom>
+              <a:avLst/>
+              <a:gdLst>
+                <a:gd name="T0" fmla="*/ 3511 w 4497"/>
+                <a:gd name="T1" fmla="*/ 3511 h 4497"/>
+                <a:gd name="T2" fmla="*/ 2687 w 4497"/>
+                <a:gd name="T3" fmla="*/ 3511 h 4497"/>
+                <a:gd name="T4" fmla="*/ 0 w 4497"/>
+                <a:gd name="T5" fmla="*/ 4497 h 4497"/>
+                <a:gd name="T6" fmla="*/ 0 w 4497"/>
+                <a:gd name="T7" fmla="*/ 2636 h 4497"/>
+                <a:gd name="T8" fmla="*/ 1838 w 4497"/>
+                <a:gd name="T9" fmla="*/ 1838 h 4497"/>
+                <a:gd name="T10" fmla="*/ 2636 w 4497"/>
+                <a:gd name="T11" fmla="*/ 0 h 4497"/>
+                <a:gd name="T12" fmla="*/ 4497 w 4497"/>
+                <a:gd name="T13" fmla="*/ 0 h 4497"/>
+                <a:gd name="T14" fmla="*/ 3511 w 4497"/>
+                <a:gd name="T15" fmla="*/ 2687 h 4497"/>
+                <a:gd name="T16" fmla="*/ 3511 w 4497"/>
+                <a:gd name="T17" fmla="*/ 3511 h 4497"/>
+              </a:gdLst>
+              <a:ahLst/>
+              <a:cxnLst>
+                <a:cxn ang="0">
+                  <a:pos x="T0" y="T1"/>
+                </a:cxn>
+                <a:cxn ang="0">
+                  <a:pos x="T2" y="T3"/>
+                </a:cxn>
+                <a:cxn ang="0">
+                  <a:pos x="T4" y="T5"/>
+                </a:cxn>
+                <a:cxn ang="0">
+                  <a:pos x="T6" y="T7"/>
+                </a:cxn>
+                <a:cxn ang="0">
+                  <a:pos x="T8" y="T9"/>
+                </a:cxn>
+                <a:cxn ang="0">
+                  <a:pos x="T10" y="T11"/>
+                </a:cxn>
+                <a:cxn ang="0">
+                  <a:pos x="T12" y="T13"/>
+                </a:cxn>
+                <a:cxn ang="0">
+                  <a:pos x="T14" y="T15"/>
+                </a:cxn>
+                <a:cxn ang="0">
+                  <a:pos x="T16" y="T17"/>
+                </a:cxn>
+              </a:cxnLst>
+              <a:rect l="0" t="0" r="r" b="b"/>
+              <a:pathLst>
+                <a:path w="4497" h="4497">
+                  <a:moveTo>
+                    <a:pt x="3511" y="3511"/>
+                  </a:moveTo>
+                  <a:lnTo>
+                    <a:pt x="2687" y="3511"/>
+                  </a:lnTo>
+                  <a:cubicBezTo>
+                    <a:pt x="1896" y="4128"/>
+                    <a:pt x="953" y="4457"/>
+                    <a:pt x="0" y="4497"/>
+                  </a:cubicBezTo>
+                  <a:lnTo>
+                    <a:pt x="0" y="2636"/>
+                  </a:lnTo>
+                  <a:cubicBezTo>
+                    <a:pt x="673" y="2610"/>
+                    <a:pt x="1332" y="2345"/>
+                    <a:pt x="1838" y="1838"/>
+                  </a:cubicBezTo>
+                  <a:cubicBezTo>
+                    <a:pt x="2345" y="1332"/>
+                    <a:pt x="2610" y="673"/>
+                    <a:pt x="2636" y="0"/>
+                  </a:cubicBezTo>
+                  <a:lnTo>
+                    <a:pt x="4497" y="0"/>
+                  </a:lnTo>
+                  <a:cubicBezTo>
+                    <a:pt x="4457" y="953"/>
+                    <a:pt x="4128" y="1896"/>
+                    <a:pt x="3511" y="2687"/>
+                  </a:cubicBezTo>
+                  <a:lnTo>
+                    <a:pt x="3511" y="3511"/>
+                  </a:lnTo>
+                  <a:close/>
+                </a:path>
+              </a:pathLst>
+            </a:custGeom>
+            <a:solidFill>
+              <a:schemeClr val="accent2"/>
+            </a:solidFill>
+            <a:ln>
+              <a:noFill/>
+            </a:ln>
+          </p:spPr>
+          <p:txBody>
+            <a:bodyPr vert="horz" wrap="square" lIns="91440" tIns="45720" rIns="91440" bIns="45720" numCol="1" anchor="t" anchorCtr="0" compatLnSpc="1"/>
+            <a:lstStyle/>
+            <a:p>
+              <a:endParaRPr lang="zh-CN" altLang="en-US" sz="1400">
+                <a:solidFill>
+                  <a:schemeClr val="dk1"/>
+                </a:solidFill>
+              </a:endParaRPr>
+            </a:p>
+          </p:txBody>
+        </p:sp>
+        <p:sp>
+          <p:nvSpPr>
+            <p:cNvPr id="27" name="Freeform 8"/>
+            <p:cNvSpPr/>
+            <p:nvPr>
+              <p:custDataLst>
+                <p:tags r:id="rId12"/>
+              </p:custDataLst>
+            </p:nvPr>
+          </p:nvSpPr>
+          <p:spPr bwMode="auto">
+            <a:xfrm>
+              <a:off x="4624388" y="1973262"/>
+              <a:ext cx="1193800" cy="1196975"/>
+            </a:xfrm>
+            <a:custGeom>
+              <a:avLst/>
+              <a:gdLst>
+                <a:gd name="T0" fmla="*/ 3511 w 4497"/>
+                <a:gd name="T1" fmla="*/ 1809 h 4497"/>
+                <a:gd name="T2" fmla="*/ 4497 w 4497"/>
+                <a:gd name="T3" fmla="*/ 4497 h 4497"/>
+                <a:gd name="T4" fmla="*/ 2624 w 4497"/>
+                <a:gd name="T5" fmla="*/ 4497 h 4497"/>
+                <a:gd name="T6" fmla="*/ 1776 w 4497"/>
+                <a:gd name="T7" fmla="*/ 2721 h 4497"/>
+                <a:gd name="T8" fmla="*/ 0 w 4497"/>
+                <a:gd name="T9" fmla="*/ 1873 h 4497"/>
+                <a:gd name="T10" fmla="*/ 0 w 4497"/>
+                <a:gd name="T11" fmla="*/ 0 h 4497"/>
+                <a:gd name="T12" fmla="*/ 2687 w 4497"/>
+                <a:gd name="T13" fmla="*/ 986 h 4497"/>
+                <a:gd name="T14" fmla="*/ 3511 w 4497"/>
+                <a:gd name="T15" fmla="*/ 986 h 4497"/>
+                <a:gd name="T16" fmla="*/ 3511 w 4497"/>
+                <a:gd name="T17" fmla="*/ 1809 h 4497"/>
+              </a:gdLst>
+              <a:ahLst/>
+              <a:cxnLst>
+                <a:cxn ang="0">
+                  <a:pos x="T0" y="T1"/>
+                </a:cxn>
+                <a:cxn ang="0">
+                  <a:pos x="T2" y="T3"/>
+                </a:cxn>
+                <a:cxn ang="0">
+                  <a:pos x="T4" y="T5"/>
+                </a:cxn>
+                <a:cxn ang="0">
+                  <a:pos x="T6" y="T7"/>
+                </a:cxn>
+                <a:cxn ang="0">
+                  <a:pos x="T8" y="T9"/>
+                </a:cxn>
+                <a:cxn ang="0">
+                  <a:pos x="T10" y="T11"/>
+                </a:cxn>
+                <a:cxn ang="0">
+                  <a:pos x="T12" y="T13"/>
+                </a:cxn>
+                <a:cxn ang="0">
+                  <a:pos x="T14" y="T15"/>
+                </a:cxn>
+                <a:cxn ang="0">
+                  <a:pos x="T16" y="T17"/>
+                </a:cxn>
+              </a:cxnLst>
+              <a:rect l="0" t="0" r="r" b="b"/>
+              <a:pathLst>
+                <a:path w="4497" h="4497">
+                  <a:moveTo>
+                    <a:pt x="3511" y="1809"/>
+                  </a:moveTo>
+                  <a:cubicBezTo>
+                    <a:pt x="4128" y="2601"/>
+                    <a:pt x="4457" y="3544"/>
+                    <a:pt x="4497" y="4497"/>
+                  </a:cubicBezTo>
+                  <a:lnTo>
+                    <a:pt x="2624" y="4497"/>
+                  </a:lnTo>
+                  <a:cubicBezTo>
+                    <a:pt x="2558" y="3853"/>
+                    <a:pt x="2275" y="3221"/>
+                    <a:pt x="1776" y="2721"/>
+                  </a:cubicBezTo>
+                  <a:cubicBezTo>
+                    <a:pt x="1276" y="2222"/>
+                    <a:pt x="644" y="1938"/>
+                    <a:pt x="0" y="1873"/>
+                  </a:cubicBezTo>
+                  <a:lnTo>
+                    <a:pt x="0" y="0"/>
+                  </a:lnTo>
+                  <a:cubicBezTo>
+                    <a:pt x="953" y="40"/>
+                    <a:pt x="1896" y="369"/>
+                    <a:pt x="2687" y="986"/>
+                  </a:cubicBezTo>
+                  <a:lnTo>
+                    <a:pt x="3511" y="986"/>
+                  </a:lnTo>
+                  <a:lnTo>
+                    <a:pt x="3511" y="1809"/>
+                  </a:lnTo>
+                  <a:close/>
+                </a:path>
+              </a:pathLst>
+            </a:custGeom>
+            <a:solidFill>
+              <a:schemeClr val="accent1"/>
+            </a:solidFill>
+            <a:ln>
+              <a:noFill/>
+            </a:ln>
+          </p:spPr>
+          <p:txBody>
+            <a:bodyPr vert="horz" wrap="square" lIns="91440" tIns="45720" rIns="91440" bIns="45720" numCol="1" anchor="t" anchorCtr="0" compatLnSpc="1"/>
+            <a:lstStyle/>
+            <a:p>
+              <a:endParaRPr lang="zh-CN" altLang="en-US" sz="1400">
+                <a:solidFill>
+                  <a:schemeClr val="dk1"/>
+                </a:solidFill>
+              </a:endParaRPr>
+            </a:p>
+          </p:txBody>
+        </p:sp>
+        <p:sp>
+          <p:nvSpPr>
+            <p:cNvPr id="51" name="TextBox 50"/>
+            <p:cNvSpPr txBox="1"/>
+            <p:nvPr>
+              <p:custDataLst>
+                <p:tags r:id="rId13"/>
+              </p:custDataLst>
+            </p:nvPr>
+          </p:nvSpPr>
+          <p:spPr>
+            <a:xfrm>
+              <a:off x="3786883" y="2348629"/>
+              <a:ext cx="144016" cy="338451"/>
+            </a:xfrm>
+            <a:prstGeom prst="rect">
+              <a:avLst/>
+            </a:prstGeom>
+            <a:noFill/>
+          </p:spPr>
+          <p:txBody>
+            <a:bodyPr wrap="square" lIns="0" tIns="0" rIns="0" bIns="0" rtlCol="0">
+              <a:spAutoFit/>
+            </a:bodyPr>
+            <a:lstStyle/>
+            <a:p>
+              <a:pPr algn="ctr"/>
+              <a:r>
+                <a:rPr lang="en-US" altLang="zh-CN" sz="2200" b="1" dirty="0">
+                  <a:solidFill>
+                    <a:schemeClr val="lt1"/>
+                  </a:solidFill>
+                  <a:latin typeface="微软雅黑" panose="020B0503020204020204" pitchFamily="34" charset="-122"/>
+                  <a:ea typeface="微软雅黑" panose="020B0503020204020204" pitchFamily="34" charset="-122"/>
+                </a:rPr>
+                <a:t>1</a:t>
+              </a:r>
+            </a:p>
+          </p:txBody>
+        </p:sp>
+        <p:sp>
+          <p:nvSpPr>
+            <p:cNvPr id="37" name="TextBox 36"/>
+            <p:cNvSpPr txBox="1"/>
+            <p:nvPr>
+              <p:custDataLst>
+                <p:tags r:id="rId14"/>
+              </p:custDataLst>
+            </p:nvPr>
+          </p:nvSpPr>
+          <p:spPr>
+            <a:xfrm>
+              <a:off x="5251579" y="2348629"/>
+              <a:ext cx="144016" cy="338451"/>
+            </a:xfrm>
+            <a:prstGeom prst="rect">
+              <a:avLst/>
+            </a:prstGeom>
+            <a:noFill/>
+          </p:spPr>
+          <p:txBody>
+            <a:bodyPr wrap="square" lIns="0" tIns="0" rIns="0" bIns="0" rtlCol="0">
+              <a:spAutoFit/>
+            </a:bodyPr>
+            <a:lstStyle/>
+            <a:p>
+              <a:pPr algn="ctr"/>
+              <a:r>
+                <a:rPr lang="en-US" altLang="zh-CN" sz="2200" b="1" dirty="0">
+                  <a:solidFill>
+                    <a:schemeClr val="lt1"/>
+                  </a:solidFill>
+                  <a:latin typeface="微软雅黑" panose="020B0503020204020204" pitchFamily="34" charset="-122"/>
+                  <a:ea typeface="微软雅黑" panose="020B0503020204020204" pitchFamily="34" charset="-122"/>
+                </a:rPr>
+                <a:t>2</a:t>
+              </a:r>
+            </a:p>
+          </p:txBody>
+        </p:sp>
+        <p:sp>
+          <p:nvSpPr>
+            <p:cNvPr id="33" name="TextBox 32"/>
+            <p:cNvSpPr txBox="1"/>
+            <p:nvPr>
+              <p:custDataLst>
+                <p:tags r:id="rId15"/>
+              </p:custDataLst>
+            </p:nvPr>
+          </p:nvSpPr>
+          <p:spPr>
+            <a:xfrm>
+              <a:off x="4520059" y="3727789"/>
+              <a:ext cx="144016" cy="338451"/>
+            </a:xfrm>
+            <a:prstGeom prst="rect">
+              <a:avLst/>
+            </a:prstGeom>
+            <a:noFill/>
+          </p:spPr>
+          <p:txBody>
+            <a:bodyPr wrap="square" lIns="0" tIns="0" rIns="0" bIns="0" rtlCol="0">
+              <a:spAutoFit/>
+            </a:bodyPr>
+            <a:lstStyle/>
+            <a:p>
+              <a:pPr algn="ctr"/>
+              <a:r>
+                <a:rPr lang="en-US" altLang="zh-CN" sz="2200" b="1" dirty="0">
+                  <a:solidFill>
+                    <a:schemeClr val="lt1"/>
+                  </a:solidFill>
+                  <a:latin typeface="微软雅黑" panose="020B0503020204020204" pitchFamily="34" charset="-122"/>
+                  <a:ea typeface="微软雅黑" panose="020B0503020204020204" pitchFamily="34" charset="-122"/>
+                </a:rPr>
+                <a:t>3</a:t>
+              </a:r>
+            </a:p>
+          </p:txBody>
+        </p:sp>
+      </p:grpSp>
+      <p:sp>
+        <p:nvSpPr>
+          <p:cNvPr id="2" name="TextBox 19"/>
+          <p:cNvSpPr txBox="1"/>
+          <p:nvPr>
+            <p:custDataLst>
+              <p:tags r:id="rId7"/>
+            </p:custDataLst>
+          </p:nvPr>
+        </p:nvSpPr>
+        <p:spPr>
+          <a:xfrm>
+            <a:off x="971550" y="1592580"/>
+            <a:ext cx="2058035" cy="1100455"/>
+          </a:xfrm>
+          <a:prstGeom prst="rect">
+            <a:avLst/>
+          </a:prstGeom>
+          <a:noFill/>
+        </p:spPr>
+        <p:txBody>
+          <a:bodyPr wrap="square" lIns="0" tIns="0" rIns="0" bIns="0" rtlCol="0">
+            <a:noAutofit/>
+          </a:bodyPr>
+          <a:lstStyle>
+            <a:defPPr>
+              <a:defRPr lang="zh-CN"/>
+            </a:defPPr>
+            <a:lvl1pPr algn="just">
+              <a:lnSpc>
+                <a:spcPts val="1300"/>
+              </a:lnSpc>
+              <a:defRPr sz="1000">
+                <a:solidFill>
+                  <a:schemeClr val="tx1">
+                    <a:lumMod val="65000"/>
+                    <a:lumOff val="35000"/>
+                  </a:schemeClr>
+                </a:solidFill>
+                <a:latin typeface="微软雅黑" panose="020B0503020204020204" pitchFamily="34" charset="-122"/>
+                <a:ea typeface="微软雅黑" panose="020B0503020204020204" pitchFamily="34" charset="-122"/>
+              </a:defRPr>
+            </a:lvl1pPr>
+          </a:lstStyle>
+          <a:p>
+            <a:pPr algn="l"/>
+            <a:r>
+              <a:rPr lang="en-US" altLang="zh-CN" sz="1200" dirty="0">
+                <a:solidFill>
+                  <a:schemeClr val="dk1">
+                    <a:lumMod val="65000"/>
+                    <a:lumOff val="35000"/>
+                  </a:schemeClr>
+                </a:solidFill>
+              </a:rPr>
+              <a:t>多模态下需进行图文语义关联建模，实现数据对齐存在困难。</a:t>
+            </a:r>
+          </a:p>
+        </p:txBody>
+      </p:sp>
+      <p:sp>
+        <p:nvSpPr>
+          <p:cNvPr id="3" name="TextBox 18"/>
+          <p:cNvSpPr/>
+          <p:nvPr>
+            <p:custDataLst>
+              <p:tags r:id="rId8"/>
+            </p:custDataLst>
+          </p:nvPr>
+        </p:nvSpPr>
+        <p:spPr>
+          <a:xfrm>
+            <a:off x="6074460" y="1315391"/>
+            <a:ext cx="2057923" cy="257810"/>
+          </a:xfrm>
+          <a:prstGeom prst="rect">
+            <a:avLst/>
+          </a:prstGeom>
+        </p:spPr>
+        <p:txBody>
+          <a:bodyPr wrap="square" lIns="91440" tIns="45720" rIns="91440" bIns="45720" rtlCol="0">
+            <a:spAutoFit/>
           </a:bodyPr>
           <a:lstStyle/>
           <a:p>
@@ -18876,710 +18921,51 @@
               <a:buClrTx/>
               <a:buSzTx/>
               <a:buFontTx/>
+              <a:defRPr/>
             </a:pPr>
             <a:r>
-              <a:rPr lang="en-US" altLang="zh-CN" sz="1200" dirty="0">
-                <a:solidFill>
-                  <a:srgbClr val="595959"/>
-                </a:solidFill>
+              <a:rPr lang="en-US" altLang="zh-CN" dirty="0">
+                <a:gradFill>
+                  <a:gsLst>
+                    <a:gs pos="30000">
+                      <a:srgbClr val="BC1D2D"/>
+                    </a:gs>
+                    <a:gs pos="100000">
+                      <a:srgbClr val="E0522E"/>
+                    </a:gs>
+                  </a:gsLst>
+                  <a:lin ang="0" scaled="0"/>
+                </a:gradFill>
                 <a:latin typeface="微软雅黑" panose="020B0503020204020204" pitchFamily="34" charset="-122"/>
                 <a:ea typeface="微软雅黑" panose="020B0503020204020204" pitchFamily="34" charset="-122"/>
                 <a:sym typeface="+mn-ea"/>
               </a:rPr>
-              <a:t>同步检测模式对用户体验存在影响，有待改进。</a:t>
+              <a:t>模型泛化挑战</a:t>
             </a:r>
           </a:p>
         </p:txBody>
       </p:sp>
       <p:sp>
         <p:nvSpPr>
-          <p:cNvPr id="29" name="任意多边形: 形状 36"/>
+          <p:cNvPr id="4" name="TextBox 18"/>
           <p:cNvSpPr/>
           <p:nvPr>
             <p:custDataLst>
-              <p:tags r:id="rId11"/>
+              <p:tags r:id="rId9"/>
             </p:custDataLst>
           </p:nvPr>
         </p:nvSpPr>
         <p:spPr>
           <a:xfrm>
-            <a:off x="6361033" y="965041"/>
-            <a:ext cx="379730" cy="327660"/>
-          </a:xfrm>
-          <a:custGeom>
-            <a:avLst/>
-            <a:gdLst>
-              <a:gd name="connsiteX0" fmla="*/ 205979 w 411958"/>
-              <a:gd name="connsiteY0" fmla="*/ 0 h 346834"/>
-              <a:gd name="connsiteX1" fmla="*/ 411958 w 411958"/>
-              <a:gd name="connsiteY1" fmla="*/ 296466 h 346834"/>
-              <a:gd name="connsiteX2" fmla="*/ 408430 w 411958"/>
-              <a:gd name="connsiteY2" fmla="*/ 346834 h 346834"/>
-              <a:gd name="connsiteX3" fmla="*/ 3528 w 411958"/>
-              <a:gd name="connsiteY3" fmla="*/ 346834 h 346834"/>
-              <a:gd name="connsiteX4" fmla="*/ 0 w 411958"/>
-              <a:gd name="connsiteY4" fmla="*/ 296466 h 346834"/>
-              <a:gd name="connsiteX5" fmla="*/ 205979 w 411958"/>
-              <a:gd name="connsiteY5" fmla="*/ 0 h 346834"/>
-            </a:gdLst>
-            <a:ahLst/>
-            <a:cxnLst>
-              <a:cxn ang="0">
-                <a:pos x="connsiteX0" y="connsiteY0"/>
-              </a:cxn>
-              <a:cxn ang="0">
-                <a:pos x="connsiteX1" y="connsiteY1"/>
-              </a:cxn>
-              <a:cxn ang="0">
-                <a:pos x="connsiteX2" y="connsiteY2"/>
-              </a:cxn>
-              <a:cxn ang="0">
-                <a:pos x="connsiteX3" y="connsiteY3"/>
-              </a:cxn>
-              <a:cxn ang="0">
-                <a:pos x="connsiteX4" y="connsiteY4"/>
-              </a:cxn>
-              <a:cxn ang="0">
-                <a:pos x="connsiteX5" y="connsiteY5"/>
-              </a:cxn>
-            </a:cxnLst>
-            <a:rect l="l" t="t" r="r" b="b"/>
-            <a:pathLst>
-              <a:path w="411958" h="346834">
-                <a:moveTo>
-                  <a:pt x="205979" y="0"/>
-                </a:moveTo>
-                <a:cubicBezTo>
-                  <a:pt x="319738" y="0"/>
-                  <a:pt x="411958" y="132732"/>
-                  <a:pt x="411958" y="296466"/>
-                </a:cubicBezTo>
-                <a:lnTo>
-                  <a:pt x="408430" y="346834"/>
-                </a:lnTo>
-                <a:lnTo>
-                  <a:pt x="3528" y="346834"/>
-                </a:lnTo>
-                <a:lnTo>
-                  <a:pt x="0" y="296466"/>
-                </a:lnTo>
-                <a:cubicBezTo>
-                  <a:pt x="0" y="132732"/>
-                  <a:pt x="92220" y="0"/>
-                  <a:pt x="205979" y="0"/>
-                </a:cubicBezTo>
-                <a:close/>
-              </a:path>
-            </a:pathLst>
-          </a:custGeom>
-          <a:solidFill>
-            <a:schemeClr val="accent3"/>
-          </a:solidFill>
-          <a:ln>
-            <a:noFill/>
-          </a:ln>
-          <a:effectLst>
-            <a:outerShdw blurRad="50800" dist="63500" dir="8100000" algn="tr" rotWithShape="0">
-              <a:schemeClr val="accent3">
-                <a:lumMod val="50000"/>
-                <a:alpha val="10000"/>
-              </a:schemeClr>
-            </a:outerShdw>
-          </a:effectLst>
-        </p:spPr>
-        <p:style>
-          <a:lnRef idx="2">
-            <a:schemeClr val="accent1">
-              <a:shade val="15000"/>
-            </a:schemeClr>
-          </a:lnRef>
-          <a:fillRef idx="1">
-            <a:schemeClr val="accent1"/>
-          </a:fillRef>
-          <a:effectRef idx="0">
-            <a:schemeClr val="accent1"/>
-          </a:effectRef>
-          <a:fontRef idx="minor">
-            <a:schemeClr val="lt1"/>
-          </a:fontRef>
-        </p:style>
-        <p:txBody>
-          <a:bodyPr wrap="square" rtlCol="0" anchor="ctr">
-            <a:noAutofit/>
-          </a:bodyPr>
-          <a:lstStyle>
-            <a:defPPr>
-              <a:defRPr lang="zh-CN"/>
-            </a:defPPr>
-            <a:lvl1pPr marL="0" algn="l" defTabSz="914400" rtl="0" eaLnBrk="1" latinLnBrk="0" hangingPunct="1">
-              <a:defRPr sz="1800" kern="1200">
-                <a:solidFill>
-                  <a:schemeClr val="lt1"/>
-                </a:solidFill>
-                <a:latin typeface="+mn-lt"/>
-                <a:ea typeface="+mn-ea"/>
-                <a:cs typeface="+mn-cs"/>
-              </a:defRPr>
-            </a:lvl1pPr>
-            <a:lvl2pPr marL="457200" algn="l" defTabSz="914400" rtl="0" eaLnBrk="1" latinLnBrk="0" hangingPunct="1">
-              <a:defRPr sz="1800" kern="1200">
-                <a:solidFill>
-                  <a:schemeClr val="lt1"/>
-                </a:solidFill>
-                <a:latin typeface="+mn-lt"/>
-                <a:ea typeface="+mn-ea"/>
-                <a:cs typeface="+mn-cs"/>
-              </a:defRPr>
-            </a:lvl2pPr>
-            <a:lvl3pPr marL="914400" algn="l" defTabSz="914400" rtl="0" eaLnBrk="1" latinLnBrk="0" hangingPunct="1">
-              <a:defRPr sz="1800" kern="1200">
-                <a:solidFill>
-                  <a:schemeClr val="lt1"/>
-                </a:solidFill>
-                <a:latin typeface="+mn-lt"/>
-                <a:ea typeface="+mn-ea"/>
-                <a:cs typeface="+mn-cs"/>
-              </a:defRPr>
-            </a:lvl3pPr>
-            <a:lvl4pPr marL="1371600" algn="l" defTabSz="914400" rtl="0" eaLnBrk="1" latinLnBrk="0" hangingPunct="1">
-              <a:defRPr sz="1800" kern="1200">
-                <a:solidFill>
-                  <a:schemeClr val="lt1"/>
-                </a:solidFill>
-                <a:latin typeface="+mn-lt"/>
-                <a:ea typeface="+mn-ea"/>
-                <a:cs typeface="+mn-cs"/>
-              </a:defRPr>
-            </a:lvl4pPr>
-            <a:lvl5pPr marL="1828800" algn="l" defTabSz="914400" rtl="0" eaLnBrk="1" latinLnBrk="0" hangingPunct="1">
-              <a:defRPr sz="1800" kern="1200">
-                <a:solidFill>
-                  <a:schemeClr val="lt1"/>
-                </a:solidFill>
-                <a:latin typeface="+mn-lt"/>
-                <a:ea typeface="+mn-ea"/>
-                <a:cs typeface="+mn-cs"/>
-              </a:defRPr>
-            </a:lvl5pPr>
-            <a:lvl6pPr marL="2286000" algn="l" defTabSz="914400" rtl="0" eaLnBrk="1" latinLnBrk="0" hangingPunct="1">
-              <a:defRPr sz="1800" kern="1200">
-                <a:solidFill>
-                  <a:schemeClr val="lt1"/>
-                </a:solidFill>
-                <a:latin typeface="+mn-lt"/>
-                <a:ea typeface="+mn-ea"/>
-                <a:cs typeface="+mn-cs"/>
-              </a:defRPr>
-            </a:lvl6pPr>
-            <a:lvl7pPr marL="2743200" algn="l" defTabSz="914400" rtl="0" eaLnBrk="1" latinLnBrk="0" hangingPunct="1">
-              <a:defRPr sz="1800" kern="1200">
-                <a:solidFill>
-                  <a:schemeClr val="lt1"/>
-                </a:solidFill>
-                <a:latin typeface="+mn-lt"/>
-                <a:ea typeface="+mn-ea"/>
-                <a:cs typeface="+mn-cs"/>
-              </a:defRPr>
-            </a:lvl7pPr>
-            <a:lvl8pPr marL="3200400" algn="l" defTabSz="914400" rtl="0" eaLnBrk="1" latinLnBrk="0" hangingPunct="1">
-              <a:defRPr sz="1800" kern="1200">
-                <a:solidFill>
-                  <a:schemeClr val="lt1"/>
-                </a:solidFill>
-                <a:latin typeface="+mn-lt"/>
-                <a:ea typeface="+mn-ea"/>
-                <a:cs typeface="+mn-cs"/>
-              </a:defRPr>
-            </a:lvl8pPr>
-            <a:lvl9pPr marL="3657600" algn="l" defTabSz="914400" rtl="0" eaLnBrk="1" latinLnBrk="0" hangingPunct="1">
-              <a:defRPr sz="1800" kern="1200">
-                <a:solidFill>
-                  <a:schemeClr val="lt1"/>
-                </a:solidFill>
-                <a:latin typeface="+mn-lt"/>
-                <a:ea typeface="+mn-ea"/>
-                <a:cs typeface="+mn-cs"/>
-              </a:defRPr>
-            </a:lvl9pPr>
-          </a:lstStyle>
-          <a:p>
-            <a:pPr algn="ctr"/>
-            <a:endParaRPr lang="zh-CN" altLang="en-US">
-              <a:solidFill>
-                <a:schemeClr val="lt1"/>
-              </a:solidFill>
-            </a:endParaRPr>
-          </a:p>
-        </p:txBody>
-      </p:sp>
-      <p:sp>
-        <p:nvSpPr>
-          <p:cNvPr id="31" name="任意多边形: 形状 38"/>
-          <p:cNvSpPr/>
-          <p:nvPr>
-            <p:custDataLst>
-              <p:tags r:id="rId12"/>
-            </p:custDataLst>
-          </p:nvPr>
-        </p:nvSpPr>
-        <p:spPr>
-          <a:xfrm>
-            <a:off x="6538595" y="964565"/>
-            <a:ext cx="1212850" cy="1141095"/>
-          </a:xfrm>
-          <a:custGeom>
-            <a:avLst/>
-            <a:gdLst>
-              <a:gd name="connsiteX0" fmla="*/ 38 w 4644"/>
-              <a:gd name="connsiteY0" fmla="*/ 0 h 6065"/>
-              <a:gd name="connsiteX1" fmla="*/ 736 w 4644"/>
-              <a:gd name="connsiteY1" fmla="*/ 0 h 6065"/>
-              <a:gd name="connsiteX2" fmla="*/ 2985 w 4644"/>
-              <a:gd name="connsiteY2" fmla="*/ 0 h 6065"/>
-              <a:gd name="connsiteX3" fmla="*/ 2996 w 4644"/>
-              <a:gd name="connsiteY3" fmla="*/ 0 h 6065"/>
-              <a:gd name="connsiteX4" fmla="*/ 3001 w 4644"/>
-              <a:gd name="connsiteY4" fmla="*/ 0 h 6065"/>
-              <a:gd name="connsiteX5" fmla="*/ 3001 w 4644"/>
-              <a:gd name="connsiteY5" fmla="*/ 0 h 6065"/>
-              <a:gd name="connsiteX6" fmla="*/ 3208 w 4644"/>
-              <a:gd name="connsiteY6" fmla="*/ 21 h 6065"/>
-              <a:gd name="connsiteX7" fmla="*/ 4048 w 4644"/>
-              <a:gd name="connsiteY7" fmla="*/ 1052 h 6065"/>
-              <a:gd name="connsiteX8" fmla="*/ 4002 w 4644"/>
-              <a:gd name="connsiteY8" fmla="*/ 1348 h 6065"/>
-              <a:gd name="connsiteX9" fmla="*/ 4002 w 4644"/>
-              <a:gd name="connsiteY9" fmla="*/ 1348 h 6065"/>
-              <a:gd name="connsiteX10" fmla="*/ 4048 w 4644"/>
-              <a:gd name="connsiteY10" fmla="*/ 1052 h 6065"/>
-              <a:gd name="connsiteX11" fmla="*/ 4048 w 4644"/>
-              <a:gd name="connsiteY11" fmla="*/ 1446 h 6065"/>
-              <a:gd name="connsiteX12" fmla="*/ 4050 w 4644"/>
-              <a:gd name="connsiteY12" fmla="*/ 1451 h 6065"/>
-              <a:gd name="connsiteX13" fmla="*/ 4050 w 4644"/>
-              <a:gd name="connsiteY13" fmla="*/ 3364 h 6065"/>
-              <a:gd name="connsiteX14" fmla="*/ 4187 w 4644"/>
-              <a:gd name="connsiteY14" fmla="*/ 3501 h 6065"/>
-              <a:gd name="connsiteX15" fmla="*/ 4508 w 4644"/>
-              <a:gd name="connsiteY15" fmla="*/ 3501 h 6065"/>
-              <a:gd name="connsiteX16" fmla="*/ 4634 w 4644"/>
-              <a:gd name="connsiteY16" fmla="*/ 3583 h 6065"/>
-              <a:gd name="connsiteX17" fmla="*/ 4609 w 4644"/>
-              <a:gd name="connsiteY17" fmla="*/ 3732 h 6065"/>
-              <a:gd name="connsiteX18" fmla="*/ 2499 w 4644"/>
-              <a:gd name="connsiteY18" fmla="*/ 6022 h 6065"/>
-              <a:gd name="connsiteX19" fmla="*/ 2396 w 4644"/>
-              <a:gd name="connsiteY19" fmla="*/ 6065 h 6065"/>
-              <a:gd name="connsiteX20" fmla="*/ 2294 w 4644"/>
-              <a:gd name="connsiteY20" fmla="*/ 6022 h 6065"/>
-              <a:gd name="connsiteX21" fmla="*/ 184 w 4644"/>
-              <a:gd name="connsiteY21" fmla="*/ 3732 h 6065"/>
-              <a:gd name="connsiteX22" fmla="*/ 159 w 4644"/>
-              <a:gd name="connsiteY22" fmla="*/ 3583 h 6065"/>
-              <a:gd name="connsiteX23" fmla="*/ 284 w 4644"/>
-              <a:gd name="connsiteY23" fmla="*/ 3501 h 6065"/>
-              <a:gd name="connsiteX24" fmla="*/ 606 w 4644"/>
-              <a:gd name="connsiteY24" fmla="*/ 3501 h 6065"/>
-              <a:gd name="connsiteX25" fmla="*/ 743 w 4644"/>
-              <a:gd name="connsiteY25" fmla="*/ 3364 h 6065"/>
-              <a:gd name="connsiteX26" fmla="*/ 732 w 4644"/>
-              <a:gd name="connsiteY26" fmla="*/ 1264 h 6065"/>
-              <a:gd name="connsiteX27" fmla="*/ 38 w 4644"/>
-              <a:gd name="connsiteY27" fmla="*/ 0 h 6065"/>
-            </a:gdLst>
-            <a:ahLst/>
-            <a:cxnLst>
-              <a:cxn ang="0">
-                <a:pos x="connsiteX0" y="connsiteY0"/>
-              </a:cxn>
-              <a:cxn ang="0">
-                <a:pos x="connsiteX1" y="connsiteY1"/>
-              </a:cxn>
-              <a:cxn ang="0">
-                <a:pos x="connsiteX2" y="connsiteY2"/>
-              </a:cxn>
-              <a:cxn ang="0">
-                <a:pos x="connsiteX3" y="connsiteY3"/>
-              </a:cxn>
-              <a:cxn ang="0">
-                <a:pos x="connsiteX4" y="connsiteY4"/>
-              </a:cxn>
-              <a:cxn ang="0">
-                <a:pos x="connsiteX5" y="connsiteY5"/>
-              </a:cxn>
-              <a:cxn ang="0">
-                <a:pos x="connsiteX6" y="connsiteY6"/>
-              </a:cxn>
-              <a:cxn ang="0">
-                <a:pos x="connsiteX7" y="connsiteY7"/>
-              </a:cxn>
-              <a:cxn ang="0">
-                <a:pos x="connsiteX8" y="connsiteY8"/>
-              </a:cxn>
-              <a:cxn ang="0">
-                <a:pos x="connsiteX9" y="connsiteY9"/>
-              </a:cxn>
-              <a:cxn ang="0">
-                <a:pos x="connsiteX10" y="connsiteY10"/>
-              </a:cxn>
-              <a:cxn ang="0">
-                <a:pos x="connsiteX11" y="connsiteY11"/>
-              </a:cxn>
-              <a:cxn ang="0">
-                <a:pos x="connsiteX12" y="connsiteY12"/>
-              </a:cxn>
-              <a:cxn ang="0">
-                <a:pos x="connsiteX13" y="connsiteY13"/>
-              </a:cxn>
-              <a:cxn ang="0">
-                <a:pos x="connsiteX14" y="connsiteY14"/>
-              </a:cxn>
-              <a:cxn ang="0">
-                <a:pos x="connsiteX15" y="connsiteY15"/>
-              </a:cxn>
-              <a:cxn ang="0">
-                <a:pos x="connsiteX16" y="connsiteY16"/>
-              </a:cxn>
-              <a:cxn ang="0">
-                <a:pos x="connsiteX17" y="connsiteY17"/>
-              </a:cxn>
-              <a:cxn ang="0">
-                <a:pos x="connsiteX18" y="connsiteY18"/>
-              </a:cxn>
-              <a:cxn ang="0">
-                <a:pos x="connsiteX19" y="connsiteY19"/>
-              </a:cxn>
-              <a:cxn ang="0">
-                <a:pos x="connsiteX20" y="connsiteY20"/>
-              </a:cxn>
-              <a:cxn ang="0">
-                <a:pos x="connsiteX21" y="connsiteY21"/>
-              </a:cxn>
-              <a:cxn ang="0">
-                <a:pos x="connsiteX22" y="connsiteY22"/>
-              </a:cxn>
-              <a:cxn ang="0">
-                <a:pos x="connsiteX23" y="connsiteY23"/>
-              </a:cxn>
-              <a:cxn ang="0">
-                <a:pos x="connsiteX24" y="connsiteY24"/>
-              </a:cxn>
-              <a:cxn ang="0">
-                <a:pos x="connsiteX25" y="connsiteY25"/>
-              </a:cxn>
-              <a:cxn ang="0">
-                <a:pos x="connsiteX26" y="connsiteY26"/>
-              </a:cxn>
-              <a:cxn ang="0">
-                <a:pos x="connsiteX27" y="connsiteY27"/>
-              </a:cxn>
-            </a:cxnLst>
-            <a:rect l="l" t="t" r="r" b="b"/>
-            <a:pathLst>
-              <a:path w="4644" h="6065">
-                <a:moveTo>
-                  <a:pt x="38" y="0"/>
-                </a:moveTo>
-                <a:cubicBezTo>
-                  <a:pt x="-167" y="-1"/>
-                  <a:pt x="503" y="0"/>
-                  <a:pt x="736" y="0"/>
-                </a:cubicBezTo>
-                <a:lnTo>
-                  <a:pt x="2985" y="0"/>
-                </a:lnTo>
-                <a:lnTo>
-                  <a:pt x="2996" y="0"/>
-                </a:lnTo>
-                <a:lnTo>
-                  <a:pt x="3001" y="0"/>
-                </a:lnTo>
-                <a:lnTo>
-                  <a:pt x="3001" y="0"/>
-                </a:lnTo>
-                <a:lnTo>
-                  <a:pt x="3208" y="21"/>
-                </a:lnTo>
-                <a:cubicBezTo>
-                  <a:pt x="3687" y="119"/>
-                  <a:pt x="4048" y="543"/>
-                  <a:pt x="4048" y="1052"/>
-                </a:cubicBezTo>
-                <a:lnTo>
-                  <a:pt x="4002" y="1348"/>
-                </a:lnTo>
-                <a:lnTo>
-                  <a:pt x="4002" y="1348"/>
-                </a:lnTo>
-                <a:lnTo>
-                  <a:pt x="4048" y="1052"/>
-                </a:lnTo>
-                <a:lnTo>
-                  <a:pt x="4048" y="1446"/>
-                </a:lnTo>
-                <a:lnTo>
-                  <a:pt x="4050" y="1451"/>
-                </a:lnTo>
-                <a:cubicBezTo>
-                  <a:pt x="4050" y="1531"/>
-                  <a:pt x="4050" y="3285"/>
-                  <a:pt x="4050" y="3364"/>
-                </a:cubicBezTo>
-                <a:cubicBezTo>
-                  <a:pt x="4050" y="3446"/>
-                  <a:pt x="4107" y="3501"/>
-                  <a:pt x="4187" y="3501"/>
-                </a:cubicBezTo>
-                <a:lnTo>
-                  <a:pt x="4508" y="3501"/>
-                </a:lnTo>
-                <a:cubicBezTo>
-                  <a:pt x="4559" y="3501"/>
-                  <a:pt x="4613" y="3538"/>
-                  <a:pt x="4634" y="3583"/>
-                </a:cubicBezTo>
-                <a:cubicBezTo>
-                  <a:pt x="4654" y="3631"/>
-                  <a:pt x="4643" y="3695"/>
-                  <a:pt x="4609" y="3732"/>
-                </a:cubicBezTo>
-                <a:lnTo>
-                  <a:pt x="2499" y="6022"/>
-                </a:lnTo>
-                <a:cubicBezTo>
-                  <a:pt x="2472" y="6049"/>
-                  <a:pt x="2435" y="6065"/>
-                  <a:pt x="2396" y="6065"/>
-                </a:cubicBezTo>
-                <a:cubicBezTo>
-                  <a:pt x="2358" y="6065"/>
-                  <a:pt x="2321" y="6049"/>
-                  <a:pt x="2294" y="6022"/>
-                </a:cubicBezTo>
-                <a:lnTo>
-                  <a:pt x="184" y="3732"/>
-                </a:lnTo>
-                <a:cubicBezTo>
-                  <a:pt x="150" y="3695"/>
-                  <a:pt x="138" y="3631"/>
-                  <a:pt x="159" y="3583"/>
-                </a:cubicBezTo>
-                <a:cubicBezTo>
-                  <a:pt x="179" y="3538"/>
-                  <a:pt x="234" y="3501"/>
-                  <a:pt x="284" y="3501"/>
-                </a:cubicBezTo>
-                <a:lnTo>
-                  <a:pt x="606" y="3501"/>
-                </a:lnTo>
-                <a:cubicBezTo>
-                  <a:pt x="686" y="3501"/>
-                  <a:pt x="743" y="3446"/>
-                  <a:pt x="743" y="3364"/>
-                </a:cubicBezTo>
-                <a:cubicBezTo>
-                  <a:pt x="748" y="3272"/>
-                  <a:pt x="738" y="2373"/>
-                  <a:pt x="732" y="1264"/>
-                </a:cubicBezTo>
-                <a:cubicBezTo>
-                  <a:pt x="726" y="155"/>
-                  <a:pt x="243" y="1"/>
-                  <a:pt x="38" y="0"/>
-                </a:cubicBezTo>
-                <a:close/>
-              </a:path>
-            </a:pathLst>
-          </a:custGeom>
-          <a:gradFill flip="none" rotWithShape="1">
-            <a:gsLst>
-              <a:gs pos="0">
-                <a:schemeClr val="accent3">
-                  <a:lumMod val="40000"/>
-                  <a:lumOff val="60000"/>
-                </a:schemeClr>
-              </a:gs>
-              <a:gs pos="80000">
-                <a:schemeClr val="accent3"/>
-              </a:gs>
-            </a:gsLst>
-            <a:lin ang="8100000" scaled="0"/>
-            <a:tileRect/>
-          </a:gradFill>
-          <a:ln>
-            <a:noFill/>
-          </a:ln>
-          <a:effectLst>
-            <a:outerShdw blurRad="50800" dist="63500" dir="8100000" algn="tr" rotWithShape="0">
-              <a:schemeClr val="accent3">
-                <a:lumMod val="75000"/>
-                <a:alpha val="20000"/>
-              </a:schemeClr>
-            </a:outerShdw>
-          </a:effectLst>
-        </p:spPr>
-        <p:style>
-          <a:lnRef idx="2">
-            <a:schemeClr val="accent1">
-              <a:shade val="50000"/>
-            </a:schemeClr>
-          </a:lnRef>
-          <a:fillRef idx="1">
-            <a:schemeClr val="accent1"/>
-          </a:fillRef>
-          <a:effectRef idx="0">
-            <a:schemeClr val="accent1"/>
-          </a:effectRef>
-          <a:fontRef idx="minor">
-            <a:schemeClr val="lt1"/>
-          </a:fontRef>
-        </p:style>
-        <p:txBody>
-          <a:bodyPr vertOverflow="overflow" horzOverflow="overflow" vert="horz" wrap="none" lIns="179705" tIns="71755" rIns="107950" bIns="288290" numCol="1" spcCol="0" rtlCol="0" fromWordArt="0" anchor="ctr" anchorCtr="0" forceAA="0" compatLnSpc="1">
-            <a:normAutofit/>
-          </a:bodyPr>
-          <a:lstStyle>
-            <a:defPPr>
-              <a:defRPr lang="zh-CN"/>
-            </a:defPPr>
-            <a:lvl1pPr marL="0" algn="l" defTabSz="914400" rtl="0" eaLnBrk="1" latinLnBrk="0" hangingPunct="1">
-              <a:defRPr sz="1800" kern="1200">
-                <a:solidFill>
-                  <a:schemeClr val="lt1"/>
-                </a:solidFill>
-                <a:latin typeface="+mn-lt"/>
-                <a:ea typeface="+mn-ea"/>
-                <a:cs typeface="+mn-cs"/>
-              </a:defRPr>
-            </a:lvl1pPr>
-            <a:lvl2pPr marL="457200" algn="l" defTabSz="914400" rtl="0" eaLnBrk="1" latinLnBrk="0" hangingPunct="1">
-              <a:defRPr sz="1800" kern="1200">
-                <a:solidFill>
-                  <a:schemeClr val="lt1"/>
-                </a:solidFill>
-                <a:latin typeface="+mn-lt"/>
-                <a:ea typeface="+mn-ea"/>
-                <a:cs typeface="+mn-cs"/>
-              </a:defRPr>
-            </a:lvl2pPr>
-            <a:lvl3pPr marL="914400" algn="l" defTabSz="914400" rtl="0" eaLnBrk="1" latinLnBrk="0" hangingPunct="1">
-              <a:defRPr sz="1800" kern="1200">
-                <a:solidFill>
-                  <a:schemeClr val="lt1"/>
-                </a:solidFill>
-                <a:latin typeface="+mn-lt"/>
-                <a:ea typeface="+mn-ea"/>
-                <a:cs typeface="+mn-cs"/>
-              </a:defRPr>
-            </a:lvl3pPr>
-            <a:lvl4pPr marL="1371600" algn="l" defTabSz="914400" rtl="0" eaLnBrk="1" latinLnBrk="0" hangingPunct="1">
-              <a:defRPr sz="1800" kern="1200">
-                <a:solidFill>
-                  <a:schemeClr val="lt1"/>
-                </a:solidFill>
-                <a:latin typeface="+mn-lt"/>
-                <a:ea typeface="+mn-ea"/>
-                <a:cs typeface="+mn-cs"/>
-              </a:defRPr>
-            </a:lvl4pPr>
-            <a:lvl5pPr marL="1828800" algn="l" defTabSz="914400" rtl="0" eaLnBrk="1" latinLnBrk="0" hangingPunct="1">
-              <a:defRPr sz="1800" kern="1200">
-                <a:solidFill>
-                  <a:schemeClr val="lt1"/>
-                </a:solidFill>
-                <a:latin typeface="+mn-lt"/>
-                <a:ea typeface="+mn-ea"/>
-                <a:cs typeface="+mn-cs"/>
-              </a:defRPr>
-            </a:lvl5pPr>
-            <a:lvl6pPr marL="2286000" algn="l" defTabSz="914400" rtl="0" eaLnBrk="1" latinLnBrk="0" hangingPunct="1">
-              <a:defRPr sz="1800" kern="1200">
-                <a:solidFill>
-                  <a:schemeClr val="lt1"/>
-                </a:solidFill>
-                <a:latin typeface="+mn-lt"/>
-                <a:ea typeface="+mn-ea"/>
-                <a:cs typeface="+mn-cs"/>
-              </a:defRPr>
-            </a:lvl6pPr>
-            <a:lvl7pPr marL="2743200" algn="l" defTabSz="914400" rtl="0" eaLnBrk="1" latinLnBrk="0" hangingPunct="1">
-              <a:defRPr sz="1800" kern="1200">
-                <a:solidFill>
-                  <a:schemeClr val="lt1"/>
-                </a:solidFill>
-                <a:latin typeface="+mn-lt"/>
-                <a:ea typeface="+mn-ea"/>
-                <a:cs typeface="+mn-cs"/>
-              </a:defRPr>
-            </a:lvl7pPr>
-            <a:lvl8pPr marL="3200400" algn="l" defTabSz="914400" rtl="0" eaLnBrk="1" latinLnBrk="0" hangingPunct="1">
-              <a:defRPr sz="1800" kern="1200">
-                <a:solidFill>
-                  <a:schemeClr val="lt1"/>
-                </a:solidFill>
-                <a:latin typeface="+mn-lt"/>
-                <a:ea typeface="+mn-ea"/>
-                <a:cs typeface="+mn-cs"/>
-              </a:defRPr>
-            </a:lvl8pPr>
-            <a:lvl9pPr marL="3657600" algn="l" defTabSz="914400" rtl="0" eaLnBrk="1" latinLnBrk="0" hangingPunct="1">
-              <a:defRPr sz="1800" kern="1200">
-                <a:solidFill>
-                  <a:schemeClr val="lt1"/>
-                </a:solidFill>
-                <a:latin typeface="+mn-lt"/>
-                <a:ea typeface="+mn-ea"/>
-                <a:cs typeface="+mn-cs"/>
-              </a:defRPr>
-            </a:lvl9pPr>
-          </a:lstStyle>
-          <a:p>
-            <a:pPr lvl="0" algn="ctr">
-              <a:spcBef>
-                <a:spcPct val="0"/>
-              </a:spcBef>
-              <a:spcAft>
-                <a:spcPct val="0"/>
-              </a:spcAft>
-              <a:buClrTx/>
-              <a:buSzTx/>
-              <a:buFontTx/>
-            </a:pPr>
-            <a:r>
-              <a:rPr lang="en-US" altLang="zh-CN" sz="2400" b="1">
-                <a:solidFill>
-                  <a:srgbClr val="FFFFFF"/>
-                </a:solidFill>
-                <a:latin typeface="+mn-ea"/>
-                <a:cs typeface="+mn-ea"/>
-                <a:sym typeface="+mn-ea"/>
-              </a:rPr>
-              <a:t>03</a:t>
-            </a:r>
-          </a:p>
-        </p:txBody>
-      </p:sp>
-      <p:sp>
-        <p:nvSpPr>
-          <p:cNvPr id="30" name="矩形 29"/>
-          <p:cNvSpPr/>
-          <p:nvPr>
-            <p:custDataLst>
-              <p:tags r:id="rId13"/>
-            </p:custDataLst>
-          </p:nvPr>
-        </p:nvSpPr>
-        <p:spPr>
-          <a:xfrm>
-            <a:off x="6390640" y="2329101"/>
-            <a:ext cx="1624330" cy="257810"/>
+            <a:off x="3563035" y="3960801"/>
+            <a:ext cx="2057923" cy="257810"/>
           </a:xfrm>
           <a:prstGeom prst="rect">
             <a:avLst/>
           </a:prstGeom>
         </p:spPr>
         <p:txBody>
-          <a:bodyPr wrap="square" lIns="91440" tIns="45720" rIns="91440" bIns="45720" rtlCol="0" anchor="t" anchorCtr="0">
+          <a:bodyPr wrap="square" lIns="91440" tIns="45720" rIns="91440" bIns="45720" rtlCol="0">
             <a:spAutoFit/>
           </a:bodyPr>
           <a:lstStyle/>
@@ -19607,7 +18993,7 @@
                 <a:ea typeface="微软雅黑" panose="020B0503020204020204" pitchFamily="34" charset="-122"/>
                 <a:sym typeface="+mn-ea"/>
               </a:rPr>
-              <a:t>检测模式缺陷</a:t>
+              <a:t>系统实时优化</a:t>
             </a:r>
           </a:p>
         </p:txBody>
@@ -29635,181 +29021,6 @@
 
 <file path=ppt/tags/tag196.xml><?xml version="1.0" encoding="utf-8"?>
 <p:tagLst xmlns:a="http://schemas.openxmlformats.org/drawingml/2006/main" xmlns:r="http://schemas.openxmlformats.org/officeDocument/2006/relationships" xmlns:p="http://schemas.openxmlformats.org/presentationml/2006/main">
-  <p:tag name="KSO_WM_UNIT_TEXT_FILL_FORE_SCHEMECOLOR_INDEX_BRIGHTNESS" val="0.35"/>
-  <p:tag name="KSO_WM_UNIT_TEXT_FILL_FORE_SCHEMECOLOR_INDEX" val="13"/>
-  <p:tag name="KSO_WM_UNIT_TEXT_FILL_TYPE" val="1"/>
-</p:tagLst>
-</file>
-
-<file path=ppt/tags/tag197.xml><?xml version="1.0" encoding="utf-8"?>
-<p:tagLst xmlns:a="http://schemas.openxmlformats.org/drawingml/2006/main" xmlns:r="http://schemas.openxmlformats.org/officeDocument/2006/relationships" xmlns:p="http://schemas.openxmlformats.org/presentationml/2006/main">
-  <p:tag name="KSO_WM_UNIT_TEXT_FILL_FORE_SCHEMECOLOR_INDEX_BRIGHTNESS" val="0.35"/>
-  <p:tag name="KSO_WM_UNIT_TEXT_FILL_FORE_SCHEMECOLOR_INDEX" val="13"/>
-  <p:tag name="KSO_WM_UNIT_TEXT_FILL_TYPE" val="1"/>
-  <p:tag name="KSO_WM_DIAGRAM_VIRTUALLY_FRAME" val="{&quot;height&quot;:287.25,&quot;left&quot;:76.50393700787399,&quot;top&quot;:109.25,&quot;width&quot;:564.6034645669291}"/>
-</p:tagLst>
-</file>
-
-<file path=ppt/tags/tag198.xml><?xml version="1.0" encoding="utf-8"?>
-<p:tagLst xmlns:a="http://schemas.openxmlformats.org/drawingml/2006/main" xmlns:r="http://schemas.openxmlformats.org/officeDocument/2006/relationships" xmlns:p="http://schemas.openxmlformats.org/presentationml/2006/main">
-  <p:tag name="KSO_WM_UNIT_TEXT_FILL_FORE_SCHEMECOLOR_INDEX_BRIGHTNESS" val="0.35"/>
-  <p:tag name="KSO_WM_UNIT_TEXT_FILL_FORE_SCHEMECOLOR_INDEX" val="13"/>
-  <p:tag name="KSO_WM_UNIT_TEXT_FILL_TYPE" val="1"/>
-  <p:tag name="KSO_WM_DIAGRAM_VIRTUALLY_FRAME" val="{&quot;height&quot;:287.25,&quot;left&quot;:76.50393700787399,&quot;top&quot;:109.25,&quot;width&quot;:564.6034645669291}"/>
-</p:tagLst>
-</file>
-
-<file path=ppt/tags/tag199.xml><?xml version="1.0" encoding="utf-8"?>
-<p:tagLst xmlns:a="http://schemas.openxmlformats.org/drawingml/2006/main" xmlns:r="http://schemas.openxmlformats.org/officeDocument/2006/relationships" xmlns:p="http://schemas.openxmlformats.org/presentationml/2006/main">
-  <p:tag name="KSO_WM_UNIT_TEXT_FILL_FORE_SCHEMECOLOR_INDEX_BRIGHTNESS" val="0.35"/>
-  <p:tag name="KSO_WM_UNIT_TEXT_FILL_FORE_SCHEMECOLOR_INDEX" val="13"/>
-  <p:tag name="KSO_WM_UNIT_TEXT_FILL_TYPE" val="1"/>
-  <p:tag name="KSO_WM_DIAGRAM_VIRTUALLY_FRAME" val="{&quot;height&quot;:287.25,&quot;left&quot;:76.50393700787399,&quot;top&quot;:109.25,&quot;width&quot;:564.6034645669291}"/>
-</p:tagLst>
-</file>
-
-<file path=ppt/tags/tag2.xml><?xml version="1.0" encoding="utf-8"?>
-<p:tagLst xmlns:a="http://schemas.openxmlformats.org/drawingml/2006/main" xmlns:r="http://schemas.openxmlformats.org/officeDocument/2006/relationships" xmlns:p="http://schemas.openxmlformats.org/presentationml/2006/main">
-  <p:tag name="KSO_WM_UNIT_HIGHLIGHT" val="0"/>
-  <p:tag name="KSO_WM_UNIT_COMPATIBLE" val="0"/>
-  <p:tag name="KSO_WM_UNIT_DIAGRAM_ISNUMVISUAL" val="0"/>
-  <p:tag name="KSO_WM_UNIT_DIAGRAM_ISREFERUNIT" val="0"/>
-  <p:tag name="KSO_WM_UNIT_ID" val="_1*a*1"/>
-  <p:tag name="KSO_WM_UNIT_LAYERLEVEL" val="1"/>
-  <p:tag name="KSO_WM_TAG_VERSION" val="3.0"/>
-  <p:tag name="KSO_WM_BEAUTIFY_FLAG" val="#wm#"/>
-  <p:tag name="KSO_WM_UNIT_ISCONTENTSTITLE" val="0"/>
-  <p:tag name="KSO_WM_UNIT_ISNUMDGMTITLE" val="0"/>
-  <p:tag name="KSO_WM_UNIT_PRESET_TEXT" val="单击此处编辑母版标题样式"/>
-  <p:tag name="KSO_WM_UNIT_NOCLEAR" val="0"/>
-  <p:tag name="KSO_WM_UNIT_VALUE" val="20"/>
-  <p:tag name="KSO_WM_UNIT_TYPE" val="a"/>
-  <p:tag name="KSO_WM_UNIT_INDEX" val="1"/>
-</p:tagLst>
-</file>
-
-<file path=ppt/tags/tag20.xml><?xml version="1.0" encoding="utf-8"?>
-<p:tagLst xmlns:a="http://schemas.openxmlformats.org/drawingml/2006/main" xmlns:r="http://schemas.openxmlformats.org/officeDocument/2006/relationships" xmlns:p="http://schemas.openxmlformats.org/presentationml/2006/main">
-  <p:tag name="KSO_WM_UNIT_TEXT_FILL_FORE_SCHEMECOLOR_INDEX_BRIGHTNESS" val="0.15"/>
-  <p:tag name="KSO_WM_UNIT_TEXT_FILL_FORE_SCHEMECOLOR_INDEX" val="13"/>
-  <p:tag name="KSO_WM_UNIT_TEXT_FILL_TYPE" val="1"/>
-</p:tagLst>
-</file>
-
-<file path=ppt/tags/tag200.xml><?xml version="1.0" encoding="utf-8"?>
-<p:tagLst xmlns:a="http://schemas.openxmlformats.org/drawingml/2006/main" xmlns:r="http://schemas.openxmlformats.org/officeDocument/2006/relationships" xmlns:p="http://schemas.openxmlformats.org/presentationml/2006/main">
-  <p:tag name="KSO_WM_DIAGRAM_VIRTUALLY_FRAME" val="{&quot;height&quot;:287.25,&quot;left&quot;:76.50393700787399,&quot;top&quot;:109.25,&quot;width&quot;:564.6034645669291}"/>
-</p:tagLst>
-</file>
-
-<file path=ppt/tags/tag201.xml><?xml version="1.0" encoding="utf-8"?>
-<p:tagLst xmlns:a="http://schemas.openxmlformats.org/drawingml/2006/main" xmlns:r="http://schemas.openxmlformats.org/officeDocument/2006/relationships" xmlns:p="http://schemas.openxmlformats.org/presentationml/2006/main">
-  <p:tag name="KSO_WM_UNIT_TEXT_FILL_FORE_SCHEMECOLOR_INDEX_BRIGHTNESS" val="0.35"/>
-  <p:tag name="KSO_WM_UNIT_TEXT_FILL_FORE_SCHEMECOLOR_INDEX" val="13"/>
-  <p:tag name="KSO_WM_UNIT_TEXT_FILL_TYPE" val="1"/>
-  <p:tag name="KSO_WM_DIAGRAM_VIRTUALLY_FRAME" val="{&quot;height&quot;:223.32385826771662,&quot;left&quot;:76.503937007874,&quot;top&quot;:109.27409448818898,&quot;width&quot;:564.6034645669291}"/>
-</p:tagLst>
-</file>
-
-<file path=ppt/tags/tag202.xml><?xml version="1.0" encoding="utf-8"?>
-<p:tagLst xmlns:a="http://schemas.openxmlformats.org/drawingml/2006/main" xmlns:r="http://schemas.openxmlformats.org/officeDocument/2006/relationships" xmlns:p="http://schemas.openxmlformats.org/presentationml/2006/main">
-  <p:tag name="KSO_WM_UNIT_TEXT_FILL_FORE_SCHEMECOLOR_INDEX_BRIGHTNESS" val="0.35"/>
-  <p:tag name="KSO_WM_UNIT_TEXT_FILL_FORE_SCHEMECOLOR_INDEX" val="13"/>
-  <p:tag name="KSO_WM_UNIT_TEXT_FILL_TYPE" val="1"/>
-  <p:tag name="KSO_WM_DIAGRAM_VIRTUALLY_FRAME" val="{&quot;height&quot;:287.25,&quot;left&quot;:76.50393700787399,&quot;top&quot;:109.25,&quot;width&quot;:564.6034645669291}"/>
-</p:tagLst>
-</file>
-
-<file path=ppt/tags/tag203.xml><?xml version="1.0" encoding="utf-8"?>
-<p:tagLst xmlns:a="http://schemas.openxmlformats.org/drawingml/2006/main" xmlns:r="http://schemas.openxmlformats.org/officeDocument/2006/relationships" xmlns:p="http://schemas.openxmlformats.org/presentationml/2006/main">
-  <p:tag name="KSO_WM_UNIT_TEXT_FILL_FORE_SCHEMECOLOR_INDEX_BRIGHTNESS" val="0.35"/>
-  <p:tag name="KSO_WM_UNIT_TEXT_FILL_FORE_SCHEMECOLOR_INDEX" val="13"/>
-  <p:tag name="KSO_WM_UNIT_TEXT_FILL_TYPE" val="1"/>
-  <p:tag name="KSO_WM_DIAGRAM_VIRTUALLY_FRAME" val="{&quot;height&quot;:287.25,&quot;left&quot;:76.50393700787399,&quot;top&quot;:109.25,&quot;width&quot;:564.6034645669291}"/>
-</p:tagLst>
-</file>
-
-<file path=ppt/tags/tag204.xml><?xml version="1.0" encoding="utf-8"?>
-<p:tagLst xmlns:a="http://schemas.openxmlformats.org/drawingml/2006/main" xmlns:r="http://schemas.openxmlformats.org/officeDocument/2006/relationships" xmlns:p="http://schemas.openxmlformats.org/presentationml/2006/main">
-  <p:tag name="KSO_WM_UNIT_FILL_FORE_SCHEMECOLOR_INDEX_BRIGHTNESS" val="0"/>
-  <p:tag name="KSO_WM_UNIT_FILL_FORE_SCHEMECOLOR_INDEX" val="6"/>
-  <p:tag name="KSO_WM_UNIT_FILL_TYPE" val="1"/>
-  <p:tag name="KSO_WM_UNIT_TEXT_FILL_FORE_SCHEMECOLOR_INDEX_BRIGHTNESS" val="0"/>
-  <p:tag name="KSO_WM_UNIT_TEXT_FILL_FORE_SCHEMECOLOR_INDEX" val="13"/>
-  <p:tag name="KSO_WM_UNIT_TEXT_FILL_TYPE" val="1"/>
-  <p:tag name="KSO_WM_DIAGRAM_VIRTUALLY_FRAME" val="{&quot;height&quot;:287.25,&quot;left&quot;:76.50393700787399,&quot;top&quot;:109.25,&quot;width&quot;:564.6034645669291}"/>
-</p:tagLst>
-</file>
-
-<file path=ppt/tags/tag205.xml><?xml version="1.0" encoding="utf-8"?>
-<p:tagLst xmlns:a="http://schemas.openxmlformats.org/drawingml/2006/main" xmlns:r="http://schemas.openxmlformats.org/officeDocument/2006/relationships" xmlns:p="http://schemas.openxmlformats.org/presentationml/2006/main">
-  <p:tag name="KSO_WM_UNIT_FILL_FORE_SCHEMECOLOR_INDEX_BRIGHTNESS" val="0"/>
-  <p:tag name="KSO_WM_UNIT_FILL_FORE_SCHEMECOLOR_INDEX" val="6"/>
-  <p:tag name="KSO_WM_UNIT_FILL_TYPE" val="1"/>
-  <p:tag name="KSO_WM_UNIT_TEXT_FILL_FORE_SCHEMECOLOR_INDEX_BRIGHTNESS" val="0"/>
-  <p:tag name="KSO_WM_UNIT_TEXT_FILL_FORE_SCHEMECOLOR_INDEX" val="13"/>
-  <p:tag name="KSO_WM_UNIT_TEXT_FILL_TYPE" val="1"/>
-  <p:tag name="KSO_WM_DIAGRAM_VIRTUALLY_FRAME" val="{&quot;height&quot;:287.25,&quot;left&quot;:76.50393700787399,&quot;top&quot;:109.25,&quot;width&quot;:564.6034645669291}"/>
-</p:tagLst>
-</file>
-
-<file path=ppt/tags/tag206.xml><?xml version="1.0" encoding="utf-8"?>
-<p:tagLst xmlns:a="http://schemas.openxmlformats.org/drawingml/2006/main" xmlns:r="http://schemas.openxmlformats.org/officeDocument/2006/relationships" xmlns:p="http://schemas.openxmlformats.org/presentationml/2006/main">
-  <p:tag name="KSO_WM_UNIT_FILL_FORE_SCHEMECOLOR_INDEX_BRIGHTNESS" val="0"/>
-  <p:tag name="KSO_WM_UNIT_FILL_FORE_SCHEMECOLOR_INDEX" val="5"/>
-  <p:tag name="KSO_WM_UNIT_FILL_TYPE" val="1"/>
-  <p:tag name="KSO_WM_UNIT_TEXT_FILL_FORE_SCHEMECOLOR_INDEX_BRIGHTNESS" val="0"/>
-  <p:tag name="KSO_WM_UNIT_TEXT_FILL_FORE_SCHEMECOLOR_INDEX" val="13"/>
-  <p:tag name="KSO_WM_UNIT_TEXT_FILL_TYPE" val="1"/>
-  <p:tag name="KSO_WM_DIAGRAM_VIRTUALLY_FRAME" val="{&quot;height&quot;:287.25,&quot;left&quot;:76.50393700787399,&quot;top&quot;:109.25,&quot;width&quot;:564.6034645669291}"/>
-</p:tagLst>
-</file>
-
-<file path=ppt/tags/tag207.xml><?xml version="1.0" encoding="utf-8"?>
-<p:tagLst xmlns:a="http://schemas.openxmlformats.org/drawingml/2006/main" xmlns:r="http://schemas.openxmlformats.org/officeDocument/2006/relationships" xmlns:p="http://schemas.openxmlformats.org/presentationml/2006/main">
-  <p:tag name="KSO_WM_UNIT_TEXT_FILL_FORE_SCHEMECOLOR_INDEX_BRIGHTNESS" val="0"/>
-  <p:tag name="KSO_WM_UNIT_TEXT_FILL_FORE_SCHEMECOLOR_INDEX" val="14"/>
-  <p:tag name="KSO_WM_UNIT_TEXT_FILL_TYPE" val="1"/>
-  <p:tag name="KSO_WM_DIAGRAM_VIRTUALLY_FRAME" val="{&quot;height&quot;:287.25,&quot;left&quot;:76.50393700787399,&quot;top&quot;:109.25,&quot;width&quot;:564.6034645669291}"/>
-</p:tagLst>
-</file>
-
-<file path=ppt/tags/tag208.xml><?xml version="1.0" encoding="utf-8"?>
-<p:tagLst xmlns:a="http://schemas.openxmlformats.org/drawingml/2006/main" xmlns:r="http://schemas.openxmlformats.org/officeDocument/2006/relationships" xmlns:p="http://schemas.openxmlformats.org/presentationml/2006/main">
-  <p:tag name="KSO_WM_UNIT_TEXT_FILL_FORE_SCHEMECOLOR_INDEX_BRIGHTNESS" val="0"/>
-  <p:tag name="KSO_WM_UNIT_TEXT_FILL_FORE_SCHEMECOLOR_INDEX" val="14"/>
-  <p:tag name="KSO_WM_UNIT_TEXT_FILL_TYPE" val="1"/>
-  <p:tag name="KSO_WM_DIAGRAM_VIRTUALLY_FRAME" val="{&quot;height&quot;:287.25,&quot;left&quot;:76.50393700787399,&quot;top&quot;:109.25,&quot;width&quot;:564.6034645669291}"/>
-</p:tagLst>
-</file>
-
-<file path=ppt/tags/tag209.xml><?xml version="1.0" encoding="utf-8"?>
-<p:tagLst xmlns:a="http://schemas.openxmlformats.org/drawingml/2006/main" xmlns:r="http://schemas.openxmlformats.org/officeDocument/2006/relationships" xmlns:p="http://schemas.openxmlformats.org/presentationml/2006/main">
-  <p:tag name="KSO_WM_UNIT_TEXT_FILL_FORE_SCHEMECOLOR_INDEX_BRIGHTNESS" val="0"/>
-  <p:tag name="KSO_WM_UNIT_TEXT_FILL_FORE_SCHEMECOLOR_INDEX" val="14"/>
-  <p:tag name="KSO_WM_UNIT_TEXT_FILL_TYPE" val="1"/>
-  <p:tag name="KSO_WM_DIAGRAM_VIRTUALLY_FRAME" val="{&quot;height&quot;:287.25,&quot;left&quot;:76.50393700787399,&quot;top&quot;:109.25,&quot;width&quot;:564.6034645669291}"/>
-</p:tagLst>
-</file>
-
-<file path=ppt/tags/tag21.xml><?xml version="1.0" encoding="utf-8"?>
-<p:tagLst xmlns:a="http://schemas.openxmlformats.org/drawingml/2006/main" xmlns:r="http://schemas.openxmlformats.org/officeDocument/2006/relationships" xmlns:p="http://schemas.openxmlformats.org/presentationml/2006/main">
-  <p:tag name="KSO_WM_UNIT_TEXT_FILL_FORE_SCHEMECOLOR_INDEX_BRIGHTNESS" val="0.15"/>
-  <p:tag name="KSO_WM_UNIT_TEXT_FILL_FORE_SCHEMECOLOR_INDEX" val="13"/>
-  <p:tag name="KSO_WM_UNIT_TEXT_FILL_TYPE" val="1"/>
-</p:tagLst>
-</file>
-
-<file path=ppt/tags/tag210.xml><?xml version="1.0" encoding="utf-8"?>
-<p:tagLst xmlns:a="http://schemas.openxmlformats.org/drawingml/2006/main" xmlns:r="http://schemas.openxmlformats.org/officeDocument/2006/relationships" xmlns:p="http://schemas.openxmlformats.org/presentationml/2006/main">
-  <p:tag name="KSO_WM_UNIT_FILL_FORE_SCHEMECOLOR_INDEX_BRIGHTNESS" val="0"/>
-  <p:tag name="KSO_WM_UNIT_FILL_FORE_SCHEMECOLOR_INDEX" val="5"/>
-  <p:tag name="KSO_WM_UNIT_FILL_TYPE" val="1"/>
-</p:tagLst>
-</file>
-
-<file path=ppt/tags/tag211.xml><?xml version="1.0" encoding="utf-8"?>
-<p:tagLst xmlns:a="http://schemas.openxmlformats.org/drawingml/2006/main" xmlns:r="http://schemas.openxmlformats.org/officeDocument/2006/relationships" xmlns:p="http://schemas.openxmlformats.org/presentationml/2006/main">
   <p:tag name="KSO_WM_UNIT_SUBTYPE" val="a"/>
   <p:tag name="KSO_WM_UNIT_NOCLEAR" val="0"/>
   <p:tag name="KSO_WM_UNIT_VALUE" val="60"/>
@@ -29842,7 +29053,7 @@
 </p:tagLst>
 </file>
 
-<file path=ppt/tags/tag212.xml><?xml version="1.0" encoding="utf-8"?>
+<file path=ppt/tags/tag197.xml><?xml version="1.0" encoding="utf-8"?>
 <p:tagLst xmlns:a="http://schemas.openxmlformats.org/drawingml/2006/main" xmlns:r="http://schemas.openxmlformats.org/officeDocument/2006/relationships" xmlns:p="http://schemas.openxmlformats.org/presentationml/2006/main">
   <p:tag name="KSO_WM_UNIT_ISCONTENTSTITLE" val="0"/>
   <p:tag name="KSO_WM_UNIT_ISNUMDGMTITLE" val="0"/>
@@ -29876,7 +29087,7 @@
 </p:tagLst>
 </file>
 
-<file path=ppt/tags/tag213.xml><?xml version="1.0" encoding="utf-8"?>
+<file path=ppt/tags/tag198.xml><?xml version="1.0" encoding="utf-8"?>
 <p:tagLst xmlns:a="http://schemas.openxmlformats.org/drawingml/2006/main" xmlns:r="http://schemas.openxmlformats.org/officeDocument/2006/relationships" xmlns:p="http://schemas.openxmlformats.org/presentationml/2006/main">
   <p:tag name="KSO_WM_UNIT_SHADOW_SCHEMECOLOR_INDEX_BRIGHTNESS" val="-0.25"/>
   <p:tag name="KSO_WM_UNIT_SHADOW_SCHEMECOLOR_INDEX" val="5"/>
@@ -29908,7 +29119,7 @@
 </p:tagLst>
 </file>
 
-<file path=ppt/tags/tag214.xml><?xml version="1.0" encoding="utf-8"?>
+<file path=ppt/tags/tag199.xml><?xml version="1.0" encoding="utf-8"?>
 <p:tagLst xmlns:a="http://schemas.openxmlformats.org/drawingml/2006/main" xmlns:r="http://schemas.openxmlformats.org/officeDocument/2006/relationships" xmlns:p="http://schemas.openxmlformats.org/presentationml/2006/main">
   <p:tag name="KSO_WM_UNIT_FILL_FORE_SCHEMECOLOR_INDEX_1_BRIGHTNESS" val="0.4"/>
   <p:tag name="KSO_WM_UNIT_FILL_FORE_SCHEMECOLOR_INDEX_1" val="5"/>
@@ -29950,7 +29161,35 @@
 </p:tagLst>
 </file>
 
-<file path=ppt/tags/tag215.xml><?xml version="1.0" encoding="utf-8"?>
+<file path=ppt/tags/tag2.xml><?xml version="1.0" encoding="utf-8"?>
+<p:tagLst xmlns:a="http://schemas.openxmlformats.org/drawingml/2006/main" xmlns:r="http://schemas.openxmlformats.org/officeDocument/2006/relationships" xmlns:p="http://schemas.openxmlformats.org/presentationml/2006/main">
+  <p:tag name="KSO_WM_UNIT_HIGHLIGHT" val="0"/>
+  <p:tag name="KSO_WM_UNIT_COMPATIBLE" val="0"/>
+  <p:tag name="KSO_WM_UNIT_DIAGRAM_ISNUMVISUAL" val="0"/>
+  <p:tag name="KSO_WM_UNIT_DIAGRAM_ISREFERUNIT" val="0"/>
+  <p:tag name="KSO_WM_UNIT_ID" val="_1*a*1"/>
+  <p:tag name="KSO_WM_UNIT_LAYERLEVEL" val="1"/>
+  <p:tag name="KSO_WM_TAG_VERSION" val="3.0"/>
+  <p:tag name="KSO_WM_BEAUTIFY_FLAG" val="#wm#"/>
+  <p:tag name="KSO_WM_UNIT_ISCONTENTSTITLE" val="0"/>
+  <p:tag name="KSO_WM_UNIT_ISNUMDGMTITLE" val="0"/>
+  <p:tag name="KSO_WM_UNIT_PRESET_TEXT" val="单击此处编辑母版标题样式"/>
+  <p:tag name="KSO_WM_UNIT_NOCLEAR" val="0"/>
+  <p:tag name="KSO_WM_UNIT_VALUE" val="20"/>
+  <p:tag name="KSO_WM_UNIT_TYPE" val="a"/>
+  <p:tag name="KSO_WM_UNIT_INDEX" val="1"/>
+</p:tagLst>
+</file>
+
+<file path=ppt/tags/tag20.xml><?xml version="1.0" encoding="utf-8"?>
+<p:tagLst xmlns:a="http://schemas.openxmlformats.org/drawingml/2006/main" xmlns:r="http://schemas.openxmlformats.org/officeDocument/2006/relationships" xmlns:p="http://schemas.openxmlformats.org/presentationml/2006/main">
+  <p:tag name="KSO_WM_UNIT_TEXT_FILL_FORE_SCHEMECOLOR_INDEX_BRIGHTNESS" val="0.15"/>
+  <p:tag name="KSO_WM_UNIT_TEXT_FILL_FORE_SCHEMECOLOR_INDEX" val="13"/>
+  <p:tag name="KSO_WM_UNIT_TEXT_FILL_TYPE" val="1"/>
+</p:tagLst>
+</file>
+
+<file path=ppt/tags/tag200.xml><?xml version="1.0" encoding="utf-8"?>
 <p:tagLst xmlns:a="http://schemas.openxmlformats.org/drawingml/2006/main" xmlns:r="http://schemas.openxmlformats.org/officeDocument/2006/relationships" xmlns:p="http://schemas.openxmlformats.org/presentationml/2006/main">
   <p:tag name="KSO_WM_UNIT_SUBTYPE" val="a"/>
   <p:tag name="KSO_WM_UNIT_NOCLEAR" val="0"/>
@@ -29984,7 +29223,7 @@
 </p:tagLst>
 </file>
 
-<file path=ppt/tags/tag216.xml><?xml version="1.0" encoding="utf-8"?>
+<file path=ppt/tags/tag201.xml><?xml version="1.0" encoding="utf-8"?>
 <p:tagLst xmlns:a="http://schemas.openxmlformats.org/drawingml/2006/main" xmlns:r="http://schemas.openxmlformats.org/officeDocument/2006/relationships" xmlns:p="http://schemas.openxmlformats.org/presentationml/2006/main">
   <p:tag name="KSO_WM_UNIT_SHADOW_SCHEMECOLOR_INDEX_BRIGHTNESS" val="-0.25"/>
   <p:tag name="KSO_WM_UNIT_SHADOW_SCHEMECOLOR_INDEX" val="6"/>
@@ -30016,7 +29255,7 @@
 </p:tagLst>
 </file>
 
-<file path=ppt/tags/tag217.xml><?xml version="1.0" encoding="utf-8"?>
+<file path=ppt/tags/tag202.xml><?xml version="1.0" encoding="utf-8"?>
 <p:tagLst xmlns:a="http://schemas.openxmlformats.org/drawingml/2006/main" xmlns:r="http://schemas.openxmlformats.org/officeDocument/2006/relationships" xmlns:p="http://schemas.openxmlformats.org/presentationml/2006/main">
   <p:tag name="KSO_WM_UNIT_FILL_FORE_SCHEMECOLOR_INDEX_1_BRIGHTNESS" val="0.4"/>
   <p:tag name="KSO_WM_UNIT_FILL_FORE_SCHEMECOLOR_INDEX_1" val="6"/>
@@ -30058,7 +29297,7 @@
 </p:tagLst>
 </file>
 
-<file path=ppt/tags/tag218.xml><?xml version="1.0" encoding="utf-8"?>
+<file path=ppt/tags/tag203.xml><?xml version="1.0" encoding="utf-8"?>
 <p:tagLst xmlns:a="http://schemas.openxmlformats.org/drawingml/2006/main" xmlns:r="http://schemas.openxmlformats.org/officeDocument/2006/relationships" xmlns:p="http://schemas.openxmlformats.org/presentationml/2006/main">
   <p:tag name="KSO_WM_UNIT_ISCONTENTSTITLE" val="0"/>
   <p:tag name="KSO_WM_UNIT_ISNUMDGMTITLE" val="0"/>
@@ -30092,37 +29331,158 @@
 </p:tagLst>
 </file>
 
+<file path=ppt/tags/tag204.xml><?xml version="1.0" encoding="utf-8"?>
+<p:tagLst xmlns:a="http://schemas.openxmlformats.org/drawingml/2006/main" xmlns:r="http://schemas.openxmlformats.org/officeDocument/2006/relationships" xmlns:p="http://schemas.openxmlformats.org/presentationml/2006/main">
+  <p:tag name="KSO_WM_UNIT_FILL_FORE_SCHEMECOLOR_INDEX_BRIGHTNESS" val="0"/>
+  <p:tag name="KSO_WM_UNIT_FILL_FORE_SCHEMECOLOR_INDEX" val="5"/>
+  <p:tag name="KSO_WM_UNIT_FILL_TYPE" val="1"/>
+</p:tagLst>
+</file>
+
+<file path=ppt/tags/tag205.xml><?xml version="1.0" encoding="utf-8"?>
+<p:tagLst xmlns:a="http://schemas.openxmlformats.org/drawingml/2006/main" xmlns:r="http://schemas.openxmlformats.org/officeDocument/2006/relationships" xmlns:p="http://schemas.openxmlformats.org/presentationml/2006/main">
+  <p:tag name="KSO_WM_UNIT_TEXT_FILL_FORE_SCHEMECOLOR_INDEX_BRIGHTNESS" val="0.35"/>
+  <p:tag name="KSO_WM_UNIT_TEXT_FILL_FORE_SCHEMECOLOR_INDEX" val="13"/>
+  <p:tag name="KSO_WM_UNIT_TEXT_FILL_TYPE" val="1"/>
+</p:tagLst>
+</file>
+
+<file path=ppt/tags/tag206.xml><?xml version="1.0" encoding="utf-8"?>
+<p:tagLst xmlns:a="http://schemas.openxmlformats.org/drawingml/2006/main" xmlns:r="http://schemas.openxmlformats.org/officeDocument/2006/relationships" xmlns:p="http://schemas.openxmlformats.org/presentationml/2006/main">
+  <p:tag name="KSO_WM_UNIT_TEXT_FILL_FORE_SCHEMECOLOR_INDEX_BRIGHTNESS" val="0.35"/>
+  <p:tag name="KSO_WM_UNIT_TEXT_FILL_FORE_SCHEMECOLOR_INDEX" val="13"/>
+  <p:tag name="KSO_WM_UNIT_TEXT_FILL_TYPE" val="1"/>
+  <p:tag name="KSO_WM_DIAGRAM_VIRTUALLY_FRAME" val="{&quot;height&quot;:287.25,&quot;left&quot;:76.50393700787399,&quot;top&quot;:109.25,&quot;width&quot;:564.6034645669291}"/>
+</p:tagLst>
+</file>
+
+<file path=ppt/tags/tag207.xml><?xml version="1.0" encoding="utf-8"?>
+<p:tagLst xmlns:a="http://schemas.openxmlformats.org/drawingml/2006/main" xmlns:r="http://schemas.openxmlformats.org/officeDocument/2006/relationships" xmlns:p="http://schemas.openxmlformats.org/presentationml/2006/main">
+  <p:tag name="KSO_WM_UNIT_TEXT_FILL_FORE_SCHEMECOLOR_INDEX_BRIGHTNESS" val="0.35"/>
+  <p:tag name="KSO_WM_UNIT_TEXT_FILL_FORE_SCHEMECOLOR_INDEX" val="13"/>
+  <p:tag name="KSO_WM_UNIT_TEXT_FILL_TYPE" val="1"/>
+  <p:tag name="KSO_WM_DIAGRAM_VIRTUALLY_FRAME" val="{&quot;height&quot;:287.25,&quot;left&quot;:76.50393700787399,&quot;top&quot;:109.25,&quot;width&quot;:564.6034645669291}"/>
+</p:tagLst>
+</file>
+
+<file path=ppt/tags/tag208.xml><?xml version="1.0" encoding="utf-8"?>
+<p:tagLst xmlns:a="http://schemas.openxmlformats.org/drawingml/2006/main" xmlns:r="http://schemas.openxmlformats.org/officeDocument/2006/relationships" xmlns:p="http://schemas.openxmlformats.org/presentationml/2006/main">
+  <p:tag name="KSO_WM_UNIT_TEXT_FILL_FORE_SCHEMECOLOR_INDEX_BRIGHTNESS" val="0.35"/>
+  <p:tag name="KSO_WM_UNIT_TEXT_FILL_FORE_SCHEMECOLOR_INDEX" val="13"/>
+  <p:tag name="KSO_WM_UNIT_TEXT_FILL_TYPE" val="1"/>
+  <p:tag name="KSO_WM_DIAGRAM_VIRTUALLY_FRAME" val="{&quot;height&quot;:287.25,&quot;left&quot;:76.50393700787399,&quot;top&quot;:109.25,&quot;width&quot;:564.6034645669291}"/>
+</p:tagLst>
+</file>
+
+<file path=ppt/tags/tag209.xml><?xml version="1.0" encoding="utf-8"?>
+<p:tagLst xmlns:a="http://schemas.openxmlformats.org/drawingml/2006/main" xmlns:r="http://schemas.openxmlformats.org/officeDocument/2006/relationships" xmlns:p="http://schemas.openxmlformats.org/presentationml/2006/main">
+  <p:tag name="KSO_WM_DIAGRAM_VIRTUALLY_FRAME" val="{&quot;height&quot;:287.25,&quot;left&quot;:76.50393700787399,&quot;top&quot;:109.25,&quot;width&quot;:564.6034645669291}"/>
+</p:tagLst>
+</file>
+
+<file path=ppt/tags/tag21.xml><?xml version="1.0" encoding="utf-8"?>
+<p:tagLst xmlns:a="http://schemas.openxmlformats.org/drawingml/2006/main" xmlns:r="http://schemas.openxmlformats.org/officeDocument/2006/relationships" xmlns:p="http://schemas.openxmlformats.org/presentationml/2006/main">
+  <p:tag name="KSO_WM_UNIT_TEXT_FILL_FORE_SCHEMECOLOR_INDEX_BRIGHTNESS" val="0.15"/>
+  <p:tag name="KSO_WM_UNIT_TEXT_FILL_FORE_SCHEMECOLOR_INDEX" val="13"/>
+  <p:tag name="KSO_WM_UNIT_TEXT_FILL_TYPE" val="1"/>
+</p:tagLst>
+</file>
+
+<file path=ppt/tags/tag210.xml><?xml version="1.0" encoding="utf-8"?>
+<p:tagLst xmlns:a="http://schemas.openxmlformats.org/drawingml/2006/main" xmlns:r="http://schemas.openxmlformats.org/officeDocument/2006/relationships" xmlns:p="http://schemas.openxmlformats.org/presentationml/2006/main">
+  <p:tag name="KSO_WM_UNIT_TEXT_FILL_FORE_SCHEMECOLOR_INDEX_BRIGHTNESS" val="0.35"/>
+  <p:tag name="KSO_WM_UNIT_TEXT_FILL_FORE_SCHEMECOLOR_INDEX" val="13"/>
+  <p:tag name="KSO_WM_UNIT_TEXT_FILL_TYPE" val="1"/>
+  <p:tag name="KSO_WM_DIAGRAM_VIRTUALLY_FRAME" val="{&quot;height&quot;:223.32385826771662,&quot;left&quot;:76.503937007874,&quot;top&quot;:109.27409448818898,&quot;width&quot;:564.6034645669291}"/>
+</p:tagLst>
+</file>
+
+<file path=ppt/tags/tag211.xml><?xml version="1.0" encoding="utf-8"?>
+<p:tagLst xmlns:a="http://schemas.openxmlformats.org/drawingml/2006/main" xmlns:r="http://schemas.openxmlformats.org/officeDocument/2006/relationships" xmlns:p="http://schemas.openxmlformats.org/presentationml/2006/main">
+  <p:tag name="KSO_WM_UNIT_TEXT_FILL_FORE_SCHEMECOLOR_INDEX_BRIGHTNESS" val="0.35"/>
+  <p:tag name="KSO_WM_UNIT_TEXT_FILL_FORE_SCHEMECOLOR_INDEX" val="13"/>
+  <p:tag name="KSO_WM_UNIT_TEXT_FILL_TYPE" val="1"/>
+  <p:tag name="KSO_WM_DIAGRAM_VIRTUALLY_FRAME" val="{&quot;height&quot;:287.25,&quot;left&quot;:76.50393700787399,&quot;top&quot;:109.25,&quot;width&quot;:564.6034645669291}"/>
+</p:tagLst>
+</file>
+
+<file path=ppt/tags/tag212.xml><?xml version="1.0" encoding="utf-8"?>
+<p:tagLst xmlns:a="http://schemas.openxmlformats.org/drawingml/2006/main" xmlns:r="http://schemas.openxmlformats.org/officeDocument/2006/relationships" xmlns:p="http://schemas.openxmlformats.org/presentationml/2006/main">
+  <p:tag name="KSO_WM_UNIT_TEXT_FILL_FORE_SCHEMECOLOR_INDEX_BRIGHTNESS" val="0.35"/>
+  <p:tag name="KSO_WM_UNIT_TEXT_FILL_FORE_SCHEMECOLOR_INDEX" val="13"/>
+  <p:tag name="KSO_WM_UNIT_TEXT_FILL_TYPE" val="1"/>
+  <p:tag name="KSO_WM_DIAGRAM_VIRTUALLY_FRAME" val="{&quot;height&quot;:287.25,&quot;left&quot;:76.50393700787399,&quot;top&quot;:109.25,&quot;width&quot;:564.6034645669291}"/>
+</p:tagLst>
+</file>
+
+<file path=ppt/tags/tag213.xml><?xml version="1.0" encoding="utf-8"?>
+<p:tagLst xmlns:a="http://schemas.openxmlformats.org/drawingml/2006/main" xmlns:r="http://schemas.openxmlformats.org/officeDocument/2006/relationships" xmlns:p="http://schemas.openxmlformats.org/presentationml/2006/main">
+  <p:tag name="KSO_WM_UNIT_FILL_FORE_SCHEMECOLOR_INDEX_BRIGHTNESS" val="0"/>
+  <p:tag name="KSO_WM_UNIT_FILL_FORE_SCHEMECOLOR_INDEX" val="6"/>
+  <p:tag name="KSO_WM_UNIT_FILL_TYPE" val="1"/>
+  <p:tag name="KSO_WM_UNIT_TEXT_FILL_FORE_SCHEMECOLOR_INDEX_BRIGHTNESS" val="0"/>
+  <p:tag name="KSO_WM_UNIT_TEXT_FILL_FORE_SCHEMECOLOR_INDEX" val="13"/>
+  <p:tag name="KSO_WM_UNIT_TEXT_FILL_TYPE" val="1"/>
+  <p:tag name="KSO_WM_DIAGRAM_VIRTUALLY_FRAME" val="{&quot;height&quot;:287.25,&quot;left&quot;:76.50393700787399,&quot;top&quot;:109.25,&quot;width&quot;:564.6034645669291}"/>
+</p:tagLst>
+</file>
+
+<file path=ppt/tags/tag214.xml><?xml version="1.0" encoding="utf-8"?>
+<p:tagLst xmlns:a="http://schemas.openxmlformats.org/drawingml/2006/main" xmlns:r="http://schemas.openxmlformats.org/officeDocument/2006/relationships" xmlns:p="http://schemas.openxmlformats.org/presentationml/2006/main">
+  <p:tag name="KSO_WM_UNIT_FILL_FORE_SCHEMECOLOR_INDEX_BRIGHTNESS" val="0"/>
+  <p:tag name="KSO_WM_UNIT_FILL_FORE_SCHEMECOLOR_INDEX" val="6"/>
+  <p:tag name="KSO_WM_UNIT_FILL_TYPE" val="1"/>
+  <p:tag name="KSO_WM_UNIT_TEXT_FILL_FORE_SCHEMECOLOR_INDEX_BRIGHTNESS" val="0"/>
+  <p:tag name="KSO_WM_UNIT_TEXT_FILL_FORE_SCHEMECOLOR_INDEX" val="13"/>
+  <p:tag name="KSO_WM_UNIT_TEXT_FILL_TYPE" val="1"/>
+  <p:tag name="KSO_WM_DIAGRAM_VIRTUALLY_FRAME" val="{&quot;height&quot;:287.25,&quot;left&quot;:76.50393700787399,&quot;top&quot;:109.25,&quot;width&quot;:564.6034645669291}"/>
+</p:tagLst>
+</file>
+
+<file path=ppt/tags/tag215.xml><?xml version="1.0" encoding="utf-8"?>
+<p:tagLst xmlns:a="http://schemas.openxmlformats.org/drawingml/2006/main" xmlns:r="http://schemas.openxmlformats.org/officeDocument/2006/relationships" xmlns:p="http://schemas.openxmlformats.org/presentationml/2006/main">
+  <p:tag name="KSO_WM_UNIT_FILL_FORE_SCHEMECOLOR_INDEX_BRIGHTNESS" val="0"/>
+  <p:tag name="KSO_WM_UNIT_FILL_FORE_SCHEMECOLOR_INDEX" val="5"/>
+  <p:tag name="KSO_WM_UNIT_FILL_TYPE" val="1"/>
+  <p:tag name="KSO_WM_UNIT_TEXT_FILL_FORE_SCHEMECOLOR_INDEX_BRIGHTNESS" val="0"/>
+  <p:tag name="KSO_WM_UNIT_TEXT_FILL_FORE_SCHEMECOLOR_INDEX" val="13"/>
+  <p:tag name="KSO_WM_UNIT_TEXT_FILL_TYPE" val="1"/>
+  <p:tag name="KSO_WM_DIAGRAM_VIRTUALLY_FRAME" val="{&quot;height&quot;:287.25,&quot;left&quot;:76.50393700787399,&quot;top&quot;:109.25,&quot;width&quot;:564.6034645669291}"/>
+</p:tagLst>
+</file>
+
+<file path=ppt/tags/tag216.xml><?xml version="1.0" encoding="utf-8"?>
+<p:tagLst xmlns:a="http://schemas.openxmlformats.org/drawingml/2006/main" xmlns:r="http://schemas.openxmlformats.org/officeDocument/2006/relationships" xmlns:p="http://schemas.openxmlformats.org/presentationml/2006/main">
+  <p:tag name="KSO_WM_UNIT_TEXT_FILL_FORE_SCHEMECOLOR_INDEX_BRIGHTNESS" val="0"/>
+  <p:tag name="KSO_WM_UNIT_TEXT_FILL_FORE_SCHEMECOLOR_INDEX" val="14"/>
+  <p:tag name="KSO_WM_UNIT_TEXT_FILL_TYPE" val="1"/>
+  <p:tag name="KSO_WM_DIAGRAM_VIRTUALLY_FRAME" val="{&quot;height&quot;:287.25,&quot;left&quot;:76.50393700787399,&quot;top&quot;:109.25,&quot;width&quot;:564.6034645669291}"/>
+</p:tagLst>
+</file>
+
+<file path=ppt/tags/tag217.xml><?xml version="1.0" encoding="utf-8"?>
+<p:tagLst xmlns:a="http://schemas.openxmlformats.org/drawingml/2006/main" xmlns:r="http://schemas.openxmlformats.org/officeDocument/2006/relationships" xmlns:p="http://schemas.openxmlformats.org/presentationml/2006/main">
+  <p:tag name="KSO_WM_UNIT_TEXT_FILL_FORE_SCHEMECOLOR_INDEX_BRIGHTNESS" val="0"/>
+  <p:tag name="KSO_WM_UNIT_TEXT_FILL_FORE_SCHEMECOLOR_INDEX" val="14"/>
+  <p:tag name="KSO_WM_UNIT_TEXT_FILL_TYPE" val="1"/>
+  <p:tag name="KSO_WM_DIAGRAM_VIRTUALLY_FRAME" val="{&quot;height&quot;:287.25,&quot;left&quot;:76.50393700787399,&quot;top&quot;:109.25,&quot;width&quot;:564.6034645669291}"/>
+</p:tagLst>
+</file>
+
+<file path=ppt/tags/tag218.xml><?xml version="1.0" encoding="utf-8"?>
+<p:tagLst xmlns:a="http://schemas.openxmlformats.org/drawingml/2006/main" xmlns:r="http://schemas.openxmlformats.org/officeDocument/2006/relationships" xmlns:p="http://schemas.openxmlformats.org/presentationml/2006/main">
+  <p:tag name="KSO_WM_UNIT_TEXT_FILL_FORE_SCHEMECOLOR_INDEX_BRIGHTNESS" val="0"/>
+  <p:tag name="KSO_WM_UNIT_TEXT_FILL_FORE_SCHEMECOLOR_INDEX" val="14"/>
+  <p:tag name="KSO_WM_UNIT_TEXT_FILL_TYPE" val="1"/>
+  <p:tag name="KSO_WM_DIAGRAM_VIRTUALLY_FRAME" val="{&quot;height&quot;:287.25,&quot;left&quot;:76.50393700787399,&quot;top&quot;:109.25,&quot;width&quot;:564.6034645669291}"/>
+</p:tagLst>
+</file>
+
 <file path=ppt/tags/tag219.xml><?xml version="1.0" encoding="utf-8"?>
 <p:tagLst xmlns:a="http://schemas.openxmlformats.org/drawingml/2006/main" xmlns:r="http://schemas.openxmlformats.org/officeDocument/2006/relationships" xmlns:p="http://schemas.openxmlformats.org/presentationml/2006/main">
-  <p:tag name="KSO_WM_UNIT_SUBTYPE" val="a"/>
-  <p:tag name="KSO_WM_UNIT_NOCLEAR" val="0"/>
-  <p:tag name="KSO_WM_UNIT_VALUE" val="60"/>
-  <p:tag name="KSO_WM_UNIT_HIGHLIGHT" val="0"/>
-  <p:tag name="KSO_WM_UNIT_COMPATIBLE" val="0"/>
-  <p:tag name="KSO_WM_UNIT_DIAGRAM_ISNUMVISUAL" val="0"/>
-  <p:tag name="KSO_WM_UNIT_DIAGRAM_ISREFERUNIT" val="0"/>
-  <p:tag name="KSO_WM_UNIT_TYPE" val="l_h_f"/>
-  <p:tag name="KSO_WM_UNIT_INDEX" val="1_3_1"/>
-  <p:tag name="KSO_WM_UNIT_ID" val="diagram20231058_5*l_h_f*1_3_1"/>
-  <p:tag name="KSO_WM_TEMPLATE_CATEGORY" val="diagram"/>
-  <p:tag name="KSO_WM_TEMPLATE_INDEX" val="20231058"/>
-  <p:tag name="KSO_WM_UNIT_LAYERLEVEL" val="1_1_1"/>
-  <p:tag name="KSO_WM_TAG_VERSION" val="3.0"/>
-  <p:tag name="KSO_WM_DIAGRAM_VERSION" val="3"/>
-  <p:tag name="KSO_WM_DIAGRAM_COLOR_TRICK" val="4"/>
-  <p:tag name="KSO_WM_DIAGRAM_COLOR_TEXT_CAN_REMOVE" val="n"/>
-  <p:tag name="KSO_WM_UNIT_TEXT_FILL_FORE_SCHEMECOLOR_INDEX_BRIGHTNESS" val="0.35"/>
-  <p:tag name="KSO_WM_DIAGRAM_GROUP_CODE" val="l1-1"/>
-  <p:tag name="KSO_WM_DIAGRAM_MAX_ITEMCNT" val="6"/>
-  <p:tag name="KSO_WM_DIAGRAM_MIN_ITEMCNT" val="2"/>
-  <p:tag name="KSO_WM_DIAGRAM_VIRTUALLY_FRAME" val="{&quot;height&quot;:402.6499938964844,&quot;left&quot;:-75.48127204955094,&quot;top&quot;:-11.862513581523762,&quot;width&quot;:849.9000244140625}"/>
-  <p:tag name="KSO_WM_DIAGRAM_COLOR_MATCH_VALUE" val="{&quot;shape&quot;:{&quot;fill&quot;:{&quot;type&quot;:0},&quot;glow&quot;:{&quot;colorType&quot;:0},&quot;line&quot;:{&quot;type&quot;:0},&quot;shadow&quot;:{&quot;colorType&quot;:0},&quot;threeD&quot;:{&quot;curvedSurface&quot;:{&quot;brightness&quot;:0,&quot;colorType&quot;:2,&quot;rgb&quot;:&quot;#000000&quot;},&quot;depth&quot;:{&quot;colorType&quot;:0}}},&quot;text&quot;:{&quot;fill&quot;:{&quot;solid&quot;:{&quot;brightness&quot;:0.15000000596046448,&quot;colorType&quot;:1,&quot;foreColorIndex&quot;:13,&quot;transparency&quot;:0},&quot;type&quot;:1},&quot;glow&quot;:{&quot;colorType&quot;:0},&quot;line&quot;:{&quot;type&quot;:0},&quot;shadow&quot;:{&quot;colorType&quot;:0},&quot;threeD&quot;:{&quot;curvedSurface&quot;:{&quot;brightness&quot;:0,&quot;colorType&quot;:2,&quot;rgb&quot;:&quot;#000000&quot;},&quot;depth&quot;:{&quot;colorType&quot;:0}}}}"/>
-  <p:tag name="KSO_WM_UNIT_TEXT_TYPE" val="1"/>
-  <p:tag name="KSO_WM_UNIT_TEXT_LAYER_COUNT" val="1"/>
-  <p:tag name="KSO_WM_UNIT_PRESET_TEXT" val="单击此处添加文本内容，简明扼要地阐述您的观点"/>
-  <p:tag name="KSO_WM_UNIT_TEXT_FILL_FORE_SCHEMECOLOR_INDEX" val="1"/>
-  <p:tag name="KSO_WM_UNIT_TEXT_FILL_TYPE" val="1"/>
-  <p:tag name="KSO_WM_UNIT_USESOURCEFORMAT_APPLY" val="1"/>
+  <p:tag name="KSO_WM_UNIT_LINE_FORE_SCHEMECOLOR_INDEX_BRIGHTNESS" val="0"/>
+  <p:tag name="KSO_WM_UNIT_LINE_FORE_SCHEMECOLOR_INDEX" val="13"/>
+  <p:tag name="KSO_WM_UNIT_LINE_FILL_TYPE" val="2"/>
 </p:tagLst>
 </file>
 
@@ -30136,122 +29496,6 @@
 
 <file path=ppt/tags/tag220.xml><?xml version="1.0" encoding="utf-8"?>
 <p:tagLst xmlns:a="http://schemas.openxmlformats.org/drawingml/2006/main" xmlns:r="http://schemas.openxmlformats.org/officeDocument/2006/relationships" xmlns:p="http://schemas.openxmlformats.org/presentationml/2006/main">
-  <p:tag name="KSO_WM_UNIT_SHADOW_SCHEMECOLOR_INDEX_BRIGHTNESS" val="-0.5"/>
-  <p:tag name="KSO_WM_UNIT_SHADOW_SCHEMECOLOR_INDEX" val="7"/>
-  <p:tag name="KSO_WM_UNIT_TEXT_FILL_FORE_SCHEMECOLOR_INDEX_BRIGHTNESS" val="0"/>
-  <p:tag name="KSO_WM_UNIT_TEXT_FILL_TYPE" val="1"/>
-  <p:tag name="KSO_WM_UNIT_HIGHLIGHT" val="0"/>
-  <p:tag name="KSO_WM_UNIT_COMPATIBLE" val="0"/>
-  <p:tag name="KSO_WM_UNIT_DIAGRAM_ISNUMVISUAL" val="0"/>
-  <p:tag name="KSO_WM_UNIT_DIAGRAM_ISREFERUNIT" val="0"/>
-  <p:tag name="KSO_WM_UNIT_ID" val="diagram20231058_5*l_h_i*1_3_2"/>
-  <p:tag name="KSO_WM_TEMPLATE_CATEGORY" val="diagram"/>
-  <p:tag name="KSO_WM_TEMPLATE_INDEX" val="20231058"/>
-  <p:tag name="KSO_WM_UNIT_LAYERLEVEL" val="1_1_1"/>
-  <p:tag name="KSO_WM_TAG_VERSION" val="3.0"/>
-  <p:tag name="KSO_WM_UNIT_TYPE" val="l_h_i"/>
-  <p:tag name="KSO_WM_UNIT_INDEX" val="1_3_2"/>
-  <p:tag name="KSO_WM_DIAGRAM_VERSION" val="3"/>
-  <p:tag name="KSO_WM_DIAGRAM_COLOR_TRICK" val="4"/>
-  <p:tag name="KSO_WM_DIAGRAM_COLOR_TEXT_CAN_REMOVE" val="n"/>
-  <p:tag name="KSO_WM_DIAGRAM_GROUP_CODE" val="l1-1"/>
-  <p:tag name="KSO_WM_DIAGRAM_MAX_ITEMCNT" val="6"/>
-  <p:tag name="KSO_WM_DIAGRAM_MIN_ITEMCNT" val="2"/>
-  <p:tag name="KSO_WM_DIAGRAM_VIRTUALLY_FRAME" val="{&quot;height&quot;:402.6499938964844,&quot;left&quot;:-75.48127204955094,&quot;top&quot;:-11.862513581523762,&quot;width&quot;:849.9000244140625}"/>
-  <p:tag name="KSO_WM_DIAGRAM_COLOR_MATCH_VALUE" val="{&quot;shape&quot;:{&quot;fill&quot;:{&quot;solid&quot;:{&quot;brightness&quot;:0,&quot;colorType&quot;:1,&quot;foreColorIndex&quot;:7,&quot;transparency&quot;:0},&quot;type&quot;:1},&quot;glow&quot;:{&quot;colorType&quot;:0},&quot;line&quot;:{&quot;type&quot;:0},&quot;shadow&quot;:{&quot;brightness&quot;:-0.5,&quot;colorType&quot;:1,&quot;foreColorIndex&quot;:7,&quot;transparency&quot;:0.8999999761581421},&quot;threeD&quot;:{&quot;curvedSurface&quot;:{&quot;brightness&quot;:0,&quot;colorType&quot;:2,&quot;rgb&quot;:&quot;#000000&quot;},&quot;depth&quot;:{&quot;colorType&quot;:0}}},&quot;text&quot;:{&quot;fill&quot;:{&quot;solid&quot;:{&quot;brightness&quot;:0,&quot;colorType&quot;:1,&quot;foreColorIndex&quot;:2,&quot;transparency&quot;:0},&quot;type&quot;:1},&quot;glow&quot;:{&quot;colorType&quot;:0},&quot;line&quot;:{&quot;type&quot;:0},&quot;shadow&quot;:{&quot;colorType&quot;:0},&quot;threeD&quot;:{&quot;curvedSurface&quot;:{&quot;brightness&quot;:0,&quot;colorType&quot;:2,&quot;rgb&quot;:&quot;#000000&quot;},&quot;depth&quot;:{&quot;colorType&quot;:0}}}}"/>
-  <p:tag name="KSO_WM_UNIT_FILL_TYPE" val="1"/>
-  <p:tag name="KSO_WM_UNIT_FILL_FORE_SCHEMECOLOR_INDEX" val="7"/>
-  <p:tag name="KSO_WM_UNIT_FILL_FORE_SCHEMECOLOR_INDEX_BRIGHTNESS" val="0"/>
-  <p:tag name="KSO_WM_UNIT_USESOURCEFORMAT_APPLY" val="1"/>
-</p:tagLst>
-</file>
-
-<file path=ppt/tags/tag221.xml><?xml version="1.0" encoding="utf-8"?>
-<p:tagLst xmlns:a="http://schemas.openxmlformats.org/drawingml/2006/main" xmlns:r="http://schemas.openxmlformats.org/officeDocument/2006/relationships" xmlns:p="http://schemas.openxmlformats.org/presentationml/2006/main">
-  <p:tag name="KSO_WM_UNIT_FILL_FORE_SCHEMECOLOR_INDEX_1_BRIGHTNESS" val="0.4"/>
-  <p:tag name="KSO_WM_UNIT_FILL_FORE_SCHEMECOLOR_INDEX_1" val="7"/>
-  <p:tag name="KSO_WM_UNIT_FILL_FORE_SCHEMECOLOR_INDEX_1_POS" val="0"/>
-  <p:tag name="KSO_WM_UNIT_FILL_FORE_SCHEMECOLOR_INDEX_1_TRANS" val="0"/>
-  <p:tag name="KSO_WM_UNIT_FILL_FORE_SCHEMECOLOR_INDEX_2_BRIGHTNESS" val="0"/>
-  <p:tag name="KSO_WM_UNIT_FILL_FORE_SCHEMECOLOR_INDEX_2" val="7"/>
-  <p:tag name="KSO_WM_UNIT_FILL_FORE_SCHEMECOLOR_INDEX_2_POS" val="0.8"/>
-  <p:tag name="KSO_WM_UNIT_FILL_FORE_SCHEMECOLOR_INDEX_2_TRANS" val="0"/>
-  <p:tag name="KSO_WM_UNIT_FILL_GRADIENT_TYPE" val="0"/>
-  <p:tag name="KSO_WM_UNIT_FILL_GRADIENT_ANGLE" val="135"/>
-  <p:tag name="KSO_WM_UNIT_FILL_GRADIENT_DIRECTION" val="2"/>
-  <p:tag name="KSO_WM_UNIT_SHADOW_SCHEMECOLOR_INDEX_BRIGHTNESS" val="-0.25"/>
-  <p:tag name="KSO_WM_UNIT_SHADOW_SCHEMECOLOR_INDEX" val="7"/>
-  <p:tag name="KSO_WM_UNIT_TEXT_FILL_FORE_SCHEMECOLOR_INDEX_BRIGHTNESS" val="0"/>
-  <p:tag name="KSO_WM_UNIT_HIGHLIGHT" val="0"/>
-  <p:tag name="KSO_WM_UNIT_COMPATIBLE" val="0"/>
-  <p:tag name="KSO_WM_UNIT_DIAGRAM_ISNUMVISUAL" val="0"/>
-  <p:tag name="KSO_WM_UNIT_DIAGRAM_ISREFERUNIT" val="0"/>
-  <p:tag name="KSO_WM_UNIT_ID" val="diagram20231058_5*l_h_i*1_3_1"/>
-  <p:tag name="KSO_WM_TEMPLATE_CATEGORY" val="diagram"/>
-  <p:tag name="KSO_WM_TEMPLATE_INDEX" val="20231058"/>
-  <p:tag name="KSO_WM_UNIT_LAYERLEVEL" val="1_1_1"/>
-  <p:tag name="KSO_WM_TAG_VERSION" val="3.0"/>
-  <p:tag name="KSO_WM_UNIT_TYPE" val="l_h_i"/>
-  <p:tag name="KSO_WM_UNIT_INDEX" val="1_3_1"/>
-  <p:tag name="KSO_WM_DIAGRAM_VERSION" val="3"/>
-  <p:tag name="KSO_WM_DIAGRAM_COLOR_TRICK" val="4"/>
-  <p:tag name="KSO_WM_DIAGRAM_COLOR_TEXT_CAN_REMOVE" val="n"/>
-  <p:tag name="KSO_WM_DIAGRAM_GROUP_CODE" val="l1-1"/>
-  <p:tag name="KSO_WM_UNIT_SUBTYPE" val="d"/>
-  <p:tag name="KSO_WM_DIAGRAM_MAX_ITEMCNT" val="6"/>
-  <p:tag name="KSO_WM_DIAGRAM_MIN_ITEMCNT" val="2"/>
-  <p:tag name="KSO_WM_DIAGRAM_VIRTUALLY_FRAME" val="{&quot;height&quot;:402.6499938964844,&quot;left&quot;:-75.48127204955094,&quot;top&quot;:-11.862513581523762,&quot;width&quot;:849.9000244140625}"/>
-  <p:tag name="KSO_WM_DIAGRAM_COLOR_MATCH_VALUE" val="{&quot;shape&quot;:{&quot;fill&quot;:{&quot;gradient&quot;:[{&quot;brightness&quot;:0.6000000238418579,&quot;colorType&quot;:1,&quot;foreColorIndex&quot;:7,&quot;pos&quot;:0,&quot;transparency&quot;:0},{&quot;brightness&quot;:0,&quot;colorType&quot;:1,&quot;foreColorIndex&quot;:7,&quot;pos&quot;:0.800000011920929,&quot;transparency&quot;:0}],&quot;type&quot;:3},&quot;glow&quot;:{&quot;colorType&quot;:0},&quot;line&quot;:{&quot;type&quot;:0},&quot;shadow&quot;:{&quot;brightness&quot;:-0.25,&quot;colorType&quot;:1,&quot;foreColorIndex&quot;:7,&quot;transparency&quot;:0.800000011920929},&quot;threeD&quot;:{&quot;curvedSurface&quot;:{&quot;brightness&quot;:0,&quot;colorType&quot;:2,&quot;rgb&quot;:&quot;#000000&quot;},&quot;depth&quot;:{&quot;colorType&quot;:0}}},&quot;text&quot;:{&quot;fill&quot;:{&quot;solid&quot;:{&quot;brightness&quot;:0,&quot;colorType&quot;:2,&quot;rgb&quot;:&quot;#ffffff&quot;,&quot;transparency&quot;:0},&quot;type&quot;:1},&quot;glow&quot;:{&quot;colorType&quot;:0},&quot;line&quot;:{&quot;type&quot;:0},&quot;shadow&quot;:{&quot;colorType&quot;:0},&quot;threeD&quot;:{&quot;curvedSurface&quot;:{&quot;brightness&quot;:0,&quot;colorType&quot;:2,&quot;rgb&quot;:&quot;#000000&quot;},&quot;depth&quot;:{&quot;colorType&quot;:0}}}}"/>
-  <p:tag name="KSO_WM_UNIT_TEXT_FILL_TYPE" val="1"/>
-  <p:tag name="KSO_WM_UNIT_FILL_TYPE" val="3"/>
-  <p:tag name="KSO_WM_UNIT_USESOURCEFORMAT_APPLY" val="1"/>
-</p:tagLst>
-</file>
-
-<file path=ppt/tags/tag222.xml><?xml version="1.0" encoding="utf-8"?>
-<p:tagLst xmlns:a="http://schemas.openxmlformats.org/drawingml/2006/main" xmlns:r="http://schemas.openxmlformats.org/officeDocument/2006/relationships" xmlns:p="http://schemas.openxmlformats.org/presentationml/2006/main">
-  <p:tag name="KSO_WM_UNIT_ISCONTENTSTITLE" val="0"/>
-  <p:tag name="KSO_WM_UNIT_ISNUMDGMTITLE" val="0"/>
-  <p:tag name="KSO_WM_UNIT_NOCLEAR" val="0"/>
-  <p:tag name="KSO_WM_UNIT_VALUE" val="10"/>
-  <p:tag name="KSO_WM_UNIT_HIGHLIGHT" val="0"/>
-  <p:tag name="KSO_WM_UNIT_COMPATIBLE" val="0"/>
-  <p:tag name="KSO_WM_UNIT_DIAGRAM_ISNUMVISUAL" val="0"/>
-  <p:tag name="KSO_WM_UNIT_DIAGRAM_ISREFERUNIT" val="0"/>
-  <p:tag name="KSO_WM_UNIT_TYPE" val="l_h_a"/>
-  <p:tag name="KSO_WM_UNIT_INDEX" val="1_3_1"/>
-  <p:tag name="KSO_WM_UNIT_ID" val="diagram20231058_5*l_h_a*1_3_1"/>
-  <p:tag name="KSO_WM_TEMPLATE_CATEGORY" val="diagram"/>
-  <p:tag name="KSO_WM_TEMPLATE_INDEX" val="20231058"/>
-  <p:tag name="KSO_WM_UNIT_LAYERLEVEL" val="1_1_1"/>
-  <p:tag name="KSO_WM_TAG_VERSION" val="3.0"/>
-  <p:tag name="KSO_WM_DIAGRAM_VERSION" val="3"/>
-  <p:tag name="KSO_WM_DIAGRAM_COLOR_TRICK" val="4"/>
-  <p:tag name="KSO_WM_DIAGRAM_COLOR_TEXT_CAN_REMOVE" val="n"/>
-  <p:tag name="KSO_WM_UNIT_TEXT_FILL_FORE_SCHEMECOLOR_INDEX_BRIGHTNESS" val="0"/>
-  <p:tag name="KSO_WM_DIAGRAM_GROUP_CODE" val="l1-1"/>
-  <p:tag name="KSO_WM_DIAGRAM_MAX_ITEMCNT" val="6"/>
-  <p:tag name="KSO_WM_DIAGRAM_MIN_ITEMCNT" val="2"/>
-  <p:tag name="KSO_WM_DIAGRAM_VIRTUALLY_FRAME" val="{&quot;height&quot;:402.6499938964844,&quot;left&quot;:-75.48127204955094,&quot;top&quot;:-11.862513581523762,&quot;width&quot;:849.9000244140625}"/>
-  <p:tag name="KSO_WM_DIAGRAM_COLOR_MATCH_VALUE" val="{&quot;shape&quot;:{&quot;fill&quot;:{&quot;type&quot;:0},&quot;glow&quot;:{&quot;colorType&quot;:0},&quot;line&quot;:{&quot;type&quot;:0},&quot;shadow&quot;:{&quot;colorType&quot;:0},&quot;threeD&quot;:{&quot;curvedSurface&quot;:{&quot;brightness&quot;:0,&quot;colorType&quot;:2,&quot;rgb&quot;:&quot;#000000&quot;},&quot;depth&quot;:{&quot;colorType&quot;:0}}},&quot;text&quot;:{&quot;fill&quot;:{&quot;solid&quot;:{&quot;brightness&quot;:0,&quot;colorType&quot;:1,&quot;foreColorIndex&quot;:7,&quot;transparency&quot;:0},&quot;type&quot;:1},&quot;glow&quot;:{&quot;colorType&quot;:0},&quot;line&quot;:{&quot;type&quot;:0},&quot;shadow&quot;:{&quot;colorType&quot;:0},&quot;threeD&quot;:{&quot;curvedSurface&quot;:{&quot;brightness&quot;:0,&quot;colorType&quot;:2,&quot;rgb&quot;:&quot;#000000&quot;},&quot;depth&quot;:{&quot;colorType&quot;:0}}}}"/>
-  <p:tag name="KSO_WM_UNIT_TEXT_TYPE" val="1"/>
-  <p:tag name="KSO_WM_UNIT_PRESET_TEXT" val="添加标题"/>
-  <p:tag name="KSO_WM_UNIT_TEXT_FILL_FORE_SCHEMECOLOR_INDEX" val="1"/>
-  <p:tag name="KSO_WM_UNIT_TEXT_FILL_TYPE" val="1"/>
-  <p:tag name="KSO_WM_UNIT_USESOURCEFORMAT_APPLY" val="1"/>
-</p:tagLst>
-</file>
-
-<file path=ppt/tags/tag223.xml><?xml version="1.0" encoding="utf-8"?>
-<p:tagLst xmlns:a="http://schemas.openxmlformats.org/drawingml/2006/main" xmlns:r="http://schemas.openxmlformats.org/officeDocument/2006/relationships" xmlns:p="http://schemas.openxmlformats.org/presentationml/2006/main">
-  <p:tag name="KSO_WM_UNIT_LINE_FORE_SCHEMECOLOR_INDEX_BRIGHTNESS" val="0"/>
-  <p:tag name="KSO_WM_UNIT_LINE_FORE_SCHEMECOLOR_INDEX" val="13"/>
-  <p:tag name="KSO_WM_UNIT_LINE_FILL_TYPE" val="2"/>
-</p:tagLst>
-</file>
-
-<file path=ppt/tags/tag224.xml><?xml version="1.0" encoding="utf-8"?>
-<p:tagLst xmlns:a="http://schemas.openxmlformats.org/drawingml/2006/main" xmlns:r="http://schemas.openxmlformats.org/officeDocument/2006/relationships" xmlns:p="http://schemas.openxmlformats.org/presentationml/2006/main">
   <p:tag name="KSO_WM_UNIT_FILL_FORE_SCHEMECOLOR_INDEX_BRIGHTNESS" val="0"/>
   <p:tag name="KSO_WM_UNIT_FILL_FORE_SCHEMECOLOR_INDEX" val="5"/>
   <p:tag name="KSO_WM_UNIT_FILL_TYPE" val="1"/>
@@ -30261,7 +29505,7 @@
 </p:tagLst>
 </file>
 
-<file path=ppt/tags/tag225.xml><?xml version="1.0" encoding="utf-8"?>
+<file path=ppt/tags/tag221.xml><?xml version="1.0" encoding="utf-8"?>
 <p:tagLst xmlns:a="http://schemas.openxmlformats.org/drawingml/2006/main" xmlns:r="http://schemas.openxmlformats.org/officeDocument/2006/relationships" xmlns:p="http://schemas.openxmlformats.org/presentationml/2006/main">
   <p:tag name="KSO_WM_UNIT_FILL_FORE_SCHEMECOLOR_INDEX_BRIGHTNESS" val="0"/>
   <p:tag name="KSO_WM_UNIT_FILL_FORE_SCHEMECOLOR_INDEX" val="5"/>
